--- a/Posts/Lecture_8-_Machine_Translation_II.pptx
+++ b/Posts/Lecture_8-_Machine_Translation_II.pptx
@@ -10,13 +10,14 @@
     <p:sldId id="258" r:id="rId4"/>
     <p:sldId id="259" r:id="rId5"/>
     <p:sldId id="260" r:id="rId6"/>
-    <p:sldId id="261" r:id="rId7"/>
-    <p:sldId id="262" r:id="rId8"/>
-    <p:sldId id="263" r:id="rId9"/>
-    <p:sldId id="264" r:id="rId10"/>
-    <p:sldId id="265" r:id="rId11"/>
-    <p:sldId id="266" r:id="rId12"/>
-    <p:sldId id="267" r:id="rId13"/>
+    <p:sldId id="268" r:id="rId7"/>
+    <p:sldId id="261" r:id="rId8"/>
+    <p:sldId id="262" r:id="rId9"/>
+    <p:sldId id="263" r:id="rId10"/>
+    <p:sldId id="264" r:id="rId11"/>
+    <p:sldId id="265" r:id="rId12"/>
+    <p:sldId id="266" r:id="rId13"/>
+    <p:sldId id="267" r:id="rId14"/>
   </p:sldIdLst>
   <p:sldSz cx="12192000" cy="6858000"/>
   <p:notesSz cx="6858000" cy="9144000"/>
@@ -115,6 +116,11 @@
       </a:defRPr>
     </a:lvl9pPr>
   </p:defaultTextStyle>
+  <p:extLst>
+    <p:ext uri="{EFAFB233-063F-42B5-8137-9DF3F51BA10A}">
+      <p15:sldGuideLst xmlns:p15="http://schemas.microsoft.com/office/powerpoint/2012/main"/>
+    </p:ext>
+  </p:extLst>
 </p:presentation>
 </file>
 
@@ -160,10 +166,9 @@
           </a:lstStyle>
           <a:p>
             <a:r>
-              <a:rPr lang="en-US" smtClean="0"/>
+              <a:rPr lang="en-US"/>
               <a:t>Click to edit Master title style</a:t>
             </a:r>
-            <a:endParaRPr lang="en-US"/>
           </a:p>
         </p:txBody>
       </p:sp>
@@ -225,10 +230,9 @@
           </a:lstStyle>
           <a:p>
             <a:r>
-              <a:rPr lang="en-US" smtClean="0"/>
+              <a:rPr lang="en-US"/>
               <a:t>Click to edit Master subtitle style</a:t>
             </a:r>
-            <a:endParaRPr lang="en-US"/>
           </a:p>
         </p:txBody>
       </p:sp>
@@ -249,7 +253,7 @@
           <a:p>
             <a:fld id="{D16913E3-3D97-428B-BDCE-F5B2BFBD29B3}" type="datetimeFigureOut">
               <a:rPr lang="en-US" smtClean="0"/>
-              <a:t>9/22/2024</a:t>
+              <a:t>9/30/24</a:t>
             </a:fld>
             <a:endParaRPr lang="en-US"/>
           </a:p>
@@ -343,10 +347,9 @@
           <a:lstStyle/>
           <a:p>
             <a:r>
-              <a:rPr lang="en-US" smtClean="0"/>
+              <a:rPr lang="en-US"/>
               <a:t>Click to edit Master title style</a:t>
             </a:r>
-            <a:endParaRPr lang="en-US"/>
           </a:p>
         </p:txBody>
       </p:sp>
@@ -367,38 +370,37 @@
           <a:p>
             <a:pPr lvl="0"/>
             <a:r>
-              <a:rPr lang="en-US" smtClean="0"/>
+              <a:rPr lang="en-US"/>
               <a:t>Edit Master text styles</a:t>
             </a:r>
           </a:p>
           <a:p>
             <a:pPr lvl="1"/>
             <a:r>
-              <a:rPr lang="en-US" smtClean="0"/>
+              <a:rPr lang="en-US"/>
               <a:t>Second level</a:t>
             </a:r>
           </a:p>
           <a:p>
             <a:pPr lvl="2"/>
             <a:r>
-              <a:rPr lang="en-US" smtClean="0"/>
+              <a:rPr lang="en-US"/>
               <a:t>Third level</a:t>
             </a:r>
           </a:p>
           <a:p>
             <a:pPr lvl="3"/>
             <a:r>
-              <a:rPr lang="en-US" smtClean="0"/>
+              <a:rPr lang="en-US"/>
               <a:t>Fourth level</a:t>
             </a:r>
           </a:p>
           <a:p>
             <a:pPr lvl="4"/>
             <a:r>
-              <a:rPr lang="en-US" smtClean="0"/>
+              <a:rPr lang="en-US"/>
               <a:t>Fifth level</a:t>
             </a:r>
-            <a:endParaRPr lang="en-US"/>
           </a:p>
         </p:txBody>
       </p:sp>
@@ -419,7 +421,7 @@
           <a:p>
             <a:fld id="{D16913E3-3D97-428B-BDCE-F5B2BFBD29B3}" type="datetimeFigureOut">
               <a:rPr lang="en-US" smtClean="0"/>
-              <a:t>9/22/2024</a:t>
+              <a:t>9/30/24</a:t>
             </a:fld>
             <a:endParaRPr lang="en-US"/>
           </a:p>
@@ -518,10 +520,9 @@
           <a:lstStyle/>
           <a:p>
             <a:r>
-              <a:rPr lang="en-US" smtClean="0"/>
+              <a:rPr lang="en-US"/>
               <a:t>Click to edit Master title style</a:t>
             </a:r>
-            <a:endParaRPr lang="en-US"/>
           </a:p>
         </p:txBody>
       </p:sp>
@@ -547,38 +548,37 @@
           <a:p>
             <a:pPr lvl="0"/>
             <a:r>
-              <a:rPr lang="en-US" smtClean="0"/>
+              <a:rPr lang="en-US"/>
               <a:t>Edit Master text styles</a:t>
             </a:r>
           </a:p>
           <a:p>
             <a:pPr lvl="1"/>
             <a:r>
-              <a:rPr lang="en-US" smtClean="0"/>
+              <a:rPr lang="en-US"/>
               <a:t>Second level</a:t>
             </a:r>
           </a:p>
           <a:p>
             <a:pPr lvl="2"/>
             <a:r>
-              <a:rPr lang="en-US" smtClean="0"/>
+              <a:rPr lang="en-US"/>
               <a:t>Third level</a:t>
             </a:r>
           </a:p>
           <a:p>
             <a:pPr lvl="3"/>
             <a:r>
-              <a:rPr lang="en-US" smtClean="0"/>
+              <a:rPr lang="en-US"/>
               <a:t>Fourth level</a:t>
             </a:r>
           </a:p>
           <a:p>
             <a:pPr lvl="4"/>
             <a:r>
-              <a:rPr lang="en-US" smtClean="0"/>
+              <a:rPr lang="en-US"/>
               <a:t>Fifth level</a:t>
             </a:r>
-            <a:endParaRPr lang="en-US"/>
           </a:p>
         </p:txBody>
       </p:sp>
@@ -599,7 +599,7 @@
           <a:p>
             <a:fld id="{D16913E3-3D97-428B-BDCE-F5B2BFBD29B3}" type="datetimeFigureOut">
               <a:rPr lang="en-US" smtClean="0"/>
-              <a:t>9/22/2024</a:t>
+              <a:t>9/30/24</a:t>
             </a:fld>
             <a:endParaRPr lang="en-US"/>
           </a:p>
@@ -693,10 +693,9 @@
           <a:lstStyle/>
           <a:p>
             <a:r>
-              <a:rPr lang="en-US" smtClean="0"/>
+              <a:rPr lang="en-US"/>
               <a:t>Click to edit Master title style</a:t>
             </a:r>
-            <a:endParaRPr lang="en-US"/>
           </a:p>
         </p:txBody>
       </p:sp>
@@ -717,38 +716,37 @@
           <a:p>
             <a:pPr lvl="0"/>
             <a:r>
-              <a:rPr lang="en-US" smtClean="0"/>
+              <a:rPr lang="en-US"/>
               <a:t>Edit Master text styles</a:t>
             </a:r>
           </a:p>
           <a:p>
             <a:pPr lvl="1"/>
             <a:r>
-              <a:rPr lang="en-US" smtClean="0"/>
+              <a:rPr lang="en-US"/>
               <a:t>Second level</a:t>
             </a:r>
           </a:p>
           <a:p>
             <a:pPr lvl="2"/>
             <a:r>
-              <a:rPr lang="en-US" smtClean="0"/>
+              <a:rPr lang="en-US"/>
               <a:t>Third level</a:t>
             </a:r>
           </a:p>
           <a:p>
             <a:pPr lvl="3"/>
             <a:r>
-              <a:rPr lang="en-US" smtClean="0"/>
+              <a:rPr lang="en-US"/>
               <a:t>Fourth level</a:t>
             </a:r>
           </a:p>
           <a:p>
             <a:pPr lvl="4"/>
             <a:r>
-              <a:rPr lang="en-US" smtClean="0"/>
+              <a:rPr lang="en-US"/>
               <a:t>Fifth level</a:t>
             </a:r>
-            <a:endParaRPr lang="en-US"/>
           </a:p>
         </p:txBody>
       </p:sp>
@@ -769,7 +767,7 @@
           <a:p>
             <a:fld id="{D16913E3-3D97-428B-BDCE-F5B2BFBD29B3}" type="datetimeFigureOut">
               <a:rPr lang="en-US" smtClean="0"/>
-              <a:t>9/22/2024</a:t>
+              <a:t>9/30/24</a:t>
             </a:fld>
             <a:endParaRPr lang="en-US"/>
           </a:p>
@@ -872,10 +870,9 @@
           </a:lstStyle>
           <a:p>
             <a:r>
-              <a:rPr lang="en-US" smtClean="0"/>
+              <a:rPr lang="en-US"/>
               <a:t>Click to edit Master title style</a:t>
             </a:r>
-            <a:endParaRPr lang="en-US"/>
           </a:p>
         </p:txBody>
       </p:sp>
@@ -992,7 +989,7 @@
           <a:p>
             <a:pPr lvl="0"/>
             <a:r>
-              <a:rPr lang="en-US" smtClean="0"/>
+              <a:rPr lang="en-US"/>
               <a:t>Edit Master text styles</a:t>
             </a:r>
           </a:p>
@@ -1015,7 +1012,7 @@
           <a:p>
             <a:fld id="{D16913E3-3D97-428B-BDCE-F5B2BFBD29B3}" type="datetimeFigureOut">
               <a:rPr lang="en-US" smtClean="0"/>
-              <a:t>9/22/2024</a:t>
+              <a:t>9/30/24</a:t>
             </a:fld>
             <a:endParaRPr lang="en-US"/>
           </a:p>
@@ -1109,10 +1106,9 @@
           <a:lstStyle/>
           <a:p>
             <a:r>
-              <a:rPr lang="en-US" smtClean="0"/>
+              <a:rPr lang="en-US"/>
               <a:t>Click to edit Master title style</a:t>
             </a:r>
-            <a:endParaRPr lang="en-US"/>
           </a:p>
         </p:txBody>
       </p:sp>
@@ -1138,38 +1134,37 @@
           <a:p>
             <a:pPr lvl="0"/>
             <a:r>
-              <a:rPr lang="en-US" smtClean="0"/>
+              <a:rPr lang="en-US"/>
               <a:t>Edit Master text styles</a:t>
             </a:r>
           </a:p>
           <a:p>
             <a:pPr lvl="1"/>
             <a:r>
-              <a:rPr lang="en-US" smtClean="0"/>
+              <a:rPr lang="en-US"/>
               <a:t>Second level</a:t>
             </a:r>
           </a:p>
           <a:p>
             <a:pPr lvl="2"/>
             <a:r>
-              <a:rPr lang="en-US" smtClean="0"/>
+              <a:rPr lang="en-US"/>
               <a:t>Third level</a:t>
             </a:r>
           </a:p>
           <a:p>
             <a:pPr lvl="3"/>
             <a:r>
-              <a:rPr lang="en-US" smtClean="0"/>
+              <a:rPr lang="en-US"/>
               <a:t>Fourth level</a:t>
             </a:r>
           </a:p>
           <a:p>
             <a:pPr lvl="4"/>
             <a:r>
-              <a:rPr lang="en-US" smtClean="0"/>
+              <a:rPr lang="en-US"/>
               <a:t>Fifth level</a:t>
             </a:r>
-            <a:endParaRPr lang="en-US"/>
           </a:p>
         </p:txBody>
       </p:sp>
@@ -1195,38 +1190,37 @@
           <a:p>
             <a:pPr lvl="0"/>
             <a:r>
-              <a:rPr lang="en-US" smtClean="0"/>
+              <a:rPr lang="en-US"/>
               <a:t>Edit Master text styles</a:t>
             </a:r>
           </a:p>
           <a:p>
             <a:pPr lvl="1"/>
             <a:r>
-              <a:rPr lang="en-US" smtClean="0"/>
+              <a:rPr lang="en-US"/>
               <a:t>Second level</a:t>
             </a:r>
           </a:p>
           <a:p>
             <a:pPr lvl="2"/>
             <a:r>
-              <a:rPr lang="en-US" smtClean="0"/>
+              <a:rPr lang="en-US"/>
               <a:t>Third level</a:t>
             </a:r>
           </a:p>
           <a:p>
             <a:pPr lvl="3"/>
             <a:r>
-              <a:rPr lang="en-US" smtClean="0"/>
+              <a:rPr lang="en-US"/>
               <a:t>Fourth level</a:t>
             </a:r>
           </a:p>
           <a:p>
             <a:pPr lvl="4"/>
             <a:r>
-              <a:rPr lang="en-US" smtClean="0"/>
+              <a:rPr lang="en-US"/>
               <a:t>Fifth level</a:t>
             </a:r>
-            <a:endParaRPr lang="en-US"/>
           </a:p>
         </p:txBody>
       </p:sp>
@@ -1247,7 +1241,7 @@
           <a:p>
             <a:fld id="{D16913E3-3D97-428B-BDCE-F5B2BFBD29B3}" type="datetimeFigureOut">
               <a:rPr lang="en-US" smtClean="0"/>
-              <a:t>9/22/2024</a:t>
+              <a:t>9/30/24</a:t>
             </a:fld>
             <a:endParaRPr lang="en-US"/>
           </a:p>
@@ -1346,10 +1340,9 @@
           <a:lstStyle/>
           <a:p>
             <a:r>
-              <a:rPr lang="en-US" smtClean="0"/>
+              <a:rPr lang="en-US"/>
               <a:t>Click to edit Master title style</a:t>
             </a:r>
-            <a:endParaRPr lang="en-US"/>
           </a:p>
         </p:txBody>
       </p:sp>
@@ -1412,7 +1405,7 @@
           <a:p>
             <a:pPr lvl="0"/>
             <a:r>
-              <a:rPr lang="en-US" smtClean="0"/>
+              <a:rPr lang="en-US"/>
               <a:t>Edit Master text styles</a:t>
             </a:r>
           </a:p>
@@ -1440,38 +1433,37 @@
           <a:p>
             <a:pPr lvl="0"/>
             <a:r>
-              <a:rPr lang="en-US" smtClean="0"/>
+              <a:rPr lang="en-US"/>
               <a:t>Edit Master text styles</a:t>
             </a:r>
           </a:p>
           <a:p>
             <a:pPr lvl="1"/>
             <a:r>
-              <a:rPr lang="en-US" smtClean="0"/>
+              <a:rPr lang="en-US"/>
               <a:t>Second level</a:t>
             </a:r>
           </a:p>
           <a:p>
             <a:pPr lvl="2"/>
             <a:r>
-              <a:rPr lang="en-US" smtClean="0"/>
+              <a:rPr lang="en-US"/>
               <a:t>Third level</a:t>
             </a:r>
           </a:p>
           <a:p>
             <a:pPr lvl="3"/>
             <a:r>
-              <a:rPr lang="en-US" smtClean="0"/>
+              <a:rPr lang="en-US"/>
               <a:t>Fourth level</a:t>
             </a:r>
           </a:p>
           <a:p>
             <a:pPr lvl="4"/>
             <a:r>
-              <a:rPr lang="en-US" smtClean="0"/>
+              <a:rPr lang="en-US"/>
               <a:t>Fifth level</a:t>
             </a:r>
-            <a:endParaRPr lang="en-US"/>
           </a:p>
         </p:txBody>
       </p:sp>
@@ -1534,7 +1526,7 @@
           <a:p>
             <a:pPr lvl="0"/>
             <a:r>
-              <a:rPr lang="en-US" smtClean="0"/>
+              <a:rPr lang="en-US"/>
               <a:t>Edit Master text styles</a:t>
             </a:r>
           </a:p>
@@ -1562,38 +1554,37 @@
           <a:p>
             <a:pPr lvl="0"/>
             <a:r>
-              <a:rPr lang="en-US" smtClean="0"/>
+              <a:rPr lang="en-US"/>
               <a:t>Edit Master text styles</a:t>
             </a:r>
           </a:p>
           <a:p>
             <a:pPr lvl="1"/>
             <a:r>
-              <a:rPr lang="en-US" smtClean="0"/>
+              <a:rPr lang="en-US"/>
               <a:t>Second level</a:t>
             </a:r>
           </a:p>
           <a:p>
             <a:pPr lvl="2"/>
             <a:r>
-              <a:rPr lang="en-US" smtClean="0"/>
+              <a:rPr lang="en-US"/>
               <a:t>Third level</a:t>
             </a:r>
           </a:p>
           <a:p>
             <a:pPr lvl="3"/>
             <a:r>
-              <a:rPr lang="en-US" smtClean="0"/>
+              <a:rPr lang="en-US"/>
               <a:t>Fourth level</a:t>
             </a:r>
           </a:p>
           <a:p>
             <a:pPr lvl="4"/>
             <a:r>
-              <a:rPr lang="en-US" smtClean="0"/>
+              <a:rPr lang="en-US"/>
               <a:t>Fifth level</a:t>
             </a:r>
-            <a:endParaRPr lang="en-US"/>
           </a:p>
         </p:txBody>
       </p:sp>
@@ -1614,7 +1605,7 @@
           <a:p>
             <a:fld id="{D16913E3-3D97-428B-BDCE-F5B2BFBD29B3}" type="datetimeFigureOut">
               <a:rPr lang="en-US" smtClean="0"/>
-              <a:t>9/22/2024</a:t>
+              <a:t>9/30/24</a:t>
             </a:fld>
             <a:endParaRPr lang="en-US"/>
           </a:p>
@@ -1708,10 +1699,9 @@
           <a:lstStyle/>
           <a:p>
             <a:r>
-              <a:rPr lang="en-US" smtClean="0"/>
+              <a:rPr lang="en-US"/>
               <a:t>Click to edit Master title style</a:t>
             </a:r>
-            <a:endParaRPr lang="en-US"/>
           </a:p>
         </p:txBody>
       </p:sp>
@@ -1732,7 +1722,7 @@
           <a:p>
             <a:fld id="{D16913E3-3D97-428B-BDCE-F5B2BFBD29B3}" type="datetimeFigureOut">
               <a:rPr lang="en-US" smtClean="0"/>
-              <a:t>9/22/2024</a:t>
+              <a:t>9/30/24</a:t>
             </a:fld>
             <a:endParaRPr lang="en-US"/>
           </a:p>
@@ -1827,7 +1817,7 @@
           <a:p>
             <a:fld id="{D16913E3-3D97-428B-BDCE-F5B2BFBD29B3}" type="datetimeFigureOut">
               <a:rPr lang="en-US" smtClean="0"/>
-              <a:t>9/22/2024</a:t>
+              <a:t>9/30/24</a:t>
             </a:fld>
             <a:endParaRPr lang="en-US"/>
           </a:p>
@@ -1930,10 +1920,9 @@
           </a:lstStyle>
           <a:p>
             <a:r>
-              <a:rPr lang="en-US" smtClean="0"/>
+              <a:rPr lang="en-US"/>
               <a:t>Click to edit Master title style</a:t>
             </a:r>
-            <a:endParaRPr lang="en-US"/>
           </a:p>
         </p:txBody>
       </p:sp>
@@ -1987,38 +1976,37 @@
           <a:p>
             <a:pPr lvl="0"/>
             <a:r>
-              <a:rPr lang="en-US" smtClean="0"/>
+              <a:rPr lang="en-US"/>
               <a:t>Edit Master text styles</a:t>
             </a:r>
           </a:p>
           <a:p>
             <a:pPr lvl="1"/>
             <a:r>
-              <a:rPr lang="en-US" smtClean="0"/>
+              <a:rPr lang="en-US"/>
               <a:t>Second level</a:t>
             </a:r>
           </a:p>
           <a:p>
             <a:pPr lvl="2"/>
             <a:r>
-              <a:rPr lang="en-US" smtClean="0"/>
+              <a:rPr lang="en-US"/>
               <a:t>Third level</a:t>
             </a:r>
           </a:p>
           <a:p>
             <a:pPr lvl="3"/>
             <a:r>
-              <a:rPr lang="en-US" smtClean="0"/>
+              <a:rPr lang="en-US"/>
               <a:t>Fourth level</a:t>
             </a:r>
           </a:p>
           <a:p>
             <a:pPr lvl="4"/>
             <a:r>
-              <a:rPr lang="en-US" smtClean="0"/>
+              <a:rPr lang="en-US"/>
               <a:t>Fifth level</a:t>
             </a:r>
-            <a:endParaRPr lang="en-US"/>
           </a:p>
         </p:txBody>
       </p:sp>
@@ -2081,7 +2069,7 @@
           <a:p>
             <a:pPr lvl="0"/>
             <a:r>
-              <a:rPr lang="en-US" smtClean="0"/>
+              <a:rPr lang="en-US"/>
               <a:t>Edit Master text styles</a:t>
             </a:r>
           </a:p>
@@ -2104,7 +2092,7 @@
           <a:p>
             <a:fld id="{D16913E3-3D97-428B-BDCE-F5B2BFBD29B3}" type="datetimeFigureOut">
               <a:rPr lang="en-US" smtClean="0"/>
-              <a:t>9/22/2024</a:t>
+              <a:t>9/30/24</a:t>
             </a:fld>
             <a:endParaRPr lang="en-US"/>
           </a:p>
@@ -2207,10 +2195,9 @@
           </a:lstStyle>
           <a:p>
             <a:r>
-              <a:rPr lang="en-US" smtClean="0"/>
+              <a:rPr lang="en-US"/>
               <a:t>Click to edit Master title style</a:t>
             </a:r>
-            <a:endParaRPr lang="en-US"/>
           </a:p>
         </p:txBody>
       </p:sp>
@@ -2334,7 +2321,7 @@
           <a:p>
             <a:pPr lvl="0"/>
             <a:r>
-              <a:rPr lang="en-US" smtClean="0"/>
+              <a:rPr lang="en-US"/>
               <a:t>Edit Master text styles</a:t>
             </a:r>
           </a:p>
@@ -2357,7 +2344,7 @@
           <a:p>
             <a:fld id="{D16913E3-3D97-428B-BDCE-F5B2BFBD29B3}" type="datetimeFigureOut">
               <a:rPr lang="en-US" smtClean="0"/>
-              <a:t>9/22/2024</a:t>
+              <a:t>9/30/24</a:t>
             </a:fld>
             <a:endParaRPr lang="en-US"/>
           </a:p>
@@ -2466,10 +2453,9 @@
           <a:lstStyle/>
           <a:p>
             <a:r>
-              <a:rPr lang="en-US" smtClean="0"/>
+              <a:rPr lang="en-US"/>
               <a:t>Click to edit Master title style</a:t>
             </a:r>
-            <a:endParaRPr lang="en-US"/>
           </a:p>
         </p:txBody>
       </p:sp>
@@ -2500,38 +2486,37 @@
           <a:p>
             <a:pPr lvl="0"/>
             <a:r>
-              <a:rPr lang="en-US" smtClean="0"/>
+              <a:rPr lang="en-US"/>
               <a:t>Edit Master text styles</a:t>
             </a:r>
           </a:p>
           <a:p>
             <a:pPr lvl="1"/>
             <a:r>
-              <a:rPr lang="en-US" smtClean="0"/>
+              <a:rPr lang="en-US"/>
               <a:t>Second level</a:t>
             </a:r>
           </a:p>
           <a:p>
             <a:pPr lvl="2"/>
             <a:r>
-              <a:rPr lang="en-US" smtClean="0"/>
+              <a:rPr lang="en-US"/>
               <a:t>Third level</a:t>
             </a:r>
           </a:p>
           <a:p>
             <a:pPr lvl="3"/>
             <a:r>
-              <a:rPr lang="en-US" smtClean="0"/>
+              <a:rPr lang="en-US"/>
               <a:t>Fourth level</a:t>
             </a:r>
           </a:p>
           <a:p>
             <a:pPr lvl="4"/>
             <a:r>
-              <a:rPr lang="en-US" smtClean="0"/>
+              <a:rPr lang="en-US"/>
               <a:t>Fifth level</a:t>
             </a:r>
-            <a:endParaRPr lang="en-US"/>
           </a:p>
         </p:txBody>
       </p:sp>
@@ -2570,7 +2555,7 @@
           <a:p>
             <a:fld id="{D16913E3-3D97-428B-BDCE-F5B2BFBD29B3}" type="datetimeFigureOut">
               <a:rPr lang="en-US" smtClean="0"/>
-              <a:t>9/22/2024</a:t>
+              <a:t>9/30/24</a:t>
             </a:fld>
             <a:endParaRPr lang="en-US"/>
           </a:p>
@@ -2991,10 +2976,9 @@
           <a:lstStyle/>
           <a:p>
             <a:r>
-              <a:rPr lang="en-US" dirty="0" smtClean="0"/>
+              <a:rPr lang="en-US" dirty="0"/>
               <a:t>Machine Translation II</a:t>
             </a:r>
-            <a:endParaRPr lang="en-US" dirty="0"/>
           </a:p>
         </p:txBody>
       </p:sp>
@@ -3027,13 +3011,6 @@
   <p:clrMapOvr>
     <a:masterClrMapping/>
   </p:clrMapOvr>
-  <p:timing>
-    <p:tnLst>
-      <p:par>
-        <p:cTn id="1" dur="indefinite" restart="never" nodeType="tmRoot"/>
-      </p:par>
-    </p:tnLst>
-  </p:timing>
 </p:sld>
 </file>
 
@@ -3070,15 +3047,631 @@
           <a:lstStyle/>
           <a:p>
             <a:r>
-              <a:rPr lang="en-US" dirty="0" smtClean="0"/>
+              <a:rPr lang="en-US" dirty="0"/>
               <a:t>Word Order</a:t>
             </a:r>
-            <a:endParaRPr lang="en-US" dirty="0"/>
           </a:p>
         </p:txBody>
       </p:sp>
-      <mc:AlternateContent xmlns:mc="http://schemas.openxmlformats.org/markup-compatibility/2006">
-        <mc:Choice xmlns:a14="http://schemas.microsoft.com/office/drawing/2010/main" Requires="a14">
+      <mc:AlternateContent xmlns:mc="http://schemas.openxmlformats.org/markup-compatibility/2006" xmlns:a14="http://schemas.microsoft.com/office/drawing/2010/main">
+        <mc:Choice Requires="a14">
+          <p:sp>
+            <p:nvSpPr>
+              <p:cNvPr id="3" name="Content Placeholder 2"/>
+              <p:cNvSpPr>
+                <a:spLocks noGrp="1"/>
+              </p:cNvSpPr>
+              <p:nvPr>
+                <p:ph idx="1"/>
+              </p:nvPr>
+            </p:nvSpPr>
+            <p:spPr/>
+            <p:txBody>
+              <a:bodyPr/>
+              <a:lstStyle/>
+              <a:p>
+                <a:r>
+                  <a:rPr lang="en-US" dirty="0"/>
+                  <a:t>IBM1 doesn’t care about word order</a:t>
+                </a:r>
+              </a:p>
+              <a:p>
+                <a:pPr lvl="1"/>
+                <a:r>
+                  <a:rPr lang="en-US" dirty="0"/>
+                  <a:t>That matters in translation!</a:t>
+                </a:r>
+              </a:p>
+              <a:p>
+                <a:pPr lvl="1"/>
+                <a:r>
+                  <a:rPr lang="en-US" dirty="0"/>
+                  <a:t>For example, if a Spanish word is generated from an English word</a:t>
+                </a:r>
+              </a:p>
+              <a:p>
+                <a:pPr lvl="2"/>
+                <a:r>
+                  <a:rPr lang="en-US" dirty="0"/>
+                  <a:t>The next Spanish word is probably translated from the next English word</a:t>
+                </a:r>
+              </a:p>
+              <a:p>
+                <a:pPr lvl="1"/>
+                <a:r>
+                  <a:rPr lang="en-US" dirty="0"/>
+                  <a:t>How to capture dependencies between alignment?</a:t>
+                </a:r>
+              </a:p>
+              <a:p>
+                <a:endParaRPr lang="en-US" dirty="0"/>
+              </a:p>
+              <a:p>
+                <a:r>
+                  <a:rPr lang="en-US" dirty="0"/>
+                  <a:t>Make current alignment depend on the previous alignment!</a:t>
+                </a:r>
+              </a:p>
+              <a:p>
+                <a:pPr lvl="1"/>
+                <a14:m>
+                  <m:oMath xmlns:m="http://schemas.openxmlformats.org/officeDocument/2006/math">
+                    <m:sSub>
+                      <m:sSubPr>
+                        <m:ctrlPr>
+                          <a:rPr lang="en-US" b="0" i="1" smtClean="0">
+                            <a:solidFill>
+                              <a:schemeClr val="accent6"/>
+                            </a:solidFill>
+                            <a:latin typeface="Cambria Math" panose="02040503050406030204" pitchFamily="18" charset="0"/>
+                          </a:rPr>
+                        </m:ctrlPr>
+                      </m:sSubPr>
+                      <m:e>
+                        <m:r>
+                          <a:rPr lang="en-US" b="0" i="1" smtClean="0">
+                            <a:solidFill>
+                              <a:schemeClr val="accent6"/>
+                            </a:solidFill>
+                            <a:latin typeface="Cambria Math" panose="02040503050406030204" pitchFamily="18" charset="0"/>
+                          </a:rPr>
+                          <m:t>𝑎</m:t>
+                        </m:r>
+                      </m:e>
+                      <m:sub>
+                        <m:r>
+                          <a:rPr lang="en-US" b="0" i="1" smtClean="0">
+                            <a:solidFill>
+                              <a:schemeClr val="accent6"/>
+                            </a:solidFill>
+                            <a:latin typeface="Cambria Math" panose="02040503050406030204" pitchFamily="18" charset="0"/>
+                          </a:rPr>
+                          <m:t>𝑗</m:t>
+                        </m:r>
+                      </m:sub>
+                    </m:sSub>
+                  </m:oMath>
+                </a14:m>
+                <a:r>
+                  <a:rPr lang="en-US" dirty="0"/>
+                  <a:t> depends on </a:t>
+                </a:r>
+                <a14:m>
+                  <m:oMath xmlns:m="http://schemas.openxmlformats.org/officeDocument/2006/math">
+                    <m:sSub>
+                      <m:sSubPr>
+                        <m:ctrlPr>
+                          <a:rPr lang="en-US" b="0" i="1" smtClean="0">
+                            <a:solidFill>
+                              <a:schemeClr val="accent6"/>
+                            </a:solidFill>
+                            <a:latin typeface="Cambria Math" panose="02040503050406030204" pitchFamily="18" charset="0"/>
+                          </a:rPr>
+                        </m:ctrlPr>
+                      </m:sSubPr>
+                      <m:e>
+                        <m:r>
+                          <a:rPr lang="en-US" b="0" i="1" smtClean="0">
+                            <a:solidFill>
+                              <a:schemeClr val="accent6"/>
+                            </a:solidFill>
+                            <a:latin typeface="Cambria Math" panose="02040503050406030204" pitchFamily="18" charset="0"/>
+                          </a:rPr>
+                          <m:t>𝑎</m:t>
+                        </m:r>
+                      </m:e>
+                      <m:sub>
+                        <m:r>
+                          <a:rPr lang="en-US" b="0" i="1" smtClean="0">
+                            <a:solidFill>
+                              <a:schemeClr val="accent6"/>
+                            </a:solidFill>
+                            <a:latin typeface="Cambria Math" panose="02040503050406030204" pitchFamily="18" charset="0"/>
+                          </a:rPr>
+                          <m:t>𝑗</m:t>
+                        </m:r>
+                        <m:r>
+                          <a:rPr lang="en-US" b="0" i="1" smtClean="0">
+                            <a:solidFill>
+                              <a:schemeClr val="accent6"/>
+                            </a:solidFill>
+                            <a:latin typeface="Cambria Math" panose="02040503050406030204" pitchFamily="18" charset="0"/>
+                          </a:rPr>
+                          <m:t>−1</m:t>
+                        </m:r>
+                      </m:sub>
+                    </m:sSub>
+                  </m:oMath>
+                </a14:m>
+                <a:endParaRPr lang="en-US" dirty="0"/>
+              </a:p>
+              <a:p>
+                <a:endParaRPr lang="en-US" dirty="0"/>
+              </a:p>
+            </p:txBody>
+          </p:sp>
+        </mc:Choice>
+        <mc:Fallback xmlns="">
+          <p:sp>
+            <p:nvSpPr>
+              <p:cNvPr id="3" name="Content Placeholder 2"/>
+              <p:cNvSpPr>
+                <a:spLocks noGrp="1" noRot="1" noChangeAspect="1" noMove="1" noResize="1" noEditPoints="1" noAdjustHandles="1" noChangeArrowheads="1" noChangeShapeType="1" noTextEdit="1"/>
+              </p:cNvSpPr>
+              <p:nvPr>
+                <p:ph idx="1"/>
+              </p:nvPr>
+            </p:nvSpPr>
+            <p:spPr>
+              <a:blipFill>
+                <a:blip r:embed="rId2"/>
+                <a:stretch>
+                  <a:fillRect l="-1043" t="-2241"/>
+                </a:stretch>
+              </a:blipFill>
+            </p:spPr>
+            <p:txBody>
+              <a:bodyPr/>
+              <a:lstStyle/>
+              <a:p>
+                <a:r>
+                  <a:rPr lang="en-US">
+                    <a:noFill/>
+                  </a:rPr>
+                  <a:t> </a:t>
+                </a:r>
+              </a:p>
+            </p:txBody>
+          </p:sp>
+        </mc:Fallback>
+      </mc:AlternateContent>
+    </p:spTree>
+    <p:extLst>
+      <p:ext uri="{BB962C8B-B14F-4D97-AF65-F5344CB8AC3E}">
+        <p14:creationId xmlns:p14="http://schemas.microsoft.com/office/powerpoint/2010/main" val="2494544343"/>
+      </p:ext>
+    </p:extLst>
+  </p:cSld>
+  <p:clrMapOvr>
+    <a:masterClrMapping/>
+  </p:clrMapOvr>
+  <p:timing>
+    <p:tnLst>
+      <p:par>
+        <p:cTn id="1" dur="indefinite" restart="never" nodeType="tmRoot">
+          <p:childTnLst>
+            <p:seq concurrent="1" nextAc="seek">
+              <p:cTn id="2" dur="indefinite" nodeType="mainSeq">
+                <p:childTnLst>
+                  <p:par>
+                    <p:cTn id="3" fill="hold">
+                      <p:stCondLst>
+                        <p:cond delay="indefinite"/>
+                      </p:stCondLst>
+                      <p:childTnLst>
+                        <p:par>
+                          <p:cTn id="4" fill="hold">
+                            <p:stCondLst>
+                              <p:cond delay="0"/>
+                            </p:stCondLst>
+                            <p:childTnLst>
+                              <p:par>
+                                <p:cTn id="5" presetID="1" presetClass="entr" presetSubtype="0" fill="hold" nodeType="clickEffect">
+                                  <p:stCondLst>
+                                    <p:cond delay="0"/>
+                                  </p:stCondLst>
+                                  <p:childTnLst>
+                                    <p:set>
+                                      <p:cBhvr>
+                                        <p:cTn id="6" dur="1" fill="hold">
+                                          <p:stCondLst>
+                                            <p:cond delay="0"/>
+                                          </p:stCondLst>
+                                        </p:cTn>
+                                        <p:tgtEl>
+                                          <p:spTgt spid="3">
+                                            <p:txEl>
+                                              <p:pRg st="0" end="0"/>
+                                            </p:txEl>
+                                          </p:spTgt>
+                                        </p:tgtEl>
+                                        <p:attrNameLst>
+                                          <p:attrName>style.visibility</p:attrName>
+                                        </p:attrNameLst>
+                                      </p:cBhvr>
+                                      <p:to>
+                                        <p:strVal val="visible"/>
+                                      </p:to>
+                                    </p:set>
+                                  </p:childTnLst>
+                                </p:cTn>
+                              </p:par>
+                            </p:childTnLst>
+                          </p:cTn>
+                        </p:par>
+                      </p:childTnLst>
+                    </p:cTn>
+                  </p:par>
+                  <p:par>
+                    <p:cTn id="7" fill="hold">
+                      <p:stCondLst>
+                        <p:cond delay="indefinite"/>
+                      </p:stCondLst>
+                      <p:childTnLst>
+                        <p:par>
+                          <p:cTn id="8" fill="hold">
+                            <p:stCondLst>
+                              <p:cond delay="0"/>
+                            </p:stCondLst>
+                            <p:childTnLst>
+                              <p:par>
+                                <p:cTn id="9" presetID="1" presetClass="entr" presetSubtype="0" fill="hold" nodeType="clickEffect">
+                                  <p:stCondLst>
+                                    <p:cond delay="0"/>
+                                  </p:stCondLst>
+                                  <p:childTnLst>
+                                    <p:set>
+                                      <p:cBhvr>
+                                        <p:cTn id="10" dur="1" fill="hold">
+                                          <p:stCondLst>
+                                            <p:cond delay="0"/>
+                                          </p:stCondLst>
+                                        </p:cTn>
+                                        <p:tgtEl>
+                                          <p:spTgt spid="3">
+                                            <p:txEl>
+                                              <p:pRg st="1" end="1"/>
+                                            </p:txEl>
+                                          </p:spTgt>
+                                        </p:tgtEl>
+                                        <p:attrNameLst>
+                                          <p:attrName>style.visibility</p:attrName>
+                                        </p:attrNameLst>
+                                      </p:cBhvr>
+                                      <p:to>
+                                        <p:strVal val="visible"/>
+                                      </p:to>
+                                    </p:set>
+                                  </p:childTnLst>
+                                </p:cTn>
+                              </p:par>
+                            </p:childTnLst>
+                          </p:cTn>
+                        </p:par>
+                      </p:childTnLst>
+                    </p:cTn>
+                  </p:par>
+                  <p:par>
+                    <p:cTn id="11" fill="hold">
+                      <p:stCondLst>
+                        <p:cond delay="indefinite"/>
+                      </p:stCondLst>
+                      <p:childTnLst>
+                        <p:par>
+                          <p:cTn id="12" fill="hold">
+                            <p:stCondLst>
+                              <p:cond delay="0"/>
+                            </p:stCondLst>
+                            <p:childTnLst>
+                              <p:par>
+                                <p:cTn id="13" presetID="1" presetClass="entr" presetSubtype="0" fill="hold" nodeType="clickEffect">
+                                  <p:stCondLst>
+                                    <p:cond delay="0"/>
+                                  </p:stCondLst>
+                                  <p:childTnLst>
+                                    <p:set>
+                                      <p:cBhvr>
+                                        <p:cTn id="14" dur="1" fill="hold">
+                                          <p:stCondLst>
+                                            <p:cond delay="0"/>
+                                          </p:stCondLst>
+                                        </p:cTn>
+                                        <p:tgtEl>
+                                          <p:spTgt spid="3">
+                                            <p:txEl>
+                                              <p:pRg st="2" end="2"/>
+                                            </p:txEl>
+                                          </p:spTgt>
+                                        </p:tgtEl>
+                                        <p:attrNameLst>
+                                          <p:attrName>style.visibility</p:attrName>
+                                        </p:attrNameLst>
+                                      </p:cBhvr>
+                                      <p:to>
+                                        <p:strVal val="visible"/>
+                                      </p:to>
+                                    </p:set>
+                                  </p:childTnLst>
+                                </p:cTn>
+                              </p:par>
+                            </p:childTnLst>
+                          </p:cTn>
+                        </p:par>
+                      </p:childTnLst>
+                    </p:cTn>
+                  </p:par>
+                  <p:par>
+                    <p:cTn id="15" fill="hold">
+                      <p:stCondLst>
+                        <p:cond delay="indefinite"/>
+                      </p:stCondLst>
+                      <p:childTnLst>
+                        <p:par>
+                          <p:cTn id="16" fill="hold">
+                            <p:stCondLst>
+                              <p:cond delay="0"/>
+                            </p:stCondLst>
+                            <p:childTnLst>
+                              <p:par>
+                                <p:cTn id="17" presetID="1" presetClass="entr" presetSubtype="0" fill="hold" nodeType="clickEffect">
+                                  <p:stCondLst>
+                                    <p:cond delay="0"/>
+                                  </p:stCondLst>
+                                  <p:childTnLst>
+                                    <p:set>
+                                      <p:cBhvr>
+                                        <p:cTn id="18" dur="1" fill="hold">
+                                          <p:stCondLst>
+                                            <p:cond delay="0"/>
+                                          </p:stCondLst>
+                                        </p:cTn>
+                                        <p:tgtEl>
+                                          <p:spTgt spid="3">
+                                            <p:txEl>
+                                              <p:pRg st="3" end="3"/>
+                                            </p:txEl>
+                                          </p:spTgt>
+                                        </p:tgtEl>
+                                        <p:attrNameLst>
+                                          <p:attrName>style.visibility</p:attrName>
+                                        </p:attrNameLst>
+                                      </p:cBhvr>
+                                      <p:to>
+                                        <p:strVal val="visible"/>
+                                      </p:to>
+                                    </p:set>
+                                  </p:childTnLst>
+                                </p:cTn>
+                              </p:par>
+                            </p:childTnLst>
+                          </p:cTn>
+                        </p:par>
+                      </p:childTnLst>
+                    </p:cTn>
+                  </p:par>
+                  <p:par>
+                    <p:cTn id="19" fill="hold">
+                      <p:stCondLst>
+                        <p:cond delay="indefinite"/>
+                      </p:stCondLst>
+                      <p:childTnLst>
+                        <p:par>
+                          <p:cTn id="20" fill="hold">
+                            <p:stCondLst>
+                              <p:cond delay="0"/>
+                            </p:stCondLst>
+                            <p:childTnLst>
+                              <p:par>
+                                <p:cTn id="21" presetID="1" presetClass="entr" presetSubtype="0" fill="hold" nodeType="clickEffect">
+                                  <p:stCondLst>
+                                    <p:cond delay="0"/>
+                                  </p:stCondLst>
+                                  <p:childTnLst>
+                                    <p:set>
+                                      <p:cBhvr>
+                                        <p:cTn id="22" dur="1" fill="hold">
+                                          <p:stCondLst>
+                                            <p:cond delay="0"/>
+                                          </p:stCondLst>
+                                        </p:cTn>
+                                        <p:tgtEl>
+                                          <p:spTgt spid="3">
+                                            <p:txEl>
+                                              <p:pRg st="4" end="4"/>
+                                            </p:txEl>
+                                          </p:spTgt>
+                                        </p:tgtEl>
+                                        <p:attrNameLst>
+                                          <p:attrName>style.visibility</p:attrName>
+                                        </p:attrNameLst>
+                                      </p:cBhvr>
+                                      <p:to>
+                                        <p:strVal val="visible"/>
+                                      </p:to>
+                                    </p:set>
+                                  </p:childTnLst>
+                                </p:cTn>
+                              </p:par>
+                            </p:childTnLst>
+                          </p:cTn>
+                        </p:par>
+                      </p:childTnLst>
+                    </p:cTn>
+                  </p:par>
+                  <p:par>
+                    <p:cTn id="23" fill="hold">
+                      <p:stCondLst>
+                        <p:cond delay="indefinite"/>
+                      </p:stCondLst>
+                      <p:childTnLst>
+                        <p:par>
+                          <p:cTn id="24" fill="hold">
+                            <p:stCondLst>
+                              <p:cond delay="0"/>
+                            </p:stCondLst>
+                            <p:childTnLst>
+                              <p:par>
+                                <p:cTn id="25" presetID="1" presetClass="entr" presetSubtype="0" fill="hold" nodeType="clickEffect">
+                                  <p:stCondLst>
+                                    <p:cond delay="0"/>
+                                  </p:stCondLst>
+                                  <p:childTnLst>
+                                    <p:set>
+                                      <p:cBhvr>
+                                        <p:cTn id="26" dur="1" fill="hold">
+                                          <p:stCondLst>
+                                            <p:cond delay="0"/>
+                                          </p:stCondLst>
+                                        </p:cTn>
+                                        <p:tgtEl>
+                                          <p:spTgt spid="3">
+                                            <p:txEl>
+                                              <p:pRg st="6" end="6"/>
+                                            </p:txEl>
+                                          </p:spTgt>
+                                        </p:tgtEl>
+                                        <p:attrNameLst>
+                                          <p:attrName>style.visibility</p:attrName>
+                                        </p:attrNameLst>
+                                      </p:cBhvr>
+                                      <p:to>
+                                        <p:strVal val="visible"/>
+                                      </p:to>
+                                    </p:set>
+                                  </p:childTnLst>
+                                </p:cTn>
+                              </p:par>
+                            </p:childTnLst>
+                          </p:cTn>
+                        </p:par>
+                      </p:childTnLst>
+                    </p:cTn>
+                  </p:par>
+                  <p:par>
+                    <p:cTn id="27" fill="hold">
+                      <p:stCondLst>
+                        <p:cond delay="indefinite"/>
+                      </p:stCondLst>
+                      <p:childTnLst>
+                        <p:par>
+                          <p:cTn id="28" fill="hold">
+                            <p:stCondLst>
+                              <p:cond delay="0"/>
+                            </p:stCondLst>
+                            <p:childTnLst>
+                              <p:par>
+                                <p:cTn id="29" presetID="1" presetClass="entr" presetSubtype="0" fill="hold" nodeType="clickEffect">
+                                  <p:stCondLst>
+                                    <p:cond delay="0"/>
+                                  </p:stCondLst>
+                                  <p:childTnLst>
+                                    <p:set>
+                                      <p:cBhvr>
+                                        <p:cTn id="30" dur="1" fill="hold">
+                                          <p:stCondLst>
+                                            <p:cond delay="0"/>
+                                          </p:stCondLst>
+                                        </p:cTn>
+                                        <p:tgtEl>
+                                          <p:spTgt spid="3">
+                                            <p:txEl>
+                                              <p:pRg st="7" end="7"/>
+                                            </p:txEl>
+                                          </p:spTgt>
+                                        </p:tgtEl>
+                                        <p:attrNameLst>
+                                          <p:attrName>style.visibility</p:attrName>
+                                        </p:attrNameLst>
+                                      </p:cBhvr>
+                                      <p:to>
+                                        <p:strVal val="visible"/>
+                                      </p:to>
+                                    </p:set>
+                                  </p:childTnLst>
+                                </p:cTn>
+                              </p:par>
+                            </p:childTnLst>
+                          </p:cTn>
+                        </p:par>
+                      </p:childTnLst>
+                    </p:cTn>
+                  </p:par>
+                </p:childTnLst>
+              </p:cTn>
+              <p:prevCondLst>
+                <p:cond evt="onPrev" delay="0">
+                  <p:tgtEl>
+                    <p:sldTgt/>
+                  </p:tgtEl>
+                </p:cond>
+              </p:prevCondLst>
+              <p:nextCondLst>
+                <p:cond evt="onNext" delay="0">
+                  <p:tgtEl>
+                    <p:sldTgt/>
+                  </p:tgtEl>
+                </p:cond>
+              </p:nextCondLst>
+            </p:seq>
+          </p:childTnLst>
+        </p:cTn>
+      </p:par>
+    </p:tnLst>
+  </p:timing>
+</p:sld>
+</file>
+
+<file path=ppt/slides/slide11.xml><?xml version="1.0" encoding="utf-8"?>
+<p:sld xmlns:a="http://schemas.openxmlformats.org/drawingml/2006/main" xmlns:r="http://schemas.openxmlformats.org/officeDocument/2006/relationships" xmlns:p="http://schemas.openxmlformats.org/presentationml/2006/main">
+  <p:cSld>
+    <p:spTree>
+      <p:nvGrpSpPr>
+        <p:cNvPr id="1" name=""/>
+        <p:cNvGrpSpPr/>
+        <p:nvPr/>
+      </p:nvGrpSpPr>
+      <p:grpSpPr>
+        <a:xfrm>
+          <a:off x="0" y="0"/>
+          <a:ext cx="0" cy="0"/>
+          <a:chOff x="0" y="0"/>
+          <a:chExt cx="0" cy="0"/>
+        </a:xfrm>
+      </p:grpSpPr>
+      <p:sp>
+        <p:nvSpPr>
+          <p:cNvPr id="2" name="Title 1"/>
+          <p:cNvSpPr>
+            <a:spLocks noGrp="1"/>
+          </p:cNvSpPr>
+          <p:nvPr>
+            <p:ph type="title"/>
+          </p:nvPr>
+        </p:nvSpPr>
+        <p:spPr/>
+        <p:txBody>
+          <a:bodyPr/>
+          <a:lstStyle/>
+          <a:p>
+            <a:r>
+              <a:rPr lang="en-US" dirty="0"/>
+              <a:t>Word Order</a:t>
+            </a:r>
+          </a:p>
+        </p:txBody>
+      </p:sp>
+      <mc:AlternateContent xmlns:mc="http://schemas.openxmlformats.org/markup-compatibility/2006" xmlns:a14="http://schemas.microsoft.com/office/drawing/2010/main">
+        <mc:Choice Requires="a14">
           <p:sp>
             <p:nvSpPr>
               <p:cNvPr id="3" name="Content Placeholder 2"/>
@@ -3102,14 +3695,14 @@
               <a:lstStyle/>
               <a:p>
                 <a:r>
-                  <a:rPr lang="en-US" dirty="0" smtClean="0"/>
+                  <a:rPr lang="en-US" dirty="0"/>
                   <a:t>Just like a bigram model is a FSA, so is this model</a:t>
                 </a:r>
               </a:p>
               <a:p>
                 <a:pPr lvl="1"/>
                 <a:r>
-                  <a:rPr lang="en-US" dirty="0" smtClean="0"/>
+                  <a:rPr lang="en-US" dirty="0"/>
                   <a:t>for </a:t>
                 </a:r>
                 <a14:m>
@@ -3129,7 +3722,7 @@
                   </m:oMath>
                 </a14:m>
                 <a:r>
-                  <a:rPr lang="en-US" dirty="0" smtClean="0"/>
+                  <a:rPr lang="en-US" dirty="0"/>
                   <a:t>:</a:t>
                 </a:r>
               </a:p>
@@ -3137,11 +3730,11 @@
                 <a:endParaRPr lang="en-US" dirty="0"/>
               </a:p>
               <a:p>
-                <a:endParaRPr lang="en-US" dirty="0" smtClean="0"/>
+                <a:endParaRPr lang="en-US" dirty="0"/>
               </a:p>
               <a:p>
                 <a:r>
-                  <a:rPr lang="en-US" dirty="0" smtClean="0"/>
+                  <a:rPr lang="en-US" dirty="0"/>
                   <a:t>Distribution </a:t>
                 </a:r>
                 <a14:m>
@@ -3173,22 +3766,22 @@
                   </m:oMath>
                 </a14:m>
                 <a:r>
-                  <a:rPr lang="en-US" dirty="0" smtClean="0"/>
+                  <a:rPr lang="en-US" dirty="0"/>
                   <a:t> gives </a:t>
                 </a:r>
                 <a:r>
-                  <a:rPr lang="en-US" dirty="0" err="1" smtClean="0"/>
+                  <a:rPr lang="en-US" dirty="0" err="1"/>
                   <a:t>prob</a:t>
                 </a:r>
                 <a:r>
-                  <a:rPr lang="en-US" dirty="0" smtClean="0"/>
+                  <a:rPr lang="en-US" dirty="0"/>
                   <a:t> that</a:t>
                 </a:r>
               </a:p>
               <a:p>
                 <a:pPr lvl="1"/>
                 <a:r>
-                  <a:rPr lang="en-US" dirty="0" smtClean="0"/>
+                  <a:rPr lang="en-US" dirty="0"/>
                   <a:t>If a Spanish word is generated from English word </a:t>
                 </a:r>
                 <a14:m>
@@ -3220,12 +3813,12 @@
                     </m:sSub>
                   </m:oMath>
                 </a14:m>
-                <a:endParaRPr lang="en-US" dirty="0" smtClean="0"/>
+                <a:endParaRPr lang="en-US" dirty="0"/>
               </a:p>
               <a:p>
                 <a:pPr lvl="1"/>
                 <a:r>
-                  <a:rPr lang="en-US" dirty="0" smtClean="0"/>
+                  <a:rPr lang="en-US" dirty="0"/>
                   <a:t>The next Spanish word is generated from English word </a:t>
                 </a:r>
                 <a14:m>
@@ -3270,18 +3863,18 @@
                     </m:sSub>
                   </m:oMath>
                 </a14:m>
-                <a:endParaRPr lang="en-US" dirty="0" smtClean="0"/>
+                <a:endParaRPr lang="en-US" dirty="0"/>
               </a:p>
               <a:p>
                 <a:r>
-                  <a:rPr lang="en-US" dirty="0" smtClean="0"/>
+                  <a:rPr lang="en-US" dirty="0"/>
                   <a:t>The start of the sequence is position 0:</a:t>
                 </a:r>
               </a:p>
               <a:p>
                 <a:pPr lvl="1"/>
                 <a:r>
-                  <a:rPr lang="en-US" dirty="0" smtClean="0"/>
+                  <a:rPr lang="en-US" dirty="0"/>
                   <a:t>Alignment </a:t>
                 </a:r>
                 <a14:m>
@@ -3304,15 +3897,15 @@
                   </m:oMath>
                 </a14:m>
                 <a:r>
-                  <a:rPr lang="en-US" dirty="0" smtClean="0"/>
+                  <a:rPr lang="en-US" dirty="0"/>
                   <a:t> has </a:t>
                 </a:r>
                 <a:r>
-                  <a:rPr lang="en-US" dirty="0" err="1" smtClean="0"/>
+                  <a:rPr lang="en-US" dirty="0" err="1"/>
                   <a:t>prob</a:t>
                 </a:r>
                 <a:r>
-                  <a:rPr lang="en-US" dirty="0" smtClean="0"/>
+                  <a:rPr lang="en-US" dirty="0"/>
                   <a:t> </a:t>
                 </a:r>
                 <a14:m>
@@ -3457,12 +4050,12 @@
                     </m:d>
                   </m:oMath>
                 </a14:m>
-                <a:endParaRPr lang="en-US" dirty="0" smtClean="0"/>
+                <a:endParaRPr lang="en-US" dirty="0"/>
               </a:p>
               <a:p>
                 <a:pPr lvl="2"/>
                 <a:r>
-                  <a:rPr lang="en-US" dirty="0" smtClean="0"/>
+                  <a:rPr lang="en-US" dirty="0"/>
                   <a:t>Distribution should peak at +1 and decay for larger </a:t>
                 </a:r>
                 <a14:m>
@@ -3472,7 +4065,7 @@
                         <m:begChr m:val="|"/>
                         <m:endChr m:val="|"/>
                         <m:ctrlPr>
-                          <a:rPr lang="en-US" b="0" i="0" smtClean="0">
+                          <a:rPr lang="en-US" b="0" i="1" smtClean="0">
                             <a:latin typeface="Cambria Math" panose="02040503050406030204" pitchFamily="18" charset="0"/>
                             <a:ea typeface="Cambria Math" panose="02040503050406030204" pitchFamily="18" charset="0"/>
                           </a:rPr>
@@ -3497,66 +4090,65 @@
                     </m:d>
                   </m:oMath>
                 </a14:m>
-                <a:endParaRPr lang="en-US" dirty="0" smtClean="0"/>
+                <a:endParaRPr lang="en-US" dirty="0"/>
               </a:p>
               <a:p>
-                <a:endParaRPr lang="en-US" dirty="0" smtClean="0"/>
+                <a:endParaRPr lang="en-US" dirty="0"/>
               </a:p>
               <a:p>
                 <a:r>
-                  <a:rPr lang="en-US" dirty="0" smtClean="0"/>
+                  <a:rPr lang="en-US" dirty="0"/>
                   <a:t>This model </a:t>
                 </a:r>
                 <a:r>
-                  <a:rPr lang="en-US" dirty="0" err="1" smtClean="0"/>
+                  <a:rPr lang="en-US" dirty="0" err="1"/>
                   <a:t>assignes</a:t>
                 </a:r>
                 <a:r>
-                  <a:rPr lang="en-US" dirty="0" smtClean="0"/>
+                  <a:rPr lang="en-US" dirty="0"/>
                   <a:t> nonzero </a:t>
                 </a:r>
                 <a:r>
-                  <a:rPr lang="en-US" dirty="0" err="1" smtClean="0"/>
+                  <a:rPr lang="en-US" dirty="0" err="1"/>
                   <a:t>prob</a:t>
                 </a:r>
                 <a:r>
-                  <a:rPr lang="en-US" dirty="0" smtClean="0"/>
+                  <a:rPr lang="en-US" dirty="0"/>
                   <a:t> to alignments that fall of the edge of the sequence</a:t>
                 </a:r>
               </a:p>
               <a:p>
                 <a:pPr lvl="1"/>
                 <a:r>
-                  <a:rPr lang="en-US" dirty="0" smtClean="0"/>
+                  <a:rPr lang="en-US" dirty="0"/>
                   <a:t>Could fix by renormalizing</a:t>
                 </a:r>
-                <a:endParaRPr lang="en-US" dirty="0"/>
               </a:p>
               <a:p>
                 <a:r>
-                  <a:rPr lang="en-US" dirty="0" smtClean="0"/>
+                  <a:rPr lang="en-US" dirty="0"/>
                   <a:t>No NULL alignments</a:t>
                 </a:r>
               </a:p>
               <a:p>
                 <a:pPr lvl="1"/>
                 <a:r>
-                  <a:rPr lang="en-US" dirty="0" smtClean="0"/>
+                  <a:rPr lang="en-US" dirty="0"/>
                   <a:t>Can be added in, but not in original formulation by Vogel, Ney, and </a:t>
                 </a:r>
                 <a:r>
-                  <a:rPr lang="en-US" dirty="0" err="1" smtClean="0"/>
+                  <a:rPr lang="en-US" dirty="0" err="1"/>
                   <a:t>Tillmann</a:t>
                 </a:r>
                 <a:r>
-                  <a:rPr lang="en-US" dirty="0" smtClean="0"/>
+                  <a:rPr lang="en-US" dirty="0"/>
                   <a:t> (1996)</a:t>
                 </a:r>
               </a:p>
             </p:txBody>
           </p:sp>
         </mc:Choice>
-        <mc:Fallback>
+        <mc:Fallback xmlns="">
           <p:sp>
             <p:nvSpPr>
               <p:cNvPr id="3" name="Content Placeholder 2"/>
@@ -4223,8 +4815,8 @@
           </a:p>
         </p:txBody>
       </p:sp>
-      <mc:AlternateContent xmlns:mc="http://schemas.openxmlformats.org/markup-compatibility/2006">
-        <mc:Choice xmlns:a14="http://schemas.microsoft.com/office/drawing/2010/main" Requires="a14">
+      <mc:AlternateContent xmlns:mc="http://schemas.openxmlformats.org/markup-compatibility/2006" xmlns:a14="http://schemas.microsoft.com/office/drawing/2010/main">
+        <mc:Choice Requires="a14">
           <p:sp>
             <p:nvSpPr>
               <p:cNvPr id="21" name="TextBox 20"/>
@@ -4247,6 +4839,7 @@
               </a:bodyPr>
               <a:lstStyle/>
               <a:p>
+                <a:pPr/>
                 <a14:m>
                   <m:oMathPara xmlns:m="http://schemas.openxmlformats.org/officeDocument/2006/math">
                     <m:oMathParaPr>
@@ -4279,7 +4872,7 @@
             </p:txBody>
           </p:sp>
         </mc:Choice>
-        <mc:Fallback>
+        <mc:Fallback xmlns="">
           <p:sp>
             <p:nvSpPr>
               <p:cNvPr id="21" name="TextBox 20"/>
@@ -4318,8 +4911,8 @@
           </p:sp>
         </mc:Fallback>
       </mc:AlternateContent>
-      <mc:AlternateContent xmlns:mc="http://schemas.openxmlformats.org/markup-compatibility/2006">
-        <mc:Choice xmlns:a14="http://schemas.microsoft.com/office/drawing/2010/main" Requires="a14">
+      <mc:AlternateContent xmlns:mc="http://schemas.openxmlformats.org/markup-compatibility/2006" xmlns:a14="http://schemas.microsoft.com/office/drawing/2010/main">
+        <mc:Choice Requires="a14">
           <p:sp>
             <p:nvSpPr>
               <p:cNvPr id="22" name="TextBox 21"/>
@@ -4342,6 +4935,7 @@
               </a:bodyPr>
               <a:lstStyle/>
               <a:p>
+                <a:pPr/>
                 <a14:m>
                   <m:oMathPara xmlns:m="http://schemas.openxmlformats.org/officeDocument/2006/math">
                     <m:oMathParaPr>
@@ -4374,7 +4968,7 @@
             </p:txBody>
           </p:sp>
         </mc:Choice>
-        <mc:Fallback>
+        <mc:Fallback xmlns="">
           <p:sp>
             <p:nvSpPr>
               <p:cNvPr id="22" name="TextBox 21"/>
@@ -4413,8 +5007,8 @@
           </p:sp>
         </mc:Fallback>
       </mc:AlternateContent>
-      <mc:AlternateContent xmlns:mc="http://schemas.openxmlformats.org/markup-compatibility/2006">
-        <mc:Choice xmlns:a14="http://schemas.microsoft.com/office/drawing/2010/main" Requires="a14">
+      <mc:AlternateContent xmlns:mc="http://schemas.openxmlformats.org/markup-compatibility/2006" xmlns:a14="http://schemas.microsoft.com/office/drawing/2010/main">
+        <mc:Choice Requires="a14">
           <p:sp>
             <p:nvSpPr>
               <p:cNvPr id="23" name="TextBox 22"/>
@@ -4437,6 +5031,7 @@
               </a:bodyPr>
               <a:lstStyle/>
               <a:p>
+                <a:pPr/>
                 <a14:m>
                   <m:oMathPara xmlns:m="http://schemas.openxmlformats.org/officeDocument/2006/math">
                     <m:oMathParaPr>
@@ -4475,7 +5070,7 @@
             </p:txBody>
           </p:sp>
         </mc:Choice>
-        <mc:Fallback>
+        <mc:Fallback xmlns="">
           <p:sp>
             <p:nvSpPr>
               <p:cNvPr id="23" name="TextBox 22"/>
@@ -4514,8 +5109,8 @@
           </p:sp>
         </mc:Fallback>
       </mc:AlternateContent>
-      <mc:AlternateContent xmlns:mc="http://schemas.openxmlformats.org/markup-compatibility/2006">
-        <mc:Choice xmlns:a14="http://schemas.microsoft.com/office/drawing/2010/main" Requires="a14">
+      <mc:AlternateContent xmlns:mc="http://schemas.openxmlformats.org/markup-compatibility/2006" xmlns:a14="http://schemas.microsoft.com/office/drawing/2010/main">
+        <mc:Choice Requires="a14">
           <p:sp>
             <p:nvSpPr>
               <p:cNvPr id="24" name="TextBox 23"/>
@@ -4538,6 +5133,7 @@
               </a:bodyPr>
               <a:lstStyle/>
               <a:p>
+                <a:pPr/>
                 <a14:m>
                   <m:oMathPara xmlns:m="http://schemas.openxmlformats.org/officeDocument/2006/math">
                     <m:oMathParaPr>
@@ -4576,7 +5172,7 @@
             </p:txBody>
           </p:sp>
         </mc:Choice>
-        <mc:Fallback>
+        <mc:Fallback xmlns="">
           <p:sp>
             <p:nvSpPr>
               <p:cNvPr id="24" name="TextBox 23"/>
@@ -4615,8 +5211,8 @@
           </p:sp>
         </mc:Fallback>
       </mc:AlternateContent>
-      <mc:AlternateContent xmlns:mc="http://schemas.openxmlformats.org/markup-compatibility/2006">
-        <mc:Choice xmlns:a14="http://schemas.microsoft.com/office/drawing/2010/main" Requires="a14">
+      <mc:AlternateContent xmlns:mc="http://schemas.openxmlformats.org/markup-compatibility/2006" xmlns:a14="http://schemas.microsoft.com/office/drawing/2010/main">
+        <mc:Choice Requires="a14">
           <p:sp>
             <p:nvSpPr>
               <p:cNvPr id="25" name="TextBox 24"/>
@@ -4639,6 +5235,7 @@
               </a:bodyPr>
               <a:lstStyle/>
               <a:p>
+                <a:pPr/>
                 <a14:m>
                   <m:oMathPara xmlns:m="http://schemas.openxmlformats.org/officeDocument/2006/math">
                     <m:oMathParaPr>
@@ -4677,7 +5274,7 @@
             </p:txBody>
           </p:sp>
         </mc:Choice>
-        <mc:Fallback>
+        <mc:Fallback xmlns="">
           <p:sp>
             <p:nvSpPr>
               <p:cNvPr id="25" name="TextBox 24"/>
@@ -4716,8 +5313,8 @@
           </p:sp>
         </mc:Fallback>
       </mc:AlternateContent>
-      <mc:AlternateContent xmlns:mc="http://schemas.openxmlformats.org/markup-compatibility/2006">
-        <mc:Choice xmlns:a14="http://schemas.microsoft.com/office/drawing/2010/main" Requires="a14">
+      <mc:AlternateContent xmlns:mc="http://schemas.openxmlformats.org/markup-compatibility/2006" xmlns:a14="http://schemas.microsoft.com/office/drawing/2010/main">
+        <mc:Choice Requires="a14">
           <p:sp>
             <p:nvSpPr>
               <p:cNvPr id="26" name="TextBox 25"/>
@@ -4740,6 +5337,7 @@
               </a:bodyPr>
               <a:lstStyle/>
               <a:p>
+                <a:pPr/>
                 <a14:m>
                   <m:oMathPara xmlns:m="http://schemas.openxmlformats.org/officeDocument/2006/math">
                     <m:oMathParaPr>
@@ -4778,7 +5376,7 @@
             </p:txBody>
           </p:sp>
         </mc:Choice>
-        <mc:Fallback>
+        <mc:Fallback xmlns="">
           <p:sp>
             <p:nvSpPr>
               <p:cNvPr id="26" name="TextBox 25"/>
@@ -6019,7 +6617,7 @@
 </p:sld>
 </file>
 
-<file path=ppt/slides/slide11.xml><?xml version="1.0" encoding="utf-8"?>
+<file path=ppt/slides/slide12.xml><?xml version="1.0" encoding="utf-8"?>
 <p:sld xmlns:a="http://schemas.openxmlformats.org/drawingml/2006/main" xmlns:r="http://schemas.openxmlformats.org/officeDocument/2006/relationships" xmlns:p="http://schemas.openxmlformats.org/presentationml/2006/main">
   <p:cSld>
     <p:spTree>
@@ -6052,15 +6650,14 @@
           <a:lstStyle/>
           <a:p>
             <a:r>
-              <a:rPr lang="en-US" dirty="0" smtClean="0"/>
+              <a:rPr lang="en-US" dirty="0"/>
               <a:t>Word Order and Alignment</a:t>
             </a:r>
-            <a:endParaRPr lang="en-US" dirty="0"/>
           </a:p>
         </p:txBody>
       </p:sp>
-      <mc:AlternateContent xmlns:mc="http://schemas.openxmlformats.org/markup-compatibility/2006">
-        <mc:Choice xmlns:a14="http://schemas.microsoft.com/office/drawing/2010/main" Requires="a14">
+      <mc:AlternateContent xmlns:mc="http://schemas.openxmlformats.org/markup-compatibility/2006" xmlns:a14="http://schemas.microsoft.com/office/drawing/2010/main">
+        <mc:Choice Requires="a14">
           <p:sp>
             <p:nvSpPr>
               <p:cNvPr id="3" name="Content Placeholder 2"/>
@@ -6077,14 +6674,14 @@
               <a:lstStyle/>
               <a:p>
                 <a:r>
-                  <a:rPr lang="en-US" dirty="0" smtClean="0"/>
+                  <a:rPr lang="en-US" dirty="0"/>
                   <a:t>Take Spanish-word generation model from before</a:t>
                 </a:r>
               </a:p>
               <a:p>
                 <a:pPr lvl="1"/>
                 <a:r>
-                  <a:rPr lang="en-US" dirty="0" smtClean="0"/>
+                  <a:rPr lang="en-US" dirty="0"/>
                   <a:t>Compose it with FSA of word order (again assuming </a:t>
                 </a:r>
                 <a14:m>
@@ -6104,17 +6701,17 @@
                   </m:oMath>
                 </a14:m>
                 <a:r>
-                  <a:rPr lang="en-US" dirty="0" smtClean="0"/>
+                  <a:rPr lang="en-US" dirty="0"/>
                   <a:t>)</a:t>
                 </a:r>
               </a:p>
               <a:p>
-                <a:endParaRPr lang="en-US" dirty="0" smtClean="0"/>
+                <a:endParaRPr lang="en-US" dirty="0"/>
               </a:p>
             </p:txBody>
           </p:sp>
         </mc:Choice>
-        <mc:Fallback>
+        <mc:Fallback xmlns="">
           <p:sp>
             <p:nvSpPr>
               <p:cNvPr id="3" name="Content Placeholder 2"/>
@@ -6750,8 +7347,8 @@
             </a:p>
           </p:txBody>
         </p:sp>
-        <mc:AlternateContent xmlns:mc="http://schemas.openxmlformats.org/markup-compatibility/2006">
-          <mc:Choice xmlns:a14="http://schemas.microsoft.com/office/drawing/2010/main" Requires="a14">
+        <mc:AlternateContent xmlns:mc="http://schemas.openxmlformats.org/markup-compatibility/2006" xmlns:a14="http://schemas.microsoft.com/office/drawing/2010/main">
+          <mc:Choice Requires="a14">
             <p:sp>
               <p:nvSpPr>
                 <p:cNvPr id="17" name="TextBox 16"/>
@@ -6774,6 +7371,7 @@
                 </a:bodyPr>
                 <a:lstStyle/>
                 <a:p>
+                  <a:pPr/>
                   <a14:m>
                     <m:oMathPara xmlns:m="http://schemas.openxmlformats.org/officeDocument/2006/math">
                       <m:oMathParaPr>
@@ -6806,7 +7404,7 @@
               </p:txBody>
             </p:sp>
           </mc:Choice>
-          <mc:Fallback>
+          <mc:Fallback xmlns="">
             <p:sp>
               <p:nvSpPr>
                 <p:cNvPr id="17" name="TextBox 16"/>
@@ -6845,8 +7443,8 @@
             </p:sp>
           </mc:Fallback>
         </mc:AlternateContent>
-        <mc:AlternateContent xmlns:mc="http://schemas.openxmlformats.org/markup-compatibility/2006">
-          <mc:Choice xmlns:a14="http://schemas.microsoft.com/office/drawing/2010/main" Requires="a14">
+        <mc:AlternateContent xmlns:mc="http://schemas.openxmlformats.org/markup-compatibility/2006" xmlns:a14="http://schemas.microsoft.com/office/drawing/2010/main">
+          <mc:Choice Requires="a14">
             <p:sp>
               <p:nvSpPr>
                 <p:cNvPr id="18" name="TextBox 17"/>
@@ -6869,6 +7467,7 @@
                 </a:bodyPr>
                 <a:lstStyle/>
                 <a:p>
+                  <a:pPr/>
                   <a14:m>
                     <m:oMathPara xmlns:m="http://schemas.openxmlformats.org/officeDocument/2006/math">
                       <m:oMathParaPr>
@@ -6901,7 +7500,7 @@
               </p:txBody>
             </p:sp>
           </mc:Choice>
-          <mc:Fallback>
+          <mc:Fallback xmlns="">
             <p:sp>
               <p:nvSpPr>
                 <p:cNvPr id="18" name="TextBox 17"/>
@@ -6940,8 +7539,8 @@
             </p:sp>
           </mc:Fallback>
         </mc:AlternateContent>
-        <mc:AlternateContent xmlns:mc="http://schemas.openxmlformats.org/markup-compatibility/2006">
-          <mc:Choice xmlns:a14="http://schemas.microsoft.com/office/drawing/2010/main" Requires="a14">
+        <mc:AlternateContent xmlns:mc="http://schemas.openxmlformats.org/markup-compatibility/2006" xmlns:a14="http://schemas.microsoft.com/office/drawing/2010/main">
+          <mc:Choice Requires="a14">
             <p:sp>
               <p:nvSpPr>
                 <p:cNvPr id="19" name="TextBox 18"/>
@@ -6964,6 +7563,7 @@
                 </a:bodyPr>
                 <a:lstStyle/>
                 <a:p>
+                  <a:pPr/>
                   <a14:m>
                     <m:oMathPara xmlns:m="http://schemas.openxmlformats.org/officeDocument/2006/math">
                       <m:oMathParaPr>
@@ -7002,7 +7602,7 @@
               </p:txBody>
             </p:sp>
           </mc:Choice>
-          <mc:Fallback>
+          <mc:Fallback xmlns="">
             <p:sp>
               <p:nvSpPr>
                 <p:cNvPr id="19" name="TextBox 18"/>
@@ -7041,8 +7641,8 @@
             </p:sp>
           </mc:Fallback>
         </mc:AlternateContent>
-        <mc:AlternateContent xmlns:mc="http://schemas.openxmlformats.org/markup-compatibility/2006">
-          <mc:Choice xmlns:a14="http://schemas.microsoft.com/office/drawing/2010/main" Requires="a14">
+        <mc:AlternateContent xmlns:mc="http://schemas.openxmlformats.org/markup-compatibility/2006" xmlns:a14="http://schemas.microsoft.com/office/drawing/2010/main">
+          <mc:Choice Requires="a14">
             <p:sp>
               <p:nvSpPr>
                 <p:cNvPr id="20" name="TextBox 19"/>
@@ -7065,6 +7665,7 @@
                 </a:bodyPr>
                 <a:lstStyle/>
                 <a:p>
+                  <a:pPr/>
                   <a14:m>
                     <m:oMathPara xmlns:m="http://schemas.openxmlformats.org/officeDocument/2006/math">
                       <m:oMathParaPr>
@@ -7103,7 +7704,7 @@
               </p:txBody>
             </p:sp>
           </mc:Choice>
-          <mc:Fallback>
+          <mc:Fallback xmlns="">
             <p:sp>
               <p:nvSpPr>
                 <p:cNvPr id="20" name="TextBox 19"/>
@@ -7142,8 +7743,8 @@
             </p:sp>
           </mc:Fallback>
         </mc:AlternateContent>
-        <mc:AlternateContent xmlns:mc="http://schemas.openxmlformats.org/markup-compatibility/2006">
-          <mc:Choice xmlns:a14="http://schemas.microsoft.com/office/drawing/2010/main" Requires="a14">
+        <mc:AlternateContent xmlns:mc="http://schemas.openxmlformats.org/markup-compatibility/2006" xmlns:a14="http://schemas.microsoft.com/office/drawing/2010/main">
+          <mc:Choice Requires="a14">
             <p:sp>
               <p:nvSpPr>
                 <p:cNvPr id="21" name="TextBox 20"/>
@@ -7166,6 +7767,7 @@
                 </a:bodyPr>
                 <a:lstStyle/>
                 <a:p>
+                  <a:pPr/>
                   <a14:m>
                     <m:oMathPara xmlns:m="http://schemas.openxmlformats.org/officeDocument/2006/math">
                       <m:oMathParaPr>
@@ -7204,7 +7806,7 @@
               </p:txBody>
             </p:sp>
           </mc:Choice>
-          <mc:Fallback>
+          <mc:Fallback xmlns="">
             <p:sp>
               <p:nvSpPr>
                 <p:cNvPr id="21" name="TextBox 20"/>
@@ -7243,8 +7845,8 @@
             </p:sp>
           </mc:Fallback>
         </mc:AlternateContent>
-        <mc:AlternateContent xmlns:mc="http://schemas.openxmlformats.org/markup-compatibility/2006">
-          <mc:Choice xmlns:a14="http://schemas.microsoft.com/office/drawing/2010/main" Requires="a14">
+        <mc:AlternateContent xmlns:mc="http://schemas.openxmlformats.org/markup-compatibility/2006" xmlns:a14="http://schemas.microsoft.com/office/drawing/2010/main">
+          <mc:Choice Requires="a14">
             <p:sp>
               <p:nvSpPr>
                 <p:cNvPr id="22" name="TextBox 21"/>
@@ -7267,6 +7869,7 @@
                 </a:bodyPr>
                 <a:lstStyle/>
                 <a:p>
+                  <a:pPr/>
                   <a14:m>
                     <m:oMathPara xmlns:m="http://schemas.openxmlformats.org/officeDocument/2006/math">
                       <m:oMathParaPr>
@@ -7305,7 +7908,7 @@
               </p:txBody>
             </p:sp>
           </mc:Choice>
-          <mc:Fallback>
+          <mc:Fallback xmlns="">
             <p:sp>
               <p:nvSpPr>
                 <p:cNvPr id="22" name="TextBox 21"/>
@@ -7716,8 +8319,8 @@
             </a:p>
           </p:txBody>
         </p:sp>
-        <mc:AlternateContent xmlns:mc="http://schemas.openxmlformats.org/markup-compatibility/2006">
-          <mc:Choice xmlns:a14="http://schemas.microsoft.com/office/drawing/2010/main" Requires="a14">
+        <mc:AlternateContent xmlns:mc="http://schemas.openxmlformats.org/markup-compatibility/2006" xmlns:a14="http://schemas.microsoft.com/office/drawing/2010/main">
+          <mc:Choice Requires="a14">
             <p:sp>
               <p:nvSpPr>
                 <p:cNvPr id="31" name="TextBox 30"/>
@@ -7740,6 +8343,7 @@
                 </a:bodyPr>
                 <a:lstStyle/>
                 <a:p>
+                  <a:pPr/>
                   <a14:m>
                     <m:oMathPara xmlns:m="http://schemas.openxmlformats.org/officeDocument/2006/math">
                       <m:oMathParaPr>
@@ -7846,7 +8450,7 @@
               </p:txBody>
             </p:sp>
           </mc:Choice>
-          <mc:Fallback>
+          <mc:Fallback xmlns="">
             <p:sp>
               <p:nvSpPr>
                 <p:cNvPr id="31" name="TextBox 30"/>
@@ -7885,8 +8489,8 @@
             </p:sp>
           </mc:Fallback>
         </mc:AlternateContent>
-        <mc:AlternateContent xmlns:mc="http://schemas.openxmlformats.org/markup-compatibility/2006">
-          <mc:Choice xmlns:a14="http://schemas.microsoft.com/office/drawing/2010/main" Requires="a14">
+        <mc:AlternateContent xmlns:mc="http://schemas.openxmlformats.org/markup-compatibility/2006" xmlns:a14="http://schemas.microsoft.com/office/drawing/2010/main">
+          <mc:Choice Requires="a14">
             <p:sp>
               <p:nvSpPr>
                 <p:cNvPr id="32" name="TextBox 31"/>
@@ -7909,6 +8513,7 @@
                 </a:bodyPr>
                 <a:lstStyle/>
                 <a:p>
+                  <a:pPr/>
                   <a14:m>
                     <m:oMathPara xmlns:m="http://schemas.openxmlformats.org/officeDocument/2006/math">
                       <m:oMathParaPr>
@@ -7995,7 +8600,7 @@
               </p:txBody>
             </p:sp>
           </mc:Choice>
-          <mc:Fallback>
+          <mc:Fallback xmlns="">
             <p:sp>
               <p:nvSpPr>
                 <p:cNvPr id="32" name="TextBox 31"/>
@@ -8035,8 +8640,8 @@
           </mc:Fallback>
         </mc:AlternateContent>
       </p:grpSp>
-      <mc:AlternateContent xmlns:mc="http://schemas.openxmlformats.org/markup-compatibility/2006">
-        <mc:Choice xmlns:a14="http://schemas.microsoft.com/office/drawing/2010/main" Requires="a14">
+      <mc:AlternateContent xmlns:mc="http://schemas.openxmlformats.org/markup-compatibility/2006" xmlns:a14="http://schemas.microsoft.com/office/drawing/2010/main">
+        <mc:Choice Requires="a14">
           <p:sp>
             <p:nvSpPr>
               <p:cNvPr id="42" name="TextBox 41"/>
@@ -8059,6 +8664,7 @@
               </a:bodyPr>
               <a:lstStyle/>
               <a:p>
+                <a:pPr/>
                 <a14:m>
                   <m:oMathPara xmlns:m="http://schemas.openxmlformats.org/officeDocument/2006/math">
                     <m:oMathParaPr>
@@ -8079,7 +8685,7 @@
             </p:txBody>
           </p:sp>
         </mc:Choice>
-        <mc:Fallback>
+        <mc:Fallback xmlns="">
           <p:sp>
             <p:nvSpPr>
               <p:cNvPr id="42" name="TextBox 41"/>
@@ -8118,8 +8724,8 @@
           </p:sp>
         </mc:Fallback>
       </mc:AlternateContent>
-      <mc:AlternateContent xmlns:mc="http://schemas.openxmlformats.org/markup-compatibility/2006">
-        <mc:Choice xmlns:a14="http://schemas.microsoft.com/office/drawing/2010/main" Requires="a14">
+      <mc:AlternateContent xmlns:mc="http://schemas.openxmlformats.org/markup-compatibility/2006" xmlns:a14="http://schemas.microsoft.com/office/drawing/2010/main">
+        <mc:Choice Requires="a14">
           <p:sp>
             <p:nvSpPr>
               <p:cNvPr id="43" name="TextBox 42"/>
@@ -8142,6 +8748,7 @@
               </a:bodyPr>
               <a:lstStyle/>
               <a:p>
+                <a:pPr/>
                 <a14:m>
                   <m:oMathPara xmlns:m="http://schemas.openxmlformats.org/officeDocument/2006/math">
                     <m:oMathParaPr>
@@ -8162,7 +8769,7 @@
             </p:txBody>
           </p:sp>
         </mc:Choice>
-        <mc:Fallback>
+        <mc:Fallback xmlns="">
           <p:sp>
             <p:nvSpPr>
               <p:cNvPr id="43" name="TextBox 42"/>
@@ -8803,8 +9410,8 @@
             </a:p>
           </p:txBody>
         </p:sp>
-        <mc:AlternateContent xmlns:mc="http://schemas.openxmlformats.org/markup-compatibility/2006">
-          <mc:Choice xmlns:a14="http://schemas.microsoft.com/office/drawing/2010/main" Requires="a14">
+        <mc:AlternateContent xmlns:mc="http://schemas.openxmlformats.org/markup-compatibility/2006" xmlns:a14="http://schemas.microsoft.com/office/drawing/2010/main">
+          <mc:Choice Requires="a14">
             <p:sp>
               <p:nvSpPr>
                 <p:cNvPr id="54" name="TextBox 53"/>
@@ -8827,6 +9434,7 @@
                 </a:bodyPr>
                 <a:lstStyle/>
                 <a:p>
+                  <a:pPr/>
                   <a14:m>
                     <m:oMathPara xmlns:m="http://schemas.openxmlformats.org/officeDocument/2006/math">
                       <m:oMathParaPr>
@@ -8932,7 +9540,7 @@
               </p:txBody>
             </p:sp>
           </mc:Choice>
-          <mc:Fallback>
+          <mc:Fallback xmlns="">
             <p:sp>
               <p:nvSpPr>
                 <p:cNvPr id="54" name="TextBox 53"/>
@@ -8971,8 +9579,8 @@
             </p:sp>
           </mc:Fallback>
         </mc:AlternateContent>
-        <mc:AlternateContent xmlns:mc="http://schemas.openxmlformats.org/markup-compatibility/2006">
-          <mc:Choice xmlns:a14="http://schemas.microsoft.com/office/drawing/2010/main" Requires="a14">
+        <mc:AlternateContent xmlns:mc="http://schemas.openxmlformats.org/markup-compatibility/2006" xmlns:a14="http://schemas.microsoft.com/office/drawing/2010/main">
+          <mc:Choice Requires="a14">
             <p:sp>
               <p:nvSpPr>
                 <p:cNvPr id="55" name="TextBox 54"/>
@@ -8995,6 +9603,7 @@
                 </a:bodyPr>
                 <a:lstStyle/>
                 <a:p>
+                  <a:pPr/>
                   <a14:m>
                     <m:oMathPara xmlns:m="http://schemas.openxmlformats.org/officeDocument/2006/math">
                       <m:oMathParaPr>
@@ -9100,7 +9709,7 @@
               </p:txBody>
             </p:sp>
           </mc:Choice>
-          <mc:Fallback>
+          <mc:Fallback xmlns="">
             <p:sp>
               <p:nvSpPr>
                 <p:cNvPr id="55" name="TextBox 54"/>
@@ -9139,8 +9748,8 @@
             </p:sp>
           </mc:Fallback>
         </mc:AlternateContent>
-        <mc:AlternateContent xmlns:mc="http://schemas.openxmlformats.org/markup-compatibility/2006">
-          <mc:Choice xmlns:a14="http://schemas.microsoft.com/office/drawing/2010/main" Requires="a14">
+        <mc:AlternateContent xmlns:mc="http://schemas.openxmlformats.org/markup-compatibility/2006" xmlns:a14="http://schemas.microsoft.com/office/drawing/2010/main">
+          <mc:Choice Requires="a14">
             <p:sp>
               <p:nvSpPr>
                 <p:cNvPr id="56" name="TextBox 55"/>
@@ -9163,6 +9772,7 @@
                 </a:bodyPr>
                 <a:lstStyle/>
                 <a:p>
+                  <a:pPr/>
                   <a14:m>
                     <m:oMathPara xmlns:m="http://schemas.openxmlformats.org/officeDocument/2006/math">
                       <m:oMathParaPr>
@@ -9274,7 +9884,7 @@
               </p:txBody>
             </p:sp>
           </mc:Choice>
-          <mc:Fallback>
+          <mc:Fallback xmlns="">
             <p:sp>
               <p:nvSpPr>
                 <p:cNvPr id="56" name="TextBox 55"/>
@@ -9313,8 +9923,8 @@
             </p:sp>
           </mc:Fallback>
         </mc:AlternateContent>
-        <mc:AlternateContent xmlns:mc="http://schemas.openxmlformats.org/markup-compatibility/2006">
-          <mc:Choice xmlns:a14="http://schemas.microsoft.com/office/drawing/2010/main" Requires="a14">
+        <mc:AlternateContent xmlns:mc="http://schemas.openxmlformats.org/markup-compatibility/2006" xmlns:a14="http://schemas.microsoft.com/office/drawing/2010/main">
+          <mc:Choice Requires="a14">
             <p:sp>
               <p:nvSpPr>
                 <p:cNvPr id="57" name="TextBox 56"/>
@@ -9337,6 +9947,7 @@
                 </a:bodyPr>
                 <a:lstStyle/>
                 <a:p>
+                  <a:pPr/>
                   <a14:m>
                     <m:oMathPara xmlns:m="http://schemas.openxmlformats.org/officeDocument/2006/math">
                       <m:oMathParaPr>
@@ -9448,7 +10059,7 @@
               </p:txBody>
             </p:sp>
           </mc:Choice>
-          <mc:Fallback>
+          <mc:Fallback xmlns="">
             <p:sp>
               <p:nvSpPr>
                 <p:cNvPr id="57" name="TextBox 56"/>
@@ -9487,8 +10098,8 @@
             </p:sp>
           </mc:Fallback>
         </mc:AlternateContent>
-        <mc:AlternateContent xmlns:mc="http://schemas.openxmlformats.org/markup-compatibility/2006">
-          <mc:Choice xmlns:a14="http://schemas.microsoft.com/office/drawing/2010/main" Requires="a14">
+        <mc:AlternateContent xmlns:mc="http://schemas.openxmlformats.org/markup-compatibility/2006" xmlns:a14="http://schemas.microsoft.com/office/drawing/2010/main">
+          <mc:Choice Requires="a14">
             <p:sp>
               <p:nvSpPr>
                 <p:cNvPr id="58" name="TextBox 57"/>
@@ -9511,6 +10122,7 @@
                 </a:bodyPr>
                 <a:lstStyle/>
                 <a:p>
+                  <a:pPr/>
                   <a14:m>
                     <m:oMathPara xmlns:m="http://schemas.openxmlformats.org/officeDocument/2006/math">
                       <m:oMathParaPr>
@@ -9627,7 +10239,7 @@
               </p:txBody>
             </p:sp>
           </mc:Choice>
-          <mc:Fallback>
+          <mc:Fallback xmlns="">
             <p:sp>
               <p:nvSpPr>
                 <p:cNvPr id="58" name="TextBox 57"/>
@@ -9666,8 +10278,8 @@
             </p:sp>
           </mc:Fallback>
         </mc:AlternateContent>
-        <mc:AlternateContent xmlns:mc="http://schemas.openxmlformats.org/markup-compatibility/2006">
-          <mc:Choice xmlns:a14="http://schemas.microsoft.com/office/drawing/2010/main" Requires="a14">
+        <mc:AlternateContent xmlns:mc="http://schemas.openxmlformats.org/markup-compatibility/2006" xmlns:a14="http://schemas.microsoft.com/office/drawing/2010/main">
+          <mc:Choice Requires="a14">
             <p:sp>
               <p:nvSpPr>
                 <p:cNvPr id="59" name="TextBox 58"/>
@@ -9690,6 +10302,7 @@
                 </a:bodyPr>
                 <a:lstStyle/>
                 <a:p>
+                  <a:pPr/>
                   <a14:m>
                     <m:oMathPara xmlns:m="http://schemas.openxmlformats.org/officeDocument/2006/math">
                       <m:oMathParaPr>
@@ -9801,7 +10414,7 @@
               </p:txBody>
             </p:sp>
           </mc:Choice>
-          <mc:Fallback>
+          <mc:Fallback xmlns="">
             <p:sp>
               <p:nvSpPr>
                 <p:cNvPr id="59" name="TextBox 58"/>
@@ -10216,7 +10829,7 @@
 </p:sld>
 </file>
 
-<file path=ppt/slides/slide12.xml><?xml version="1.0" encoding="utf-8"?>
+<file path=ppt/slides/slide13.xml><?xml version="1.0" encoding="utf-8"?>
 <p:sld xmlns:a="http://schemas.openxmlformats.org/drawingml/2006/main" xmlns:r="http://schemas.openxmlformats.org/officeDocument/2006/relationships" xmlns:p="http://schemas.openxmlformats.org/presentationml/2006/main">
   <p:cSld>
     <p:spTree>
@@ -10249,15 +10862,14 @@
           <a:lstStyle/>
           <a:p>
             <a:r>
-              <a:rPr lang="en-US" dirty="0" smtClean="0"/>
+              <a:rPr lang="en-US" dirty="0"/>
               <a:t>Word Order and Alignment</a:t>
             </a:r>
-            <a:endParaRPr lang="en-US" dirty="0"/>
           </a:p>
         </p:txBody>
       </p:sp>
-      <mc:AlternateContent xmlns:mc="http://schemas.openxmlformats.org/markup-compatibility/2006">
-        <mc:Choice xmlns:a14="http://schemas.microsoft.com/office/drawing/2010/main" Requires="a14">
+      <mc:AlternateContent xmlns:mc="http://schemas.openxmlformats.org/markup-compatibility/2006" xmlns:a14="http://schemas.microsoft.com/office/drawing/2010/main">
+        <mc:Choice Requires="a14">
           <p:sp>
             <p:nvSpPr>
               <p:cNvPr id="3" name="Content Placeholder 2"/>
@@ -10281,7 +10893,7 @@
               <a:lstStyle/>
               <a:p>
                 <a:r>
-                  <a:rPr lang="en-US" dirty="0" smtClean="0"/>
+                  <a:rPr lang="en-US" dirty="0"/>
                   <a:t>Still have to compose with </a:t>
                 </a:r>
                 <a14:m>
@@ -10297,7 +10909,7 @@
                     </m:r>
                   </m:oMath>
                 </a14:m>
-                <a:endParaRPr lang="en-US" b="1" dirty="0" smtClean="0">
+                <a:endParaRPr lang="en-US" b="1" dirty="0">
                   <a:solidFill>
                     <a:schemeClr val="accent2"/>
                   </a:solidFill>
@@ -10305,7 +10917,7 @@
               </a:p>
               <a:p>
                 <a:r>
-                  <a:rPr lang="en-US" dirty="0" smtClean="0"/>
+                  <a:rPr lang="en-US" dirty="0"/>
                   <a:t>Then have to estimate </a:t>
                 </a:r>
                 <a14:m>
@@ -10350,7 +10962,7 @@
                   </m:oMath>
                 </a14:m>
                 <a:r>
-                  <a:rPr lang="en-US" dirty="0" smtClean="0"/>
+                  <a:rPr lang="en-US" dirty="0"/>
                   <a:t> and </a:t>
                 </a:r>
                 <a14:m>
@@ -10382,7 +10994,7 @@
                   </m:oMath>
                 </a14:m>
                 <a:r>
-                  <a:rPr lang="en-US" dirty="0" smtClean="0"/>
+                  <a:rPr lang="en-US" dirty="0"/>
                   <a:t>:</a:t>
                 </a:r>
               </a:p>
@@ -10392,14 +11004,14 @@
               <a:p>
                 <a:pPr lvl="1"/>
                 <a:r>
-                  <a:rPr lang="en-US" dirty="0" smtClean="0"/>
+                  <a:rPr lang="en-US" dirty="0"/>
                   <a:t>Initialization:</a:t>
                 </a:r>
               </a:p>
               <a:p>
                 <a:pPr lvl="2"/>
                 <a:r>
-                  <a:rPr lang="en-US" dirty="0" smtClean="0"/>
+                  <a:rPr lang="en-US" dirty="0"/>
                   <a:t>Set </a:t>
                 </a:r>
                 <a14:m>
@@ -10444,12 +11056,8 @@
                   </m:oMath>
                 </a14:m>
                 <a:r>
-                  <a:rPr lang="en-US" dirty="0" smtClean="0"/>
-                  <a:t> </a:t>
-                </a:r>
-                <a:r>
-                  <a:rPr lang="en-US" dirty="0" smtClean="0"/>
-                  <a:t>and </a:t>
+                  <a:rPr lang="en-US" dirty="0"/>
+                  <a:t> and </a:t>
                 </a:r>
                 <a14:m>
                   <m:oMath xmlns:m="http://schemas.openxmlformats.org/officeDocument/2006/math">
@@ -10468,34 +11076,28 @@
                   </m:oMath>
                 </a14:m>
                 <a:r>
-                  <a:rPr lang="en-US" dirty="0" smtClean="0"/>
+                  <a:rPr lang="en-US" dirty="0"/>
                   <a:t> to uniform</a:t>
                 </a:r>
-                <a:endParaRPr lang="en-US" dirty="0"/>
               </a:p>
               <a:p>
                 <a:pPr lvl="1"/>
                 <a:r>
-                  <a:rPr lang="en-US" dirty="0" smtClean="0"/>
+                  <a:rPr lang="en-US" dirty="0"/>
                   <a:t>E-step:</a:t>
                 </a:r>
               </a:p>
               <a:p>
                 <a:pPr lvl="2"/>
                 <a:r>
-                  <a:rPr lang="en-US" dirty="0" smtClean="0"/>
-                  <a:t>Use the forward-backward algorithms to calculate </a:t>
+                  <a:rPr lang="en-US" dirty="0"/>
+                  <a:t>Use the forward-backward algorithms to calculate fractional count for each arc</a:t>
                 </a:r>
-                <a:r>
-                  <a:rPr lang="en-US" dirty="0" smtClean="0"/>
-                  <a:t>fractional count for each arc</a:t>
-                </a:r>
-                <a:endParaRPr lang="en-US" dirty="0" smtClean="0"/>
               </a:p>
               <a:p>
                 <a:pPr lvl="3"/>
                 <a:r>
-                  <a:rPr lang="en-US" dirty="0" smtClean="0"/>
+                  <a:rPr lang="en-US" dirty="0"/>
                   <a:t>For each arc with weight </a:t>
                 </a:r>
                 <a14:m>
@@ -10575,7 +11177,7 @@
                   </m:oMath>
                 </a14:m>
                 <a:r>
-                  <a:rPr lang="en-US" dirty="0" smtClean="0"/>
+                  <a:rPr lang="en-US" dirty="0"/>
                   <a:t> and fractional count </a:t>
                 </a:r>
                 <a14:m>
@@ -10588,7 +11190,7 @@
                     </m:r>
                   </m:oMath>
                 </a14:m>
-                <a:endParaRPr lang="en-US" dirty="0" smtClean="0"/>
+                <a:endParaRPr lang="en-US" dirty="0"/>
               </a:p>
               <a:p>
                 <a:pPr marL="914400" lvl="2" indent="0">
@@ -10717,7 +11319,7 @@
                     </m:oMath>
                   </m:oMathPara>
                 </a14:m>
-                <a:endParaRPr lang="en-US" b="0" dirty="0" smtClean="0"/>
+                <a:endParaRPr lang="en-US" b="0" dirty="0"/>
               </a:p>
               <a:p>
                 <a:pPr marL="914400" lvl="2" indent="0">
@@ -10870,12 +11472,12 @@
                     </m:oMath>
                   </m:oMathPara>
                 </a14:m>
-                <a:endParaRPr lang="en-US" dirty="0" smtClean="0"/>
+                <a:endParaRPr lang="en-US" dirty="0"/>
               </a:p>
               <a:p>
                 <a:pPr lvl="1"/>
                 <a:r>
-                  <a:rPr lang="en-US" dirty="0" smtClean="0"/>
+                  <a:rPr lang="en-US" dirty="0"/>
                   <a:t>M-step:</a:t>
                 </a:r>
               </a:p>
@@ -11102,13 +11704,13 @@
                     </m:oMath>
                   </m:oMathPara>
                 </a14:m>
-                <a:endParaRPr lang="en-US" dirty="0" smtClean="0"/>
+                <a:endParaRPr lang="en-US" dirty="0"/>
               </a:p>
               <a:p>
                 <a:pPr marL="914400" lvl="2" indent="0">
                   <a:buNone/>
                 </a:pPr>
-                <a:endParaRPr lang="en-US" dirty="0" smtClean="0"/>
+                <a:endParaRPr lang="en-US" dirty="0"/>
               </a:p>
               <a:p>
                 <a:pPr marL="914400" lvl="2" indent="0">
@@ -11379,7 +11981,7 @@
             </p:txBody>
           </p:sp>
         </mc:Choice>
-        <mc:Fallback>
+        <mc:Fallback xmlns="">
           <p:sp>
             <p:nvSpPr>
               <p:cNvPr id="3" name="Content Placeholder 2"/>
@@ -12107,10 +12709,9 @@
           <a:lstStyle/>
           <a:p>
             <a:r>
-              <a:rPr lang="en-US" dirty="0" smtClean="0"/>
+              <a:rPr lang="en-US" dirty="0"/>
               <a:t>Parallel Data</a:t>
             </a:r>
-            <a:endParaRPr lang="en-US" dirty="0"/>
           </a:p>
         </p:txBody>
       </p:sp>
@@ -12132,55 +12733,55 @@
           <a:lstStyle/>
           <a:p>
             <a:r>
-              <a:rPr lang="en-US" dirty="0" smtClean="0"/>
+              <a:rPr lang="en-US" dirty="0"/>
               <a:t>In machine translation, we have two (different) languages</a:t>
             </a:r>
           </a:p>
           <a:p>
             <a:pPr lvl="1"/>
             <a:r>
-              <a:rPr lang="en-US" dirty="0" smtClean="0"/>
+              <a:rPr lang="en-US" dirty="0"/>
               <a:t>The source language (what language we’re given as input)</a:t>
             </a:r>
           </a:p>
           <a:p>
             <a:pPr lvl="1"/>
             <a:r>
-              <a:rPr lang="en-US" dirty="0" smtClean="0"/>
+              <a:rPr lang="en-US" dirty="0"/>
               <a:t>The target language (what language we want to produce as output)</a:t>
             </a:r>
           </a:p>
           <a:p>
             <a:pPr lvl="1"/>
             <a:r>
-              <a:rPr lang="en-US" dirty="0" smtClean="0"/>
+              <a:rPr lang="en-US" dirty="0"/>
               <a:t>Translation is supposed to preserve meaning between the two sequences</a:t>
             </a:r>
           </a:p>
           <a:p>
-            <a:endParaRPr lang="en-US" dirty="0" smtClean="0"/>
+            <a:endParaRPr lang="en-US" dirty="0"/>
           </a:p>
           <a:p>
             <a:r>
-              <a:rPr lang="en-US" dirty="0" smtClean="0"/>
+              <a:rPr lang="en-US" dirty="0"/>
               <a:t>Our data is given as a parallel corpus</a:t>
             </a:r>
           </a:p>
           <a:p>
             <a:pPr lvl="1"/>
             <a:r>
-              <a:rPr lang="en-US" dirty="0" smtClean="0"/>
+              <a:rPr lang="en-US" dirty="0"/>
               <a:t>Typically sentence aligned</a:t>
             </a:r>
           </a:p>
           <a:p>
             <a:pPr lvl="1"/>
             <a:r>
-              <a:rPr lang="en-US" dirty="0" smtClean="0"/>
+              <a:rPr lang="en-US" dirty="0"/>
               <a:t>Convention is to call the source language </a:t>
             </a:r>
             <a:r>
-              <a:rPr lang="en-US" dirty="0" smtClean="0">
+              <a:rPr lang="en-US" dirty="0">
                 <a:solidFill>
                   <a:schemeClr val="accent2"/>
                 </a:solidFill>
@@ -12188,11 +12789,11 @@
               <a:t>French</a:t>
             </a:r>
             <a:r>
-              <a:rPr lang="en-US" dirty="0" smtClean="0"/>
+              <a:rPr lang="en-US" dirty="0"/>
               <a:t> and target language </a:t>
             </a:r>
             <a:r>
-              <a:rPr lang="en-US" dirty="0" smtClean="0">
+              <a:rPr lang="en-US" dirty="0">
                 <a:solidFill>
                   <a:srgbClr val="7030A0"/>
                 </a:solidFill>
@@ -12203,7 +12804,7 @@
           <a:p>
             <a:pPr lvl="2"/>
             <a:r>
-              <a:rPr lang="en-US" dirty="0" smtClean="0"/>
+              <a:rPr lang="en-US" dirty="0"/>
               <a:t>Even though other languages are possible!</a:t>
             </a:r>
           </a:p>
@@ -12680,10 +13281,9 @@
           <a:lstStyle/>
           <a:p>
             <a:r>
-              <a:rPr lang="en-US" dirty="0" smtClean="0"/>
+              <a:rPr lang="en-US" dirty="0"/>
               <a:t>Word Alignment</a:t>
             </a:r>
-            <a:endParaRPr lang="en-US" dirty="0"/>
           </a:p>
         </p:txBody>
       </p:sp>
@@ -12708,14 +13308,14 @@
           <a:lstStyle/>
           <a:p>
             <a:r>
-              <a:rPr lang="en-US" dirty="0" smtClean="0"/>
+              <a:rPr lang="en-US" dirty="0"/>
               <a:t>Something we need to figure out when translating</a:t>
             </a:r>
           </a:p>
           <a:p>
             <a:pPr lvl="1"/>
             <a:r>
-              <a:rPr lang="en-US" dirty="0" smtClean="0"/>
+              <a:rPr lang="en-US" dirty="0"/>
               <a:t>Which words align to which words?</a:t>
             </a:r>
           </a:p>
@@ -12726,11 +13326,11 @@
           <a:p>
             <a:pPr lvl="1"/>
             <a:r>
-              <a:rPr lang="en-US" dirty="0" smtClean="0"/>
+              <a:rPr lang="en-US" dirty="0"/>
               <a:t>Consider the following sentence pairs (</a:t>
             </a:r>
             <a:r>
-              <a:rPr lang="en-US" dirty="0" smtClean="0">
+              <a:rPr lang="en-US" dirty="0">
                 <a:solidFill>
                   <a:srgbClr val="7030A0"/>
                 </a:solidFill>
@@ -12738,11 +13338,11 @@
               <a:t>English</a:t>
             </a:r>
             <a:r>
-              <a:rPr lang="en-US" dirty="0" smtClean="0"/>
+              <a:rPr lang="en-US" dirty="0"/>
               <a:t> and </a:t>
             </a:r>
             <a:r>
-              <a:rPr lang="en-US" dirty="0" smtClean="0">
+              <a:rPr lang="en-US" dirty="0">
                 <a:solidFill>
                   <a:schemeClr val="accent2"/>
                 </a:solidFill>
@@ -12750,35 +13350,34 @@
               <a:t>Spanish</a:t>
             </a:r>
             <a:r>
-              <a:rPr lang="en-US" dirty="0" smtClean="0"/>
+              <a:rPr lang="en-US" dirty="0"/>
               <a:t>)</a:t>
             </a:r>
-          </a:p>
-          <a:p>
-            <a:endParaRPr lang="en-US" dirty="0" smtClean="0"/>
           </a:p>
           <a:p>
             <a:endParaRPr lang="en-US" dirty="0"/>
           </a:p>
           <a:p>
-            <a:endParaRPr lang="en-US" dirty="0" smtClean="0"/>
+            <a:endParaRPr lang="en-US" dirty="0"/>
+          </a:p>
+          <a:p>
+            <a:endParaRPr lang="en-US" dirty="0"/>
           </a:p>
           <a:p>
             <a:endParaRPr lang="en-US" dirty="0"/>
           </a:p>
           <a:p>
             <a:r>
-              <a:rPr lang="en-US" dirty="0" smtClean="0"/>
+              <a:rPr lang="en-US" dirty="0"/>
               <a:t>Which words correspond to each other?</a:t>
             </a:r>
           </a:p>
           <a:p>
             <a:pPr lvl="1"/>
             <a:r>
-              <a:rPr lang="en-US" dirty="0" smtClean="0"/>
+              <a:rPr lang="en-US" dirty="0"/>
               <a:t>Do all words have to correspond?</a:t>
             </a:r>
-            <a:endParaRPr lang="en-US" dirty="0"/>
           </a:p>
         </p:txBody>
       </p:sp>
@@ -12810,29 +13409,16 @@
                   <a:srgbClr val="7030A0"/>
                 </a:solidFill>
               </a:rPr>
-              <a:t>g</a:t>
+              <a:t>garcia</a:t>
             </a:r>
             <a:r>
-              <a:rPr lang="en-US" dirty="0" err="1" smtClean="0">
-                <a:solidFill>
-                  <a:srgbClr val="7030A0"/>
-                </a:solidFill>
-              </a:rPr>
-              <a:t>arcia</a:t>
-            </a:r>
-            <a:r>
-              <a:rPr lang="en-US" dirty="0" smtClean="0">
+              <a:rPr lang="en-US" dirty="0">
                 <a:solidFill>
                   <a:srgbClr val="7030A0"/>
                 </a:solidFill>
               </a:rPr>
               <a:t> and associates</a:t>
             </a:r>
-            <a:endParaRPr lang="en-US" dirty="0">
-              <a:solidFill>
-                <a:srgbClr val="7030A0"/>
-              </a:solidFill>
-            </a:endParaRPr>
           </a:p>
         </p:txBody>
       </p:sp>
@@ -12864,21 +13450,8 @@
                   <a:srgbClr val="7030A0"/>
                 </a:solidFill>
               </a:rPr>
-              <a:t>h</a:t>
+              <a:t>his associates are not strong</a:t>
             </a:r>
-            <a:r>
-              <a:rPr lang="en-US" dirty="0" smtClean="0">
-                <a:solidFill>
-                  <a:srgbClr val="7030A0"/>
-                </a:solidFill>
-              </a:rPr>
-              <a:t>is associates are not strong</a:t>
-            </a:r>
-            <a:endParaRPr lang="en-US" dirty="0">
-              <a:solidFill>
-                <a:srgbClr val="7030A0"/>
-              </a:solidFill>
-            </a:endParaRPr>
           </a:p>
         </p:txBody>
       </p:sp>
@@ -12910,18 +13483,10 @@
                   <a:srgbClr val="7030A0"/>
                 </a:solidFill>
               </a:rPr>
-              <a:t>t</a:t>
+              <a:t>the groups do not sell </a:t>
             </a:r>
             <a:r>
-              <a:rPr lang="en-US" dirty="0" smtClean="0">
-                <a:solidFill>
-                  <a:srgbClr val="7030A0"/>
-                </a:solidFill>
-              </a:rPr>
-              <a:t>he groups do not sell </a:t>
-            </a:r>
-            <a:r>
-              <a:rPr lang="en-US" dirty="0" err="1" smtClean="0">
+              <a:rPr lang="en-US" dirty="0" err="1">
                 <a:solidFill>
                   <a:srgbClr val="7030A0"/>
                 </a:solidFill>
@@ -12964,18 +13529,10 @@
                   <a:schemeClr val="accent2"/>
                 </a:solidFill>
               </a:rPr>
-              <a:t>g</a:t>
+              <a:t>garcia</a:t>
             </a:r>
             <a:r>
-              <a:rPr lang="en-US" dirty="0" err="1" smtClean="0">
-                <a:solidFill>
-                  <a:schemeClr val="accent2"/>
-                </a:solidFill>
-              </a:rPr>
-              <a:t>arcia</a:t>
-            </a:r>
-            <a:r>
-              <a:rPr lang="en-US" dirty="0" smtClean="0">
+              <a:rPr lang="en-US" dirty="0">
                 <a:solidFill>
                   <a:schemeClr val="accent2"/>
                 </a:solidFill>
@@ -12983,7 +13540,7 @@
               <a:t> y </a:t>
             </a:r>
             <a:r>
-              <a:rPr lang="en-US" dirty="0" err="1" smtClean="0">
+              <a:rPr lang="en-US" dirty="0" err="1">
                 <a:solidFill>
                   <a:schemeClr val="accent2"/>
                 </a:solidFill>
@@ -13026,18 +13583,10 @@
                   <a:schemeClr val="accent2"/>
                 </a:solidFill>
               </a:rPr>
-              <a:t>s</a:t>
+              <a:t>sus</a:t>
             </a:r>
             <a:r>
-              <a:rPr lang="en-US" dirty="0" err="1" smtClean="0">
-                <a:solidFill>
-                  <a:schemeClr val="accent2"/>
-                </a:solidFill>
-              </a:rPr>
-              <a:t>us</a:t>
-            </a:r>
-            <a:r>
-              <a:rPr lang="en-US" dirty="0" smtClean="0">
+              <a:rPr lang="en-US" dirty="0">
                 <a:solidFill>
                   <a:schemeClr val="accent2"/>
                 </a:solidFill>
@@ -13045,7 +13594,7 @@
               <a:t> </a:t>
             </a:r>
             <a:r>
-              <a:rPr lang="en-US" dirty="0" err="1" smtClean="0">
+              <a:rPr lang="en-US" dirty="0" err="1">
                 <a:solidFill>
                   <a:schemeClr val="accent2"/>
                 </a:solidFill>
@@ -13053,7 +13602,7 @@
               <a:t>asociados</a:t>
             </a:r>
             <a:r>
-              <a:rPr lang="en-US" dirty="0" smtClean="0">
+              <a:rPr lang="en-US" dirty="0">
                 <a:solidFill>
                   <a:schemeClr val="accent2"/>
                 </a:solidFill>
@@ -13061,7 +13610,7 @@
               <a:t> no son </a:t>
             </a:r>
             <a:r>
-              <a:rPr lang="en-US" dirty="0" err="1" smtClean="0">
+              <a:rPr lang="en-US" dirty="0" err="1">
                 <a:solidFill>
                   <a:schemeClr val="accent2"/>
                 </a:solidFill>
@@ -13104,18 +13653,10 @@
                   <a:schemeClr val="accent2"/>
                 </a:solidFill>
               </a:rPr>
-              <a:t>l</a:t>
+              <a:t>los</a:t>
             </a:r>
             <a:r>
-              <a:rPr lang="en-US" dirty="0" err="1" smtClean="0">
-                <a:solidFill>
-                  <a:schemeClr val="accent2"/>
-                </a:solidFill>
-              </a:rPr>
-              <a:t>os</a:t>
-            </a:r>
-            <a:r>
-              <a:rPr lang="en-US" dirty="0" smtClean="0">
+              <a:rPr lang="en-US" dirty="0">
                 <a:solidFill>
                   <a:schemeClr val="accent2"/>
                 </a:solidFill>
@@ -13123,7 +13664,7 @@
               <a:t> </a:t>
             </a:r>
             <a:r>
-              <a:rPr lang="en-US" dirty="0" err="1" smtClean="0">
+              <a:rPr lang="en-US" dirty="0" err="1">
                 <a:solidFill>
                   <a:schemeClr val="accent2"/>
                 </a:solidFill>
@@ -13131,7 +13672,7 @@
               <a:t>grupos</a:t>
             </a:r>
             <a:r>
-              <a:rPr lang="en-US" dirty="0" smtClean="0">
+              <a:rPr lang="en-US" dirty="0">
                 <a:solidFill>
                   <a:schemeClr val="accent2"/>
                 </a:solidFill>
@@ -13139,7 +13680,7 @@
               <a:t> no </a:t>
             </a:r>
             <a:r>
-              <a:rPr lang="en-US" dirty="0" err="1" smtClean="0">
+              <a:rPr lang="en-US" dirty="0" err="1">
                 <a:solidFill>
                   <a:schemeClr val="accent2"/>
                 </a:solidFill>
@@ -13147,7 +13688,7 @@
               <a:t>venden</a:t>
             </a:r>
             <a:r>
-              <a:rPr lang="en-US" dirty="0" smtClean="0">
+              <a:rPr lang="en-US" dirty="0">
                 <a:solidFill>
                   <a:schemeClr val="accent2"/>
                 </a:solidFill>
@@ -13155,7 +13696,7 @@
               <a:t> </a:t>
             </a:r>
             <a:r>
-              <a:rPr lang="en-US" dirty="0" err="1" smtClean="0">
+              <a:rPr lang="en-US" dirty="0" err="1">
                 <a:solidFill>
                   <a:schemeClr val="accent2"/>
                 </a:solidFill>
@@ -14854,10 +15395,9 @@
           <a:lstStyle/>
           <a:p>
             <a:r>
-              <a:rPr lang="en-US" dirty="0" smtClean="0"/>
+              <a:rPr lang="en-US" dirty="0"/>
               <a:t>Word Alignment</a:t>
             </a:r>
-            <a:endParaRPr lang="en-US" dirty="0"/>
           </a:p>
         </p:txBody>
       </p:sp>
@@ -14875,11 +15415,13 @@
             </p:nvSpPr>
             <p:spPr/>
             <p:txBody>
-              <a:bodyPr/>
+              <a:bodyPr>
+                <a:normAutofit/>
+              </a:bodyPr>
               <a:lstStyle/>
               <a:p>
                 <a:r>
-                  <a:rPr lang="en-US" dirty="0" smtClean="0"/>
+                  <a:rPr lang="en-US" dirty="0"/>
                   <a:t>Let </a:t>
                 </a:r>
                 <a14:m>
@@ -15013,11 +15555,11 @@
                   </m:oMath>
                 </a14:m>
                 <a:r>
-                  <a:rPr lang="en-US" dirty="0" smtClean="0"/>
+                  <a:rPr lang="en-US" dirty="0"/>
                   <a:t> range over </a:t>
                 </a:r>
                 <a:r>
-                  <a:rPr lang="en-US" dirty="0" smtClean="0">
+                  <a:rPr lang="en-US" dirty="0">
                     <a:solidFill>
                       <a:schemeClr val="accent2"/>
                     </a:solidFill>
@@ -15025,13 +15567,13 @@
                   <a:t>Spanish</a:t>
                 </a:r>
                 <a:r>
-                  <a:rPr lang="en-US" dirty="0" smtClean="0"/>
+                  <a:rPr lang="en-US" dirty="0"/>
                   <a:t> sentences</a:t>
                 </a:r>
               </a:p>
               <a:p>
                 <a:r>
-                  <a:rPr lang="en-US" dirty="0" smtClean="0"/>
+                  <a:rPr lang="en-US" dirty="0"/>
                   <a:t>Let </a:t>
                 </a:r>
                 <a14:m>
@@ -15165,11 +15707,11 @@
                   </m:oMath>
                 </a14:m>
                 <a:r>
-                  <a:rPr lang="en-US" dirty="0" smtClean="0"/>
+                  <a:rPr lang="en-US" dirty="0"/>
                   <a:t> range over </a:t>
                 </a:r>
                 <a:r>
-                  <a:rPr lang="en-US" dirty="0" smtClean="0">
+                  <a:rPr lang="en-US" dirty="0">
                     <a:solidFill>
                       <a:srgbClr val="7030A0"/>
                     </a:solidFill>
@@ -15177,13 +15719,13 @@
                   <a:t>English</a:t>
                 </a:r>
                 <a:r>
-                  <a:rPr lang="en-US" dirty="0" smtClean="0"/>
+                  <a:rPr lang="en-US" dirty="0"/>
                   <a:t> sentences</a:t>
                 </a:r>
               </a:p>
               <a:p>
                 <a:r>
-                  <a:rPr lang="en-US" dirty="0" smtClean="0"/>
+                  <a:rPr lang="en-US" dirty="0"/>
                   <a:t>Let </a:t>
                 </a:r>
                 <a14:m>
@@ -15331,7 +15873,7 @@
                   </m:oMath>
                 </a14:m>
                 <a:r>
-                  <a:rPr lang="en-US" dirty="0" smtClean="0"/>
+                  <a:rPr lang="en-US" dirty="0"/>
                   <a:t> range over possible many-to-one alignments</a:t>
                 </a:r>
               </a:p>
@@ -15388,11 +15930,11 @@
                   </m:oMath>
                 </a14:m>
                 <a:r>
-                  <a:rPr lang="en-US" dirty="0" smtClean="0"/>
+                  <a:rPr lang="en-US" dirty="0"/>
                   <a:t> means that </a:t>
                 </a:r>
                 <a:r>
-                  <a:rPr lang="en-US" dirty="0" smtClean="0">
+                  <a:rPr lang="en-US" dirty="0">
                     <a:solidFill>
                       <a:schemeClr val="accent2"/>
                     </a:solidFill>
@@ -15400,7 +15942,7 @@
                   <a:t>Spanish</a:t>
                 </a:r>
                 <a:r>
-                  <a:rPr lang="en-US" dirty="0" smtClean="0"/>
+                  <a:rPr lang="en-US" dirty="0"/>
                   <a:t> word </a:t>
                 </a:r>
                 <a14:m>
@@ -15442,11 +15984,11 @@
                   </m:oMath>
                 </a14:m>
                 <a:r>
-                  <a:rPr lang="en-US" dirty="0" smtClean="0"/>
+                  <a:rPr lang="en-US" dirty="0"/>
                   <a:t> is aligned to </a:t>
                 </a:r>
                 <a:r>
-                  <a:rPr lang="en-US" dirty="0" smtClean="0">
+                  <a:rPr lang="en-US" dirty="0">
                     <a:solidFill>
                       <a:srgbClr val="7030A0"/>
                     </a:solidFill>
@@ -15454,7 +15996,7 @@
                   <a:t>English</a:t>
                 </a:r>
                 <a:r>
-                  <a:rPr lang="en-US" dirty="0" smtClean="0"/>
+                  <a:rPr lang="en-US" dirty="0"/>
                   <a:t> word </a:t>
                 </a:r>
                 <a14:m>
@@ -15470,7 +16012,14 @@
                     </m:r>
                   </m:oMath>
                 </a14:m>
-                <a:endParaRPr lang="en-US" dirty="0" smtClean="0"/>
+                <a:r>
+                  <a:rPr lang="en-US" dirty="0"/>
+                  <a:t> </a:t>
+                </a:r>
+                <a:r>
+                  <a:rPr lang="en-US" sz="1600" dirty="0"/>
+                  <a:t>(i and j are index)</a:t>
+                </a:r>
               </a:p>
               <a:p>
                 <a:pPr lvl="1"/>
@@ -15525,11 +16074,11 @@
                   </m:oMath>
                 </a14:m>
                 <a:r>
-                  <a:rPr lang="en-US" dirty="0" smtClean="0"/>
+                  <a:rPr lang="en-US" dirty="0"/>
                   <a:t> means that </a:t>
                 </a:r>
                 <a:r>
-                  <a:rPr lang="en-US" dirty="0" smtClean="0">
+                  <a:rPr lang="en-US" dirty="0">
                     <a:solidFill>
                       <a:schemeClr val="accent2"/>
                     </a:solidFill>
@@ -15537,7 +16086,7 @@
                   <a:t>Spanish</a:t>
                 </a:r>
                 <a:r>
-                  <a:rPr lang="en-US" dirty="0" smtClean="0"/>
+                  <a:rPr lang="en-US" dirty="0"/>
                   <a:t> word </a:t>
                 </a:r>
                 <a14:m>
@@ -15579,16 +16128,16 @@
                   </m:oMath>
                 </a14:m>
                 <a:r>
-                  <a:rPr lang="en-US" dirty="0" smtClean="0"/>
+                  <a:rPr lang="en-US" dirty="0"/>
                   <a:t> is unaligned</a:t>
                 </a:r>
               </a:p>
               <a:p>
-                <a:endParaRPr lang="en-US" dirty="0" smtClean="0"/>
+                <a:endParaRPr lang="en-US" dirty="0"/>
               </a:p>
               <a:p>
                 <a:r>
-                  <a:rPr lang="en-US" dirty="0" smtClean="0"/>
+                  <a:rPr lang="en-US" dirty="0"/>
                   <a:t>We are given a collection of </a:t>
                 </a:r>
                 <a14:m>
@@ -15631,14 +16180,14 @@
                   </m:oMath>
                 </a14:m>
                 <a:r>
-                  <a:rPr lang="en-US" dirty="0" smtClean="0"/>
+                  <a:rPr lang="en-US" dirty="0"/>
                   <a:t> pairs</a:t>
                 </a:r>
               </a:p>
               <a:p>
                 <a:pPr lvl="1"/>
                 <a:r>
-                  <a:rPr lang="en-US" dirty="0" smtClean="0"/>
+                  <a:rPr lang="en-US" dirty="0"/>
                   <a:t>Define a model </a:t>
                 </a:r>
                 <a14:m>
@@ -15725,20 +16274,20 @@
                     </m:r>
                   </m:oMath>
                 </a14:m>
-                <a:endParaRPr lang="en-US" dirty="0" smtClean="0"/>
+                <a:endParaRPr lang="en-US" dirty="0"/>
               </a:p>
               <a:p>
                 <a:pPr lvl="1"/>
                 <a:r>
-                  <a:rPr lang="en-US" dirty="0" smtClean="0"/>
+                  <a:rPr lang="en-US" dirty="0"/>
                   <a:t>Need to find </a:t>
                 </a:r>
                 <a:r>
-                  <a:rPr lang="en-US" dirty="0" err="1" smtClean="0"/>
+                  <a:rPr lang="en-US" dirty="0" err="1"/>
                   <a:t>params</a:t>
                 </a:r>
                 <a:r>
-                  <a:rPr lang="en-US" dirty="0" smtClean="0"/>
+                  <a:rPr lang="en-US" dirty="0"/>
                   <a:t> of the model which maximize </a:t>
                 </a:r>
                 <a14:m>
@@ -15820,7 +16369,7 @@
               <a:blipFill>
                 <a:blip r:embed="rId2"/>
                 <a:stretch>
-                  <a:fillRect l="-1043" t="-2241"/>
+                  <a:fillRect l="-1086" t="-2326"/>
                 </a:stretch>
               </a:blipFill>
             </p:spPr>
@@ -15867,21 +16416,8 @@
                   <a:srgbClr val="7030A0"/>
                 </a:solidFill>
               </a:rPr>
-              <a:t>h</a:t>
+              <a:t>his associates are not strong</a:t>
             </a:r>
-            <a:r>
-              <a:rPr lang="en-US" dirty="0" smtClean="0">
-                <a:solidFill>
-                  <a:srgbClr val="7030A0"/>
-                </a:solidFill>
-              </a:rPr>
-              <a:t>is associates are not strong</a:t>
-            </a:r>
-            <a:endParaRPr lang="en-US" dirty="0">
-              <a:solidFill>
-                <a:srgbClr val="7030A0"/>
-              </a:solidFill>
-            </a:endParaRPr>
           </a:p>
         </p:txBody>
       </p:sp>
@@ -15913,18 +16449,10 @@
                   <a:schemeClr val="accent2"/>
                 </a:solidFill>
               </a:rPr>
-              <a:t>s</a:t>
+              <a:t>sus</a:t>
             </a:r>
             <a:r>
-              <a:rPr lang="en-US" dirty="0" err="1" smtClean="0">
-                <a:solidFill>
-                  <a:schemeClr val="accent2"/>
-                </a:solidFill>
-              </a:rPr>
-              <a:t>us</a:t>
-            </a:r>
-            <a:r>
-              <a:rPr lang="en-US" dirty="0" smtClean="0">
+              <a:rPr lang="en-US" dirty="0">
                 <a:solidFill>
                   <a:schemeClr val="accent2"/>
                 </a:solidFill>
@@ -15932,7 +16460,7 @@
               <a:t> </a:t>
             </a:r>
             <a:r>
-              <a:rPr lang="en-US" dirty="0" err="1" smtClean="0">
+              <a:rPr lang="en-US" dirty="0" err="1">
                 <a:solidFill>
                   <a:schemeClr val="accent2"/>
                 </a:solidFill>
@@ -15940,7 +16468,7 @@
               <a:t>asociados</a:t>
             </a:r>
             <a:r>
-              <a:rPr lang="en-US" dirty="0" smtClean="0">
+              <a:rPr lang="en-US" dirty="0">
                 <a:solidFill>
                   <a:schemeClr val="accent2"/>
                 </a:solidFill>
@@ -15948,7 +16476,7 @@
               <a:t> no son </a:t>
             </a:r>
             <a:r>
-              <a:rPr lang="en-US" dirty="0" err="1" smtClean="0">
+              <a:rPr lang="en-US" dirty="0" err="1">
                 <a:solidFill>
                   <a:schemeClr val="accent2"/>
                 </a:solidFill>
@@ -16158,8 +16686,8 @@
           </a:fontRef>
         </p:style>
       </p:cxnSp>
-      <mc:AlternateContent xmlns:mc="http://schemas.openxmlformats.org/markup-compatibility/2006">
-        <mc:Choice xmlns:a14="http://schemas.microsoft.com/office/drawing/2010/main" Requires="a14">
+      <mc:AlternateContent xmlns:mc="http://schemas.openxmlformats.org/markup-compatibility/2006" xmlns:a14="http://schemas.microsoft.com/office/drawing/2010/main">
+        <mc:Choice Requires="a14">
           <p:sp>
             <p:nvSpPr>
               <p:cNvPr id="11" name="TextBox 10"/>
@@ -16182,6 +16710,7 @@
               </a:bodyPr>
               <a:lstStyle/>
               <a:p>
+                <a:pPr/>
                 <a14:m>
                   <m:oMathPara xmlns:m="http://schemas.openxmlformats.org/officeDocument/2006/math">
                     <m:oMathParaPr>
@@ -16211,7 +16740,7 @@
             </p:txBody>
           </p:sp>
         </mc:Choice>
-        <mc:Fallback>
+        <mc:Fallback xmlns="">
           <p:sp>
             <p:nvSpPr>
               <p:cNvPr id="11" name="TextBox 10"/>
@@ -17047,15 +17576,14 @@
           <a:lstStyle/>
           <a:p>
             <a:r>
-              <a:rPr lang="en-US" dirty="0" smtClean="0"/>
+              <a:rPr lang="en-US" dirty="0"/>
               <a:t>IBM Model 1</a:t>
             </a:r>
-            <a:endParaRPr lang="en-US" dirty="0"/>
           </a:p>
         </p:txBody>
       </p:sp>
-      <mc:AlternateContent xmlns:mc="http://schemas.openxmlformats.org/markup-compatibility/2006">
-        <mc:Choice xmlns:a14="http://schemas.microsoft.com/office/drawing/2010/main" Requires="a14">
+      <mc:AlternateContent xmlns:mc="http://schemas.openxmlformats.org/markup-compatibility/2006" xmlns:a14="http://schemas.microsoft.com/office/drawing/2010/main">
+        <mc:Choice Requires="a14">
           <p:sp>
             <p:nvSpPr>
               <p:cNvPr id="3" name="Content Placeholder 2"/>
@@ -17072,7 +17600,7 @@
               <a:lstStyle/>
               <a:p>
                 <a:r>
-                  <a:rPr lang="en-US" dirty="0" smtClean="0"/>
+                  <a:rPr lang="en-US" dirty="0"/>
                   <a:t>First in series of five seminal models for statistical word alignment</a:t>
                 </a:r>
               </a:p>
@@ -17081,14 +17609,14 @@
               </a:p>
               <a:p>
                 <a:r>
-                  <a:rPr lang="en-US" dirty="0" smtClean="0"/>
+                  <a:rPr lang="en-US" dirty="0"/>
                   <a:t>Sequences generated according to the following model:</a:t>
                 </a:r>
               </a:p>
               <a:p>
                 <a:pPr lvl="1"/>
                 <a:r>
-                  <a:rPr lang="en-US" dirty="0" smtClean="0"/>
+                  <a:rPr lang="en-US" dirty="0"/>
                   <a:t>Choose </a:t>
                 </a:r>
                 <a14:m>
@@ -17102,15 +17630,15 @@
                   </m:oMath>
                 </a14:m>
                 <a:r>
-                  <a:rPr lang="en-US" dirty="0" smtClean="0"/>
+                  <a:rPr lang="en-US" dirty="0"/>
                   <a:t> words with uniform </a:t>
                 </a:r>
                 <a:r>
-                  <a:rPr lang="en-US" dirty="0" err="1" smtClean="0"/>
+                  <a:rPr lang="en-US" dirty="0" err="1"/>
                   <a:t>prob</a:t>
                 </a:r>
                 <a:r>
-                  <a:rPr lang="en-US" dirty="0" smtClean="0"/>
+                  <a:rPr lang="en-US" dirty="0"/>
                   <a:t> </a:t>
                 </a:r>
                 <a14:m>
@@ -17143,7 +17671,7 @@
                   </m:oMath>
                 </a14:m>
                 <a:r>
-                  <a:rPr lang="en-US" dirty="0" smtClean="0"/>
+                  <a:rPr lang="en-US" dirty="0"/>
                   <a:t> where </a:t>
                 </a:r>
                 <a14:m>
@@ -17157,11 +17685,11 @@
                   </m:oMath>
                 </a14:m>
                 <a:r>
-                  <a:rPr lang="en-US" dirty="0" smtClean="0"/>
+                  <a:rPr lang="en-US" dirty="0"/>
                   <a:t> is max </a:t>
                 </a:r>
                 <a:r>
-                  <a:rPr lang="en-US" dirty="0" smtClean="0">
+                  <a:rPr lang="en-US" dirty="0">
                     <a:solidFill>
                       <a:schemeClr val="accent2"/>
                     </a:solidFill>
@@ -17169,14 +17697,14 @@
                   <a:t>Spanish</a:t>
                 </a:r>
                 <a:r>
-                  <a:rPr lang="en-US" dirty="0" smtClean="0"/>
+                  <a:rPr lang="en-US" dirty="0"/>
                   <a:t> sequence length</a:t>
                 </a:r>
               </a:p>
               <a:p>
                 <a:pPr lvl="1"/>
                 <a:r>
-                  <a:rPr lang="en-US" dirty="0" smtClean="0"/>
+                  <a:rPr lang="en-US" dirty="0"/>
                   <a:t>Generate alignment </a:t>
                 </a:r>
                 <a14:m>
@@ -17298,23 +17826,23 @@
                   </m:oMath>
                 </a14:m>
                 <a:r>
-                  <a:rPr lang="en-US" dirty="0" smtClean="0"/>
+                  <a:rPr lang="en-US" dirty="0"/>
                   <a:t>, again with uniform </a:t>
                 </a:r>
                 <a:r>
-                  <a:rPr lang="en-US" dirty="0" err="1" smtClean="0"/>
+                  <a:rPr lang="en-US" dirty="0" err="1"/>
                   <a:t>prob</a:t>
                 </a:r>
-                <a:endParaRPr lang="en-US" dirty="0" smtClean="0"/>
+                <a:endParaRPr lang="en-US" dirty="0"/>
               </a:p>
               <a:p>
                 <a:pPr lvl="1"/>
                 <a:r>
-                  <a:rPr lang="en-US" dirty="0" smtClean="0"/>
+                  <a:rPr lang="en-US" dirty="0"/>
                   <a:t>Generate </a:t>
                 </a:r>
                 <a:r>
-                  <a:rPr lang="en-US" dirty="0" smtClean="0">
+                  <a:rPr lang="en-US" dirty="0">
                     <a:solidFill>
                       <a:schemeClr val="accent2"/>
                     </a:solidFill>
@@ -17322,7 +17850,7 @@
                   <a:t>Spanish</a:t>
                 </a:r>
                 <a:r>
-                  <a:rPr lang="en-US" dirty="0" smtClean="0"/>
+                  <a:rPr lang="en-US" dirty="0"/>
                   <a:t> words </a:t>
                 </a:r>
                 <a14:m>
@@ -17441,15 +17969,15 @@
                   </m:oMath>
                 </a14:m>
                 <a:r>
-                  <a:rPr lang="en-US" dirty="0" smtClean="0"/>
+                  <a:rPr lang="en-US" dirty="0"/>
                   <a:t>, each with </a:t>
                 </a:r>
                 <a:r>
-                  <a:rPr lang="en-US" dirty="0" err="1" smtClean="0"/>
+                  <a:rPr lang="en-US" dirty="0" err="1"/>
                   <a:t>prob</a:t>
                 </a:r>
                 <a:r>
-                  <a:rPr lang="en-US" dirty="0" smtClean="0"/>
+                  <a:rPr lang="en-US" dirty="0"/>
                   <a:t> </a:t>
                 </a:r>
                 <a14:m>
@@ -17566,7 +18094,7 @@
                   </m:oMath>
                 </a14:m>
                 <a:r>
-                  <a:rPr lang="en-US" dirty="0" smtClean="0"/>
+                  <a:rPr lang="en-US" dirty="0"/>
                   <a:t> or </a:t>
                 </a:r>
                 <a14:m>
@@ -17635,7 +18163,7 @@
                     </m:d>
                   </m:oMath>
                 </a14:m>
-                <a:endParaRPr lang="en-US" dirty="0" smtClean="0"/>
+                <a:endParaRPr lang="en-US" dirty="0"/>
               </a:p>
               <a:p>
                 <a:endParaRPr lang="en-US" dirty="0"/>
@@ -17643,7 +18171,7 @@
             </p:txBody>
           </p:sp>
         </mc:Choice>
-        <mc:Fallback>
+        <mc:Fallback xmlns="">
           <p:sp>
             <p:nvSpPr>
               <p:cNvPr id="3" name="Content Placeholder 2"/>
@@ -17984,6 +18512,121 @@
       </p:grpSpPr>
       <p:sp>
         <p:nvSpPr>
+          <p:cNvPr id="3" name="Content Placeholder 2">
+            <a:extLst>
+              <a:ext uri="{FF2B5EF4-FFF2-40B4-BE49-F238E27FC236}">
+                <a16:creationId xmlns:a16="http://schemas.microsoft.com/office/drawing/2014/main" id="{4929AB42-74D1-D825-63DE-3BA48E3AB215}"/>
+              </a:ext>
+            </a:extLst>
+          </p:cNvPr>
+          <p:cNvSpPr>
+            <a:spLocks noGrp="1"/>
+          </p:cNvSpPr>
+          <p:nvPr>
+            <p:ph idx="1"/>
+          </p:nvPr>
+        </p:nvSpPr>
+        <p:spPr/>
+        <p:txBody>
+          <a:bodyPr/>
+          <a:lstStyle/>
+          <a:p>
+            <a:pPr marL="0" indent="0">
+              <a:buNone/>
+            </a:pPr>
+            <a:r>
+              <a:rPr lang="en-US" dirty="0"/>
+              <a:t>w_1 w_2 w_3 (Null)</a:t>
+            </a:r>
+          </a:p>
+          <a:p>
+            <a:pPr marL="0" indent="0">
+              <a:buNone/>
+            </a:pPr>
+            <a:r>
+              <a:rPr lang="en-US" dirty="0"/>
+              <a:t>Step 1): how my words</a:t>
+            </a:r>
+          </a:p>
+          <a:p>
+            <a:pPr marL="0" indent="0">
+              <a:buNone/>
+            </a:pPr>
+            <a:r>
+              <a:rPr lang="en-US" dirty="0"/>
+              <a:t>(1/4  -&gt; 1, ¼ -&gt;2 ,…) -&gt; length = 4</a:t>
+            </a:r>
+          </a:p>
+          <a:p>
+            <a:pPr marL="0" indent="0">
+              <a:buNone/>
+            </a:pPr>
+            <a:r>
+              <a:rPr lang="en-US" dirty="0"/>
+              <a:t> _, _, _, _</a:t>
+            </a:r>
+          </a:p>
+          <a:p>
+            <a:pPr marL="0" indent="0">
+              <a:buNone/>
+            </a:pPr>
+            <a:r>
+              <a:rPr lang="en-US" dirty="0"/>
+              <a:t>Step 2) which position correspond</a:t>
+            </a:r>
+          </a:p>
+          <a:p>
+            <a:pPr marL="0" indent="0">
+              <a:buNone/>
+            </a:pPr>
+            <a:r>
+              <a:rPr lang="en-US" dirty="0"/>
+              <a:t>_1 -&gt; w_2, _2 -&gt; w_3, _3 -&gt; _3, _4 -&gt; (Null)</a:t>
+            </a:r>
+          </a:p>
+          <a:p>
+            <a:pPr marL="0" indent="0">
+              <a:buNone/>
+            </a:pPr>
+            <a:r>
+              <a:rPr lang="en-US" dirty="0"/>
+              <a:t>Step 3) generate words</a:t>
+            </a:r>
+          </a:p>
+        </p:txBody>
+      </p:sp>
+    </p:spTree>
+    <p:extLst>
+      <p:ext uri="{BB962C8B-B14F-4D97-AF65-F5344CB8AC3E}">
+        <p14:creationId xmlns:p14="http://schemas.microsoft.com/office/powerpoint/2010/main" val="2856629811"/>
+      </p:ext>
+    </p:extLst>
+  </p:cSld>
+  <p:clrMapOvr>
+    <a:masterClrMapping/>
+  </p:clrMapOvr>
+</p:sld>
+</file>
+
+<file path=ppt/slides/slide7.xml><?xml version="1.0" encoding="utf-8"?>
+<p:sld xmlns:a="http://schemas.openxmlformats.org/drawingml/2006/main" xmlns:r="http://schemas.openxmlformats.org/officeDocument/2006/relationships" xmlns:p="http://schemas.openxmlformats.org/presentationml/2006/main">
+  <p:cSld>
+    <p:spTree>
+      <p:nvGrpSpPr>
+        <p:cNvPr id="1" name=""/>
+        <p:cNvGrpSpPr/>
+        <p:nvPr/>
+      </p:nvGrpSpPr>
+      <p:grpSpPr>
+        <a:xfrm>
+          <a:off x="0" y="0"/>
+          <a:ext cx="0" cy="0"/>
+          <a:chOff x="0" y="0"/>
+          <a:chExt cx="0" cy="0"/>
+        </a:xfrm>
+      </p:grpSpPr>
+      <p:sp>
+        <p:nvSpPr>
           <p:cNvPr id="2" name="Title 1"/>
           <p:cNvSpPr>
             <a:spLocks noGrp="1"/>
@@ -17998,15 +18641,14 @@
           <a:lstStyle/>
           <a:p>
             <a:r>
-              <a:rPr lang="en-US" dirty="0" smtClean="0"/>
+              <a:rPr lang="en-US" dirty="0"/>
               <a:t>IBM Model 1</a:t>
             </a:r>
-            <a:endParaRPr lang="en-US" dirty="0"/>
           </a:p>
         </p:txBody>
       </p:sp>
-      <mc:AlternateContent xmlns:mc="http://schemas.openxmlformats.org/markup-compatibility/2006">
-        <mc:Choice xmlns:a14="http://schemas.microsoft.com/office/drawing/2010/main" Requires="a14">
+      <mc:AlternateContent xmlns:mc="http://schemas.openxmlformats.org/markup-compatibility/2006" xmlns:a14="http://schemas.microsoft.com/office/drawing/2010/main">
+        <mc:Choice Requires="a14">
           <p:sp>
             <p:nvSpPr>
               <p:cNvPr id="3" name="Content Placeholder 2"/>
@@ -18030,14 +18672,14 @@
               <a:lstStyle/>
               <a:p>
                 <a:r>
-                  <a:rPr lang="en-US" dirty="0" smtClean="0"/>
+                  <a:rPr lang="en-US" dirty="0"/>
                   <a:t>No general purpose FSA for model 1 for any sentence pair</a:t>
                 </a:r>
               </a:p>
               <a:p>
                 <a:pPr lvl="1"/>
                 <a:r>
-                  <a:rPr lang="en-US" dirty="0" smtClean="0"/>
+                  <a:rPr lang="en-US" dirty="0"/>
                   <a:t>For each </a:t>
                 </a:r>
                 <a14:m>
@@ -18054,11 +18696,11 @@
                   </m:oMath>
                 </a14:m>
                 <a:r>
-                  <a:rPr lang="en-US" dirty="0" smtClean="0"/>
+                  <a:rPr lang="en-US" dirty="0"/>
                   <a:t>, make FSA that generates </a:t>
                 </a:r>
                 <a:r>
-                  <a:rPr lang="en-US" dirty="0" smtClean="0">
+                  <a:rPr lang="en-US" dirty="0">
                     <a:solidFill>
                       <a:schemeClr val="accent2"/>
                     </a:solidFill>
@@ -18066,7 +18708,7 @@
                   <a:t>Spanish</a:t>
                 </a:r>
                 <a:r>
-                  <a:rPr lang="en-US" dirty="0" smtClean="0"/>
+                  <a:rPr lang="en-US" dirty="0"/>
                   <a:t> sentences </a:t>
                 </a:r>
                 <a14:m>
@@ -18083,7 +18725,7 @@
                   </m:oMath>
                 </a14:m>
                 <a:r>
-                  <a:rPr lang="en-US" dirty="0" smtClean="0"/>
+                  <a:rPr lang="en-US" dirty="0"/>
                   <a:t> according to </a:t>
                 </a:r>
                 <a14:m>
@@ -18146,21 +18788,21 @@
                   </m:oMath>
                 </a14:m>
                 <a:r>
-                  <a:rPr lang="en-US" dirty="0" smtClean="0"/>
+                  <a:rPr lang="en-US" dirty="0"/>
                   <a:t> </a:t>
                 </a:r>
               </a:p>
               <a:p>
                 <a:pPr lvl="1"/>
                 <a:r>
-                  <a:rPr lang="en-US" dirty="0" smtClean="0"/>
+                  <a:rPr lang="en-US" dirty="0"/>
                   <a:t>Pretty simple FSA</a:t>
                 </a:r>
               </a:p>
               <a:p>
                 <a:pPr lvl="2"/>
                 <a:r>
-                  <a:rPr lang="en-US" dirty="0" smtClean="0"/>
+                  <a:rPr lang="en-US" dirty="0"/>
                   <a:t>Remember a transition for every </a:t>
                 </a:r>
                 <a14:m>
@@ -18191,12 +18833,12 @@
                     </m:r>
                   </m:oMath>
                 </a14:m>
-                <a:endParaRPr lang="en-US" dirty="0" smtClean="0"/>
+                <a:endParaRPr lang="en-US" dirty="0"/>
               </a:p>
               <a:p>
                 <a:pPr lvl="2"/>
                 <a:r>
-                  <a:rPr lang="en-US" dirty="0" smtClean="0"/>
+                  <a:rPr lang="en-US" dirty="0"/>
                   <a:t>Since </a:t>
                 </a:r>
                 <a14:m>
@@ -18210,17 +18852,17 @@
                   </m:oMath>
                 </a14:m>
                 <a:r>
-                  <a:rPr lang="en-US" dirty="0" smtClean="0"/>
+                  <a:rPr lang="en-US" dirty="0"/>
                   <a:t> is determined before the alignment, we don’t need to model &lt;EOS&gt;</a:t>
                 </a:r>
               </a:p>
               <a:p>
                 <a:r>
-                  <a:rPr lang="en-US" dirty="0" smtClean="0"/>
+                  <a:rPr lang="en-US" dirty="0"/>
                   <a:t>Pretty straightforward </a:t>
                 </a:r>
                 <a:r>
-                  <a:rPr lang="en-US" dirty="0" smtClean="0">
+                  <a:rPr lang="en-US" dirty="0">
                     <a:solidFill>
                       <a:schemeClr val="accent2"/>
                     </a:solidFill>
@@ -18228,15 +18870,14 @@
                   <a:t>Spanish</a:t>
                 </a:r>
                 <a:r>
-                  <a:rPr lang="en-US" dirty="0" smtClean="0"/>
+                  <a:rPr lang="en-US" dirty="0"/>
                   <a:t> word-generation FST</a:t>
                 </a:r>
-                <a:endParaRPr lang="en-US" dirty="0"/>
               </a:p>
               <a:p>
                 <a:pPr lvl="1"/>
                 <a:r>
-                  <a:rPr lang="en-US" dirty="0" smtClean="0"/>
+                  <a:rPr lang="en-US" dirty="0"/>
                   <a:t>Remember multiple transitions </a:t>
                 </a:r>
                 <a14:m>
@@ -18273,12 +18914,12 @@
                     </m:r>
                   </m:oMath>
                 </a14:m>
-                <a:endParaRPr lang="en-US" dirty="0" smtClean="0"/>
+                <a:endParaRPr lang="en-US" dirty="0"/>
               </a:p>
               <a:p>
                 <a:pPr lvl="2"/>
                 <a:r>
-                  <a:rPr lang="en-US" dirty="0" smtClean="0"/>
+                  <a:rPr lang="en-US" dirty="0"/>
                   <a:t>One for every Spanish word </a:t>
                 </a:r>
                 <a14:m>
@@ -18295,11 +18936,11 @@
                   </m:oMath>
                 </a14:m>
                 <a:r>
-                  <a:rPr lang="en-US" dirty="0" smtClean="0"/>
+                  <a:rPr lang="en-US" dirty="0"/>
                   <a:t> and </a:t>
                 </a:r>
                 <a:r>
-                  <a:rPr lang="en-US" dirty="0" smtClean="0">
+                  <a:rPr lang="en-US" dirty="0">
                     <a:solidFill>
                       <a:srgbClr val="7030A0"/>
                     </a:solidFill>
@@ -18307,7 +18948,7 @@
                   <a:t>English</a:t>
                 </a:r>
                 <a:r>
-                  <a:rPr lang="en-US" dirty="0" smtClean="0"/>
+                  <a:rPr lang="en-US" dirty="0"/>
                   <a:t> position </a:t>
                 </a:r>
                 <a14:m>
@@ -18350,7 +18991,7 @@
                     </m:r>
                   </m:oMath>
                 </a14:m>
-                <a:endParaRPr lang="en-US" dirty="0" smtClean="0">
+                <a:endParaRPr lang="en-US" dirty="0">
                   <a:solidFill>
                     <a:schemeClr val="tx1"/>
                   </a:solidFill>
@@ -18358,14 +18999,14 @@
               </a:p>
               <a:p>
                 <a:r>
-                  <a:rPr lang="en-US" dirty="0" smtClean="0"/>
+                  <a:rPr lang="en-US" dirty="0"/>
                   <a:t>IBM Model 1 is the composition of these two</a:t>
                 </a:r>
               </a:p>
               <a:p>
                 <a:pPr lvl="1"/>
                 <a:r>
-                  <a:rPr lang="en-US" dirty="0" smtClean="0"/>
+                  <a:rPr lang="en-US" dirty="0"/>
                   <a:t>Arc labeled </a:t>
                 </a:r>
                 <a14:m>
@@ -18382,18 +19023,18 @@
                   </m:oMath>
                 </a14:m>
                 <a:r>
-                  <a:rPr lang="en-US" dirty="0" smtClean="0"/>
+                  <a:rPr lang="en-US" dirty="0"/>
                   <a:t> is many transitions</a:t>
                 </a:r>
               </a:p>
               <a:p>
                 <a:pPr lvl="2"/>
                 <a:r>
-                  <a:rPr lang="en-US" dirty="0" smtClean="0"/>
+                  <a:rPr lang="en-US" dirty="0"/>
                   <a:t>One for every </a:t>
                 </a:r>
                 <a:r>
-                  <a:rPr lang="en-US" dirty="0" smtClean="0">
+                  <a:rPr lang="en-US" dirty="0">
                     <a:solidFill>
                       <a:schemeClr val="accent2"/>
                     </a:solidFill>
@@ -18401,7 +19042,7 @@
                   <a:t>Spanish</a:t>
                 </a:r>
                 <a:r>
-                  <a:rPr lang="en-US" dirty="0" smtClean="0"/>
+                  <a:rPr lang="en-US" dirty="0"/>
                   <a:t> word </a:t>
                 </a:r>
                 <a14:m>
@@ -18418,11 +19059,11 @@
                   </m:oMath>
                 </a14:m>
                 <a:r>
-                  <a:rPr lang="en-US" dirty="0" smtClean="0"/>
+                  <a:rPr lang="en-US" dirty="0"/>
                   <a:t> and every </a:t>
                 </a:r>
                 <a:r>
-                  <a:rPr lang="en-US" dirty="0" smtClean="0">
+                  <a:rPr lang="en-US" dirty="0">
                     <a:solidFill>
                       <a:srgbClr val="7030A0"/>
                     </a:solidFill>
@@ -18430,7 +19071,7 @@
                   <a:t>English</a:t>
                 </a:r>
                 <a:r>
-                  <a:rPr lang="en-US" dirty="0" smtClean="0"/>
+                  <a:rPr lang="en-US" dirty="0"/>
                   <a:t> position </a:t>
                 </a:r>
                 <a14:m>
@@ -18473,7 +19114,7 @@
                     </m:r>
                   </m:oMath>
                 </a14:m>
-                <a:endParaRPr lang="en-US" dirty="0" smtClean="0">
+                <a:endParaRPr lang="en-US" dirty="0">
                   <a:solidFill>
                     <a:schemeClr val="tx1"/>
                   </a:solidFill>
@@ -18482,11 +19123,11 @@
               <a:p>
                 <a:pPr lvl="2"/>
                 <a:r>
-                  <a:rPr lang="en-US" dirty="0" smtClean="0"/>
+                  <a:rPr lang="en-US" dirty="0"/>
                   <a:t>Can generate any </a:t>
                 </a:r>
                 <a:r>
-                  <a:rPr lang="en-US" dirty="0" smtClean="0">
+                  <a:rPr lang="en-US" dirty="0">
                     <a:solidFill>
                       <a:schemeClr val="accent2"/>
                     </a:solidFill>
@@ -18494,7 +19135,7 @@
                   <a:t>Spanish</a:t>
                 </a:r>
                 <a:r>
-                  <a:rPr lang="en-US" dirty="0" smtClean="0"/>
+                  <a:rPr lang="en-US" dirty="0"/>
                   <a:t> sequence </a:t>
                 </a:r>
                 <a14:m>
@@ -18511,7 +19152,7 @@
                   </m:oMath>
                 </a14:m>
                 <a:r>
-                  <a:rPr lang="en-US" dirty="0" smtClean="0">
+                  <a:rPr lang="en-US" dirty="0">
                     <a:solidFill>
                       <a:schemeClr val="tx1"/>
                     </a:solidFill>
@@ -18531,7 +19172,7 @@
                     </m:r>
                   </m:oMath>
                 </a14:m>
-                <a:endParaRPr lang="en-US" dirty="0" smtClean="0">
+                <a:endParaRPr lang="en-US" dirty="0">
                   <a:solidFill>
                     <a:schemeClr val="tx1"/>
                   </a:solidFill>
@@ -18540,11 +19181,11 @@
               <a:p>
                 <a:pPr lvl="3"/>
                 <a:r>
-                  <a:rPr lang="en-US" dirty="0" err="1" smtClean="0"/>
+                  <a:rPr lang="en-US" dirty="0" err="1"/>
                   <a:t>Prob</a:t>
                 </a:r>
                 <a:r>
-                  <a:rPr lang="en-US" dirty="0" smtClean="0"/>
+                  <a:rPr lang="en-US" dirty="0"/>
                   <a:t> of path is </a:t>
                 </a:r>
                 <a14:m>
@@ -18631,11 +19272,11 @@
                     </m:r>
                   </m:oMath>
                 </a14:m>
-                <a:endParaRPr lang="en-US" dirty="0" smtClean="0"/>
+                <a:endParaRPr lang="en-US" dirty="0"/>
               </a:p>
               <a:p>
                 <a:pPr lvl="3"/>
-                <a:endParaRPr lang="en-US" dirty="0" smtClean="0">
+                <a:endParaRPr lang="en-US" dirty="0">
                   <a:solidFill>
                     <a:schemeClr val="tx1"/>
                   </a:solidFill>
@@ -18648,7 +19289,7 @@
             </p:txBody>
           </p:sp>
         </mc:Choice>
-        <mc:Fallback>
+        <mc:Fallback xmlns="">
           <p:sp>
             <p:nvSpPr>
               <p:cNvPr id="3" name="Content Placeholder 2"/>
@@ -19002,8 +19643,8 @@
           </a:p>
         </p:txBody>
       </p:sp>
-      <mc:AlternateContent xmlns:mc="http://schemas.openxmlformats.org/markup-compatibility/2006">
-        <mc:Choice xmlns:a14="http://schemas.microsoft.com/office/drawing/2010/main" Requires="a14">
+      <mc:AlternateContent xmlns:mc="http://schemas.openxmlformats.org/markup-compatibility/2006" xmlns:a14="http://schemas.microsoft.com/office/drawing/2010/main">
+        <mc:Choice Requires="a14">
           <p:sp>
             <p:nvSpPr>
               <p:cNvPr id="12" name="TextBox 11"/>
@@ -19026,6 +19667,7 @@
               </a:bodyPr>
               <a:lstStyle/>
               <a:p>
+                <a:pPr/>
                 <a14:m>
                   <m:oMathPara xmlns:m="http://schemas.openxmlformats.org/officeDocument/2006/math">
                     <m:oMathParaPr>
@@ -19083,7 +19725,7 @@
             </p:txBody>
           </p:sp>
         </mc:Choice>
-        <mc:Fallback>
+        <mc:Fallback xmlns="">
           <p:sp>
             <p:nvSpPr>
               <p:cNvPr id="12" name="TextBox 11"/>
@@ -19122,8 +19764,8 @@
           </p:sp>
         </mc:Fallback>
       </mc:AlternateContent>
-      <mc:AlternateContent xmlns:mc="http://schemas.openxmlformats.org/markup-compatibility/2006">
-        <mc:Choice xmlns:a14="http://schemas.microsoft.com/office/drawing/2010/main" Requires="a14">
+      <mc:AlternateContent xmlns:mc="http://schemas.openxmlformats.org/markup-compatibility/2006" xmlns:a14="http://schemas.microsoft.com/office/drawing/2010/main">
+        <mc:Choice Requires="a14">
           <p:sp>
             <p:nvSpPr>
               <p:cNvPr id="13" name="TextBox 12"/>
@@ -19146,6 +19788,7 @@
               </a:bodyPr>
               <a:lstStyle/>
               <a:p>
+                <a:pPr/>
                 <a14:m>
                   <m:oMathPara xmlns:m="http://schemas.openxmlformats.org/officeDocument/2006/math">
                     <m:oMathParaPr>
@@ -19203,7 +19846,7 @@
             </p:txBody>
           </p:sp>
         </mc:Choice>
-        <mc:Fallback>
+        <mc:Fallback xmlns="">
           <p:sp>
             <p:nvSpPr>
               <p:cNvPr id="13" name="TextBox 12"/>
@@ -19558,8 +20201,8 @@
           </a:p>
         </p:txBody>
       </p:sp>
-      <mc:AlternateContent xmlns:mc="http://schemas.openxmlformats.org/markup-compatibility/2006">
-        <mc:Choice xmlns:a14="http://schemas.microsoft.com/office/drawing/2010/main" Requires="a14">
+      <mc:AlternateContent xmlns:mc="http://schemas.openxmlformats.org/markup-compatibility/2006" xmlns:a14="http://schemas.microsoft.com/office/drawing/2010/main">
+        <mc:Choice Requires="a14">
           <p:sp>
             <p:nvSpPr>
               <p:cNvPr id="20" name="TextBox 19"/>
@@ -19582,6 +20225,7 @@
               </a:bodyPr>
               <a:lstStyle/>
               <a:p>
+                <a:pPr/>
                 <a14:m>
                   <m:oMathPara xmlns:m="http://schemas.openxmlformats.org/officeDocument/2006/math">
                     <m:oMathParaPr>
@@ -19688,7 +20332,7 @@
             </p:txBody>
           </p:sp>
         </mc:Choice>
-        <mc:Fallback>
+        <mc:Fallback xmlns="">
           <p:sp>
             <p:nvSpPr>
               <p:cNvPr id="20" name="TextBox 19"/>
@@ -19727,8 +20371,8 @@
           </p:sp>
         </mc:Fallback>
       </mc:AlternateContent>
-      <mc:AlternateContent xmlns:mc="http://schemas.openxmlformats.org/markup-compatibility/2006">
-        <mc:Choice xmlns:a14="http://schemas.microsoft.com/office/drawing/2010/main" Requires="a14">
+      <mc:AlternateContent xmlns:mc="http://schemas.openxmlformats.org/markup-compatibility/2006" xmlns:a14="http://schemas.microsoft.com/office/drawing/2010/main">
+        <mc:Choice Requires="a14">
           <p:sp>
             <p:nvSpPr>
               <p:cNvPr id="21" name="TextBox 20"/>
@@ -19751,6 +20395,7 @@
               </a:bodyPr>
               <a:lstStyle/>
               <a:p>
+                <a:pPr/>
                 <a14:m>
                   <m:oMathPara xmlns:m="http://schemas.openxmlformats.org/officeDocument/2006/math">
                     <m:oMathParaPr>
@@ -19837,7 +20482,7 @@
             </p:txBody>
           </p:sp>
         </mc:Choice>
-        <mc:Fallback>
+        <mc:Fallback xmlns="">
           <p:sp>
             <p:nvSpPr>
               <p:cNvPr id="21" name="TextBox 20"/>
@@ -20192,8 +20837,8 @@
           </a:p>
         </p:txBody>
       </p:sp>
-      <mc:AlternateContent xmlns:mc="http://schemas.openxmlformats.org/markup-compatibility/2006">
-        <mc:Choice xmlns:a14="http://schemas.microsoft.com/office/drawing/2010/main" Requires="a14">
+      <mc:AlternateContent xmlns:mc="http://schemas.openxmlformats.org/markup-compatibility/2006" xmlns:a14="http://schemas.microsoft.com/office/drawing/2010/main">
+        <mc:Choice Requires="a14">
           <p:sp>
             <p:nvSpPr>
               <p:cNvPr id="28" name="TextBox 27"/>
@@ -20216,6 +20861,7 @@
               </a:bodyPr>
               <a:lstStyle/>
               <a:p>
+                <a:pPr/>
                 <a14:m>
                   <m:oMathPara xmlns:m="http://schemas.openxmlformats.org/officeDocument/2006/math">
                     <m:oMathParaPr>
@@ -20353,7 +20999,7 @@
             </p:txBody>
           </p:sp>
         </mc:Choice>
-        <mc:Fallback>
+        <mc:Fallback xmlns="">
           <p:sp>
             <p:nvSpPr>
               <p:cNvPr id="28" name="TextBox 27"/>
@@ -20392,8 +21038,8 @@
           </p:sp>
         </mc:Fallback>
       </mc:AlternateContent>
-      <mc:AlternateContent xmlns:mc="http://schemas.openxmlformats.org/markup-compatibility/2006">
-        <mc:Choice xmlns:a14="http://schemas.microsoft.com/office/drawing/2010/main" Requires="a14">
+      <mc:AlternateContent xmlns:mc="http://schemas.openxmlformats.org/markup-compatibility/2006" xmlns:a14="http://schemas.microsoft.com/office/drawing/2010/main">
+        <mc:Choice Requires="a14">
           <p:sp>
             <p:nvSpPr>
               <p:cNvPr id="29" name="TextBox 28"/>
@@ -20416,6 +21062,7 @@
               </a:bodyPr>
               <a:lstStyle/>
               <a:p>
+                <a:pPr/>
                 <a14:m>
                   <m:oMathPara xmlns:m="http://schemas.openxmlformats.org/officeDocument/2006/math">
                     <m:oMathParaPr>
@@ -20521,7 +21168,7 @@
             </p:txBody>
           </p:sp>
         </mc:Choice>
-        <mc:Fallback>
+        <mc:Fallback xmlns="">
           <p:sp>
             <p:nvSpPr>
               <p:cNvPr id="29" name="TextBox 28"/>
@@ -21866,7 +22513,7 @@
 </p:sld>
 </file>
 
-<file path=ppt/slides/slide7.xml><?xml version="1.0" encoding="utf-8"?>
+<file path=ppt/slides/slide8.xml><?xml version="1.0" encoding="utf-8"?>
 <p:sld xmlns:a="http://schemas.openxmlformats.org/drawingml/2006/main" xmlns:r="http://schemas.openxmlformats.org/officeDocument/2006/relationships" xmlns:p="http://schemas.openxmlformats.org/presentationml/2006/main">
   <p:cSld>
     <p:spTree>
@@ -21899,15 +22546,14 @@
           <a:lstStyle/>
           <a:p>
             <a:r>
-              <a:rPr lang="en-US" dirty="0" smtClean="0"/>
+              <a:rPr lang="en-US" dirty="0"/>
               <a:t>IBM Model 1</a:t>
             </a:r>
-            <a:endParaRPr lang="en-US" dirty="0"/>
           </a:p>
         </p:txBody>
       </p:sp>
-      <mc:AlternateContent xmlns:mc="http://schemas.openxmlformats.org/markup-compatibility/2006">
-        <mc:Choice xmlns:a14="http://schemas.microsoft.com/office/drawing/2010/main" Requires="a14">
+      <mc:AlternateContent xmlns:mc="http://schemas.openxmlformats.org/markup-compatibility/2006" xmlns:a14="http://schemas.microsoft.com/office/drawing/2010/main">
+        <mc:Choice Requires="a14">
           <p:sp>
             <p:nvSpPr>
               <p:cNvPr id="3" name="Content Placeholder 2"/>
@@ -21931,7 +22577,7 @@
               <a:lstStyle/>
               <a:p>
                 <a:r>
-                  <a:rPr lang="en-US" dirty="0" smtClean="0"/>
+                  <a:rPr lang="en-US" dirty="0"/>
                   <a:t>If we intersect IBM1 with a FST for </a:t>
                 </a:r>
                 <a14:m>
@@ -21948,7 +22594,7 @@
                   </m:oMath>
                 </a14:m>
                 <a:r>
-                  <a:rPr lang="en-US" dirty="0" smtClean="0"/>
+                  <a:rPr lang="en-US" dirty="0"/>
                   <a:t> we get something like:</a:t>
                 </a:r>
               </a:p>
@@ -21956,28 +22602,28 @@
                 <a:endParaRPr lang="en-US" dirty="0"/>
               </a:p>
               <a:p>
-                <a:endParaRPr lang="en-US" dirty="0" smtClean="0"/>
+                <a:endParaRPr lang="en-US" dirty="0"/>
               </a:p>
               <a:p>
                 <a:endParaRPr lang="en-US" dirty="0"/>
               </a:p>
               <a:p>
-                <a:endParaRPr lang="en-US" dirty="0" smtClean="0"/>
+                <a:endParaRPr lang="en-US" dirty="0"/>
               </a:p>
               <a:p>
                 <a:endParaRPr lang="en-US" dirty="0"/>
               </a:p>
               <a:p>
-                <a:endParaRPr lang="en-US" dirty="0" smtClean="0"/>
+                <a:endParaRPr lang="en-US" dirty="0"/>
               </a:p>
               <a:p>
                 <a:pPr lvl="1"/>
-                <a:endParaRPr lang="en-US" dirty="0" smtClean="0"/>
+                <a:endParaRPr lang="en-US" dirty="0"/>
               </a:p>
             </p:txBody>
           </p:sp>
         </mc:Choice>
-        <mc:Fallback>
+        <mc:Fallback xmlns="">
           <p:sp>
             <p:nvSpPr>
               <p:cNvPr id="3" name="Content Placeholder 2"/>
@@ -23449,8 +24095,8 @@
           </a:p>
         </p:txBody>
       </p:sp>
-      <mc:AlternateContent xmlns:mc="http://schemas.openxmlformats.org/markup-compatibility/2006">
-        <mc:Choice xmlns:a14="http://schemas.microsoft.com/office/drawing/2010/main" Requires="a14">
+      <mc:AlternateContent xmlns:mc="http://schemas.openxmlformats.org/markup-compatibility/2006" xmlns:a14="http://schemas.microsoft.com/office/drawing/2010/main">
+        <mc:Choice Requires="a14">
           <p:sp>
             <p:nvSpPr>
               <p:cNvPr id="31" name="TextBox 30"/>
@@ -23473,6 +24119,7 @@
               </a:bodyPr>
               <a:lstStyle/>
               <a:p>
+                <a:pPr/>
                 <a14:m>
                   <m:oMathPara xmlns:m="http://schemas.openxmlformats.org/officeDocument/2006/math">
                     <m:oMathParaPr>
@@ -23575,7 +24222,7 @@
             </p:txBody>
           </p:sp>
         </mc:Choice>
-        <mc:Fallback>
+        <mc:Fallback xmlns="">
           <p:sp>
             <p:nvSpPr>
               <p:cNvPr id="31" name="TextBox 30"/>
@@ -23614,8 +24261,8 @@
           </p:sp>
         </mc:Fallback>
       </mc:AlternateContent>
-      <mc:AlternateContent xmlns:mc="http://schemas.openxmlformats.org/markup-compatibility/2006">
-        <mc:Choice xmlns:a14="http://schemas.microsoft.com/office/drawing/2010/main" Requires="a14">
+      <mc:AlternateContent xmlns:mc="http://schemas.openxmlformats.org/markup-compatibility/2006" xmlns:a14="http://schemas.microsoft.com/office/drawing/2010/main">
+        <mc:Choice Requires="a14">
           <p:sp>
             <p:nvSpPr>
               <p:cNvPr id="32" name="TextBox 31"/>
@@ -23638,6 +24285,7 @@
               </a:bodyPr>
               <a:lstStyle/>
               <a:p>
+                <a:pPr/>
                 <a14:m>
                   <m:oMathPara xmlns:m="http://schemas.openxmlformats.org/officeDocument/2006/math">
                     <m:oMathParaPr>
@@ -23740,7 +24388,7 @@
             </p:txBody>
           </p:sp>
         </mc:Choice>
-        <mc:Fallback>
+        <mc:Fallback xmlns="">
           <p:sp>
             <p:nvSpPr>
               <p:cNvPr id="32" name="TextBox 31"/>
@@ -23779,8 +24427,8 @@
           </p:sp>
         </mc:Fallback>
       </mc:AlternateContent>
-      <mc:AlternateContent xmlns:mc="http://schemas.openxmlformats.org/markup-compatibility/2006">
-        <mc:Choice xmlns:a14="http://schemas.microsoft.com/office/drawing/2010/main" Requires="a14">
+      <mc:AlternateContent xmlns:mc="http://schemas.openxmlformats.org/markup-compatibility/2006" xmlns:a14="http://schemas.microsoft.com/office/drawing/2010/main">
+        <mc:Choice Requires="a14">
           <p:sp>
             <p:nvSpPr>
               <p:cNvPr id="33" name="TextBox 32"/>
@@ -23803,6 +24451,7 @@
               </a:bodyPr>
               <a:lstStyle/>
               <a:p>
+                <a:pPr/>
                 <a14:m>
                   <m:oMathPara xmlns:m="http://schemas.openxmlformats.org/officeDocument/2006/math">
                     <m:oMathParaPr>
@@ -23905,7 +24554,7 @@
             </p:txBody>
           </p:sp>
         </mc:Choice>
-        <mc:Fallback>
+        <mc:Fallback xmlns="">
           <p:sp>
             <p:nvSpPr>
               <p:cNvPr id="33" name="TextBox 32"/>
@@ -23944,8 +24593,8 @@
           </p:sp>
         </mc:Fallback>
       </mc:AlternateContent>
-      <mc:AlternateContent xmlns:mc="http://schemas.openxmlformats.org/markup-compatibility/2006">
-        <mc:Choice xmlns:a14="http://schemas.microsoft.com/office/drawing/2010/main" Requires="a14">
+      <mc:AlternateContent xmlns:mc="http://schemas.openxmlformats.org/markup-compatibility/2006" xmlns:a14="http://schemas.microsoft.com/office/drawing/2010/main">
+        <mc:Choice Requires="a14">
           <p:sp>
             <p:nvSpPr>
               <p:cNvPr id="34" name="TextBox 33"/>
@@ -23968,6 +24617,7 @@
               </a:bodyPr>
               <a:lstStyle/>
               <a:p>
+                <a:pPr/>
                 <a14:m>
                   <m:oMathPara xmlns:m="http://schemas.openxmlformats.org/officeDocument/2006/math">
                     <m:oMathParaPr>
@@ -24070,7 +24720,7 @@
             </p:txBody>
           </p:sp>
         </mc:Choice>
-        <mc:Fallback>
+        <mc:Fallback xmlns="">
           <p:sp>
             <p:nvSpPr>
               <p:cNvPr id="34" name="TextBox 33"/>
@@ -24109,8 +24759,8 @@
           </p:sp>
         </mc:Fallback>
       </mc:AlternateContent>
-      <mc:AlternateContent xmlns:mc="http://schemas.openxmlformats.org/markup-compatibility/2006">
-        <mc:Choice xmlns:a14="http://schemas.microsoft.com/office/drawing/2010/main" Requires="a14">
+      <mc:AlternateContent xmlns:mc="http://schemas.openxmlformats.org/markup-compatibility/2006" xmlns:a14="http://schemas.microsoft.com/office/drawing/2010/main">
+        <mc:Choice Requires="a14">
           <p:sp>
             <p:nvSpPr>
               <p:cNvPr id="42" name="TextBox 41"/>
@@ -24133,6 +24783,7 @@
               </a:bodyPr>
               <a:lstStyle/>
               <a:p>
+                <a:pPr/>
                 <a14:m>
                   <m:oMathPara xmlns:m="http://schemas.openxmlformats.org/officeDocument/2006/math">
                     <m:oMathParaPr>
@@ -24235,7 +24886,7 @@
             </p:txBody>
           </p:sp>
         </mc:Choice>
-        <mc:Fallback>
+        <mc:Fallback xmlns="">
           <p:sp>
             <p:nvSpPr>
               <p:cNvPr id="42" name="TextBox 41"/>
@@ -24302,29 +24953,16 @@
                   <a:srgbClr val="7030A0"/>
                 </a:solidFill>
               </a:rPr>
-              <a:t>g</a:t>
+              <a:t>garcia</a:t>
             </a:r>
             <a:r>
-              <a:rPr lang="en-US" dirty="0" err="1" smtClean="0">
-                <a:solidFill>
-                  <a:srgbClr val="7030A0"/>
-                </a:solidFill>
-              </a:rPr>
-              <a:t>arcia</a:t>
-            </a:r>
-            <a:r>
-              <a:rPr lang="en-US" dirty="0" smtClean="0">
+              <a:rPr lang="en-US" dirty="0">
                 <a:solidFill>
                   <a:srgbClr val="7030A0"/>
                 </a:solidFill>
               </a:rPr>
               <a:t> and associates</a:t>
             </a:r>
-            <a:endParaRPr lang="en-US" dirty="0">
-              <a:solidFill>
-                <a:srgbClr val="7030A0"/>
-              </a:solidFill>
-            </a:endParaRPr>
           </a:p>
         </p:txBody>
       </p:sp>
@@ -24356,18 +24994,10 @@
                   <a:schemeClr val="accent2"/>
                 </a:solidFill>
               </a:rPr>
-              <a:t>g</a:t>
+              <a:t>garcia</a:t>
             </a:r>
             <a:r>
-              <a:rPr lang="en-US" dirty="0" err="1" smtClean="0">
-                <a:solidFill>
-                  <a:schemeClr val="accent2"/>
-                </a:solidFill>
-              </a:rPr>
-              <a:t>arcia</a:t>
-            </a:r>
-            <a:r>
-              <a:rPr lang="en-US" dirty="0" smtClean="0">
+              <a:rPr lang="en-US" dirty="0">
                 <a:solidFill>
                   <a:schemeClr val="accent2"/>
                 </a:solidFill>
@@ -24375,7 +25005,7 @@
               <a:t> y </a:t>
             </a:r>
             <a:r>
-              <a:rPr lang="en-US" dirty="0" err="1" smtClean="0">
+              <a:rPr lang="en-US" dirty="0" err="1">
                 <a:solidFill>
                   <a:schemeClr val="accent2"/>
                 </a:solidFill>
@@ -24495,8 +25125,8 @@
           </a:fontRef>
         </p:style>
       </p:cxnSp>
-      <mc:AlternateContent xmlns:mc="http://schemas.openxmlformats.org/markup-compatibility/2006">
-        <mc:Choice xmlns:a14="http://schemas.microsoft.com/office/drawing/2010/main" Requires="a14">
+      <mc:AlternateContent xmlns:mc="http://schemas.openxmlformats.org/markup-compatibility/2006" xmlns:a14="http://schemas.microsoft.com/office/drawing/2010/main">
+        <mc:Choice Requires="a14">
           <p:sp>
             <p:nvSpPr>
               <p:cNvPr id="58" name="TextBox 57"/>
@@ -24519,6 +25149,7 @@
               </a:bodyPr>
               <a:lstStyle/>
               <a:p>
+                <a:pPr/>
                 <a14:m>
                   <m:oMathPara xmlns:m="http://schemas.openxmlformats.org/officeDocument/2006/math">
                     <m:oMathParaPr>
@@ -24621,7 +25252,7 @@
             </p:txBody>
           </p:sp>
         </mc:Choice>
-        <mc:Fallback>
+        <mc:Fallback xmlns="">
           <p:sp>
             <p:nvSpPr>
               <p:cNvPr id="58" name="TextBox 57"/>
@@ -24660,8 +25291,8 @@
           </p:sp>
         </mc:Fallback>
       </mc:AlternateContent>
-      <mc:AlternateContent xmlns:mc="http://schemas.openxmlformats.org/markup-compatibility/2006">
-        <mc:Choice xmlns:a14="http://schemas.microsoft.com/office/drawing/2010/main" Requires="a14">
+      <mc:AlternateContent xmlns:mc="http://schemas.openxmlformats.org/markup-compatibility/2006" xmlns:a14="http://schemas.microsoft.com/office/drawing/2010/main">
+        <mc:Choice Requires="a14">
           <p:sp>
             <p:nvSpPr>
               <p:cNvPr id="59" name="TextBox 58"/>
@@ -24684,6 +25315,7 @@
               </a:bodyPr>
               <a:lstStyle/>
               <a:p>
+                <a:pPr/>
                 <a14:m>
                   <m:oMathPara xmlns:m="http://schemas.openxmlformats.org/officeDocument/2006/math">
                     <m:oMathParaPr>
@@ -24786,7 +25418,7 @@
             </p:txBody>
           </p:sp>
         </mc:Choice>
-        <mc:Fallback>
+        <mc:Fallback xmlns="">
           <p:sp>
             <p:nvSpPr>
               <p:cNvPr id="59" name="TextBox 58"/>
@@ -24825,8 +25457,8 @@
           </p:sp>
         </mc:Fallback>
       </mc:AlternateContent>
-      <mc:AlternateContent xmlns:mc="http://schemas.openxmlformats.org/markup-compatibility/2006">
-        <mc:Choice xmlns:a14="http://schemas.microsoft.com/office/drawing/2010/main" Requires="a14">
+      <mc:AlternateContent xmlns:mc="http://schemas.openxmlformats.org/markup-compatibility/2006" xmlns:a14="http://schemas.microsoft.com/office/drawing/2010/main">
+        <mc:Choice Requires="a14">
           <p:sp>
             <p:nvSpPr>
               <p:cNvPr id="60" name="TextBox 59"/>
@@ -24849,6 +25481,7 @@
               </a:bodyPr>
               <a:lstStyle/>
               <a:p>
+                <a:pPr/>
                 <a14:m>
                   <m:oMathPara xmlns:m="http://schemas.openxmlformats.org/officeDocument/2006/math">
                     <m:oMathParaPr>
@@ -24951,7 +25584,7 @@
             </p:txBody>
           </p:sp>
         </mc:Choice>
-        <mc:Fallback>
+        <mc:Fallback xmlns="">
           <p:sp>
             <p:nvSpPr>
               <p:cNvPr id="60" name="TextBox 59"/>
@@ -24990,8 +25623,8 @@
           </p:sp>
         </mc:Fallback>
       </mc:AlternateContent>
-      <mc:AlternateContent xmlns:mc="http://schemas.openxmlformats.org/markup-compatibility/2006">
-        <mc:Choice xmlns:a14="http://schemas.microsoft.com/office/drawing/2010/main" Requires="a14">
+      <mc:AlternateContent xmlns:mc="http://schemas.openxmlformats.org/markup-compatibility/2006" xmlns:a14="http://schemas.microsoft.com/office/drawing/2010/main">
+        <mc:Choice Requires="a14">
           <p:sp>
             <p:nvSpPr>
               <p:cNvPr id="61" name="TextBox 60"/>
@@ -25014,6 +25647,7 @@
               </a:bodyPr>
               <a:lstStyle/>
               <a:p>
+                <a:pPr/>
                 <a14:m>
                   <m:oMathPara xmlns:m="http://schemas.openxmlformats.org/officeDocument/2006/math">
                     <m:oMathParaPr>
@@ -25116,7 +25750,7 @@
             </p:txBody>
           </p:sp>
         </mc:Choice>
-        <mc:Fallback>
+        <mc:Fallback xmlns="">
           <p:sp>
             <p:nvSpPr>
               <p:cNvPr id="61" name="TextBox 60"/>
@@ -25155,8 +25789,8 @@
           </p:sp>
         </mc:Fallback>
       </mc:AlternateContent>
-      <mc:AlternateContent xmlns:mc="http://schemas.openxmlformats.org/markup-compatibility/2006">
-        <mc:Choice xmlns:a14="http://schemas.microsoft.com/office/drawing/2010/main" Requires="a14">
+      <mc:AlternateContent xmlns:mc="http://schemas.openxmlformats.org/markup-compatibility/2006" xmlns:a14="http://schemas.microsoft.com/office/drawing/2010/main">
+        <mc:Choice Requires="a14">
           <p:sp>
             <p:nvSpPr>
               <p:cNvPr id="62" name="TextBox 61"/>
@@ -25179,6 +25813,7 @@
               </a:bodyPr>
               <a:lstStyle/>
               <a:p>
+                <a:pPr/>
                 <a14:m>
                   <m:oMathPara xmlns:m="http://schemas.openxmlformats.org/officeDocument/2006/math">
                     <m:oMathParaPr>
@@ -25281,7 +25916,7 @@
             </p:txBody>
           </p:sp>
         </mc:Choice>
-        <mc:Fallback>
+        <mc:Fallback xmlns="">
           <p:sp>
             <p:nvSpPr>
               <p:cNvPr id="62" name="TextBox 61"/>
@@ -25320,8 +25955,8 @@
           </p:sp>
         </mc:Fallback>
       </mc:AlternateContent>
-      <mc:AlternateContent xmlns:mc="http://schemas.openxmlformats.org/markup-compatibility/2006">
-        <mc:Choice xmlns:a14="http://schemas.microsoft.com/office/drawing/2010/main" Requires="a14">
+      <mc:AlternateContent xmlns:mc="http://schemas.openxmlformats.org/markup-compatibility/2006" xmlns:a14="http://schemas.microsoft.com/office/drawing/2010/main">
+        <mc:Choice Requires="a14">
           <p:sp>
             <p:nvSpPr>
               <p:cNvPr id="63" name="TextBox 62"/>
@@ -25344,6 +25979,7 @@
               </a:bodyPr>
               <a:lstStyle/>
               <a:p>
+                <a:pPr/>
                 <a14:m>
                   <m:oMathPara xmlns:m="http://schemas.openxmlformats.org/officeDocument/2006/math">
                     <m:oMathParaPr>
@@ -25446,7 +26082,7 @@
             </p:txBody>
           </p:sp>
         </mc:Choice>
-        <mc:Fallback>
+        <mc:Fallback xmlns="">
           <p:sp>
             <p:nvSpPr>
               <p:cNvPr id="63" name="TextBox 62"/>
@@ -25485,8 +26121,8 @@
           </p:sp>
         </mc:Fallback>
       </mc:AlternateContent>
-      <mc:AlternateContent xmlns:mc="http://schemas.openxmlformats.org/markup-compatibility/2006">
-        <mc:Choice xmlns:a14="http://schemas.microsoft.com/office/drawing/2010/main" Requires="a14">
+      <mc:AlternateContent xmlns:mc="http://schemas.openxmlformats.org/markup-compatibility/2006" xmlns:a14="http://schemas.microsoft.com/office/drawing/2010/main">
+        <mc:Choice Requires="a14">
           <p:sp>
             <p:nvSpPr>
               <p:cNvPr id="64" name="TextBox 63"/>
@@ -25509,6 +26145,7 @@
               </a:bodyPr>
               <a:lstStyle/>
               <a:p>
+                <a:pPr/>
                 <a14:m>
                   <m:oMathPara xmlns:m="http://schemas.openxmlformats.org/officeDocument/2006/math">
                     <m:oMathParaPr>
@@ -25611,7 +26248,7 @@
             </p:txBody>
           </p:sp>
         </mc:Choice>
-        <mc:Fallback>
+        <mc:Fallback xmlns="">
           <p:sp>
             <p:nvSpPr>
               <p:cNvPr id="64" name="TextBox 63"/>
@@ -26943,7 +27580,7 @@
 </p:sld>
 </file>
 
-<file path=ppt/slides/slide8.xml><?xml version="1.0" encoding="utf-8"?>
+<file path=ppt/slides/slide9.xml><?xml version="1.0" encoding="utf-8"?>
 <p:sld xmlns:a="http://schemas.openxmlformats.org/drawingml/2006/main" xmlns:r="http://schemas.openxmlformats.org/officeDocument/2006/relationships" xmlns:p="http://schemas.openxmlformats.org/presentationml/2006/main">
   <p:cSld>
     <p:spTree>
@@ -26976,15 +27613,14 @@
           <a:lstStyle/>
           <a:p>
             <a:r>
-              <a:rPr lang="en-US" dirty="0" smtClean="0"/>
+              <a:rPr lang="en-US" dirty="0"/>
               <a:t>Training IBM1</a:t>
             </a:r>
-            <a:endParaRPr lang="en-US" dirty="0"/>
           </a:p>
         </p:txBody>
       </p:sp>
-      <mc:AlternateContent xmlns:mc="http://schemas.openxmlformats.org/markup-compatibility/2006">
-        <mc:Choice xmlns:a14="http://schemas.microsoft.com/office/drawing/2010/main" Requires="a14">
+      <mc:AlternateContent xmlns:mc="http://schemas.openxmlformats.org/markup-compatibility/2006" xmlns:a14="http://schemas.microsoft.com/office/drawing/2010/main">
+        <mc:Choice Requires="a14">
           <p:sp>
             <p:nvSpPr>
               <p:cNvPr id="3" name="Content Placeholder 2"/>
@@ -27008,7 +27644,7 @@
               <a:lstStyle/>
               <a:p>
                 <a:r>
-                  <a:rPr lang="en-US" dirty="0" smtClean="0"/>
+                  <a:rPr lang="en-US" dirty="0"/>
                   <a:t>Estimate </a:t>
                 </a:r>
                 <a14:m>
@@ -27053,21 +27689,21 @@
                   </m:oMath>
                 </a14:m>
                 <a:r>
-                  <a:rPr lang="en-US" dirty="0" smtClean="0"/>
+                  <a:rPr lang="en-US" dirty="0"/>
                   <a:t> using EM:</a:t>
                 </a:r>
               </a:p>
               <a:p>
                 <a:pPr lvl="1"/>
                 <a:r>
-                  <a:rPr lang="en-US" dirty="0" smtClean="0"/>
+                  <a:rPr lang="en-US" dirty="0"/>
                   <a:t>Initialization:</a:t>
                 </a:r>
               </a:p>
               <a:p>
                 <a:pPr lvl="2"/>
                 <a:r>
-                  <a:rPr lang="en-US" dirty="0" smtClean="0"/>
+                  <a:rPr lang="en-US" dirty="0"/>
                   <a:t>Set </a:t>
                 </a:r>
                 <a14:m>
@@ -27112,7 +27748,7 @@
                   </m:oMath>
                 </a14:m>
                 <a:r>
-                  <a:rPr lang="en-US" dirty="0" smtClean="0"/>
+                  <a:rPr lang="en-US" dirty="0"/>
                   <a:t> to uniform: </a:t>
                 </a:r>
                 <a14:m>
@@ -27244,7 +27880,7 @@
                   </m:oMath>
                 </a14:m>
                 <a:r>
-                  <a:rPr lang="en-US" dirty="0" smtClean="0"/>
+                  <a:rPr lang="en-US" dirty="0"/>
                   <a:t> where </a:t>
                 </a:r>
                 <a14:m>
@@ -27289,7 +27925,7 @@
                   </m:oMath>
                 </a14:m>
                 <a:r>
-                  <a:rPr lang="en-US" dirty="0" smtClean="0"/>
+                  <a:rPr lang="en-US" dirty="0"/>
                   <a:t> is the Spanish vocab and </a:t>
                 </a:r>
                 <a14:m>
@@ -27306,11 +27942,11 @@
                   </m:oMath>
                 </a14:m>
                 <a:r>
-                  <a:rPr lang="en-US" dirty="0" smtClean="0"/>
+                  <a:rPr lang="en-US" dirty="0"/>
                   <a:t> is any </a:t>
                 </a:r>
                 <a:r>
-                  <a:rPr lang="en-US" dirty="0" smtClean="0">
+                  <a:rPr lang="en-US" dirty="0">
                     <a:solidFill>
                       <a:srgbClr val="7030A0"/>
                     </a:solidFill>
@@ -27318,11 +27954,11 @@
                   <a:t>English</a:t>
                 </a:r>
                 <a:r>
-                  <a:rPr lang="en-US" dirty="0" smtClean="0"/>
+                  <a:rPr lang="en-US" dirty="0"/>
                   <a:t> word or </a:t>
                 </a:r>
                 <a:r>
-                  <a:rPr lang="en-US" dirty="0" smtClean="0">
+                  <a:rPr lang="en-US" dirty="0">
                     <a:solidFill>
                       <a:srgbClr val="7030A0"/>
                     </a:solidFill>
@@ -27337,22 +27973,22 @@
               <a:p>
                 <a:pPr lvl="1"/>
                 <a:r>
-                  <a:rPr lang="en-US" dirty="0" smtClean="0"/>
+                  <a:rPr lang="en-US" dirty="0"/>
                   <a:t>E-step:</a:t>
                 </a:r>
               </a:p>
               <a:p>
                 <a:pPr lvl="2"/>
                 <a:r>
-                  <a:rPr lang="en-US" dirty="0" smtClean="0"/>
+                  <a:rPr lang="en-US" dirty="0"/>
                   <a:t>Use the forward-backward algorithms to calculate expected </a:t>
                 </a:r>
                 <a:r>
-                  <a:rPr lang="en-US" dirty="0" err="1" smtClean="0"/>
+                  <a:rPr lang="en-US" dirty="0" err="1"/>
                   <a:t>num</a:t>
                 </a:r>
                 <a:r>
-                  <a:rPr lang="en-US" dirty="0" smtClean="0"/>
+                  <a:rPr lang="en-US" dirty="0"/>
                   <a:t> of times </a:t>
                 </a:r>
                 <a14:m>
@@ -27369,7 +28005,7 @@
                   </m:oMath>
                 </a14:m>
                 <a:r>
-                  <a:rPr lang="en-US" dirty="0" smtClean="0"/>
+                  <a:rPr lang="en-US" dirty="0"/>
                   <a:t> is translated into </a:t>
                 </a:r>
                 <a14:m>
@@ -27385,19 +28021,19 @@
                     </m:r>
                   </m:oMath>
                 </a14:m>
-                <a:endParaRPr lang="en-US" dirty="0" smtClean="0"/>
+                <a:endParaRPr lang="en-US" dirty="0"/>
               </a:p>
               <a:p>
                 <a:pPr lvl="3"/>
                 <a:r>
-                  <a:rPr lang="en-US" dirty="0" smtClean="0"/>
+                  <a:rPr lang="en-US" dirty="0"/>
                   <a:t>True EM is easy here b/c every path goes through every state!</a:t>
                 </a:r>
               </a:p>
               <a:p>
                 <a:pPr lvl="3"/>
                 <a:r>
-                  <a:rPr lang="en-US" dirty="0" smtClean="0"/>
+                  <a:rPr lang="en-US" dirty="0"/>
                   <a:t>For each </a:t>
                 </a:r>
                 <a14:m>
@@ -27423,7 +28059,7 @@
                   </m:oMath>
                 </a14:m>
                 <a:r>
-                  <a:rPr lang="en-US" dirty="0" smtClean="0"/>
+                  <a:rPr lang="en-US" dirty="0"/>
                   <a:t>, the transition that generates </a:t>
                 </a:r>
                 <a14:m>
@@ -27465,7 +28101,7 @@
                   </m:oMath>
                 </a14:m>
                 <a:r>
-                  <a:rPr lang="en-US" dirty="0" smtClean="0"/>
+                  <a:rPr lang="en-US" dirty="0"/>
                   <a:t> from </a:t>
                 </a:r>
                 <a14:m>
@@ -27507,7 +28143,7 @@
                   </m:oMath>
                 </a14:m>
                 <a:r>
-                  <a:rPr lang="en-US" dirty="0" smtClean="0"/>
+                  <a:rPr lang="en-US" dirty="0"/>
                   <a:t> competes with transitions generating </a:t>
                 </a:r>
                 <a14:m>
@@ -27549,11 +28185,11 @@
                   </m:oMath>
                 </a14:m>
                 <a:r>
-                  <a:rPr lang="en-US" dirty="0" smtClean="0"/>
+                  <a:rPr lang="en-US" dirty="0"/>
                   <a:t> from every other </a:t>
                 </a:r>
                 <a:r>
-                  <a:rPr lang="en-US" dirty="0" smtClean="0">
+                  <a:rPr lang="en-US" dirty="0">
                     <a:solidFill>
                       <a:srgbClr val="7030A0"/>
                     </a:solidFill>
@@ -27561,11 +28197,11 @@
                   <a:t>English</a:t>
                 </a:r>
                 <a:r>
-                  <a:rPr lang="en-US" dirty="0" smtClean="0"/>
+                  <a:rPr lang="en-US" dirty="0"/>
                   <a:t> word (including </a:t>
                 </a:r>
                 <a:r>
-                  <a:rPr lang="en-US" dirty="0" smtClean="0">
+                  <a:rPr lang="en-US" dirty="0">
                     <a:solidFill>
                       <a:srgbClr val="7030A0"/>
                     </a:solidFill>
@@ -27573,7 +28209,7 @@
                   <a:t>NULL</a:t>
                 </a:r>
                 <a:r>
-                  <a:rPr lang="en-US" dirty="0" smtClean="0"/>
+                  <a:rPr lang="en-US" dirty="0"/>
                   <a:t>)</a:t>
                 </a:r>
               </a:p>
@@ -28123,13 +28759,13 @@
                     </m:oMath>
                   </m:oMathPara>
                 </a14:m>
-                <a:endParaRPr lang="en-US" dirty="0" smtClean="0"/>
+                <a:endParaRPr lang="en-US" dirty="0"/>
               </a:p>
               <a:p>
                 <a:pPr marL="914400" lvl="2" indent="0">
                   <a:buNone/>
                 </a:pPr>
-                <a:endParaRPr lang="en-US" dirty="0" smtClean="0"/>
+                <a:endParaRPr lang="en-US" dirty="0"/>
               </a:p>
               <a:p>
                 <a:pPr marL="914400" lvl="2" indent="0">
@@ -28614,12 +29250,12 @@
                     </m:oMath>
                   </m:oMathPara>
                 </a14:m>
-                <a:endParaRPr lang="en-US" dirty="0" smtClean="0"/>
+                <a:endParaRPr lang="en-US" dirty="0"/>
               </a:p>
               <a:p>
                 <a:pPr lvl="1"/>
                 <a:r>
-                  <a:rPr lang="en-US" dirty="0" smtClean="0"/>
+                  <a:rPr lang="en-US" dirty="0"/>
                   <a:t>M-step:</a:t>
                 </a:r>
               </a:p>
@@ -28767,7 +29403,7 @@
                     </m:r>
                   </m:oMath>
                 </a14:m>
-                <a:endParaRPr lang="en-US" dirty="0" smtClean="0"/>
+                <a:endParaRPr lang="en-US" dirty="0"/>
               </a:p>
               <a:p>
                 <a:pPr marL="914400" lvl="2" indent="0">
@@ -28994,7 +29630,7 @@
                     </m:oMath>
                   </m:oMathPara>
                 </a14:m>
-                <a:endParaRPr lang="en-US" dirty="0" smtClean="0"/>
+                <a:endParaRPr lang="en-US" dirty="0"/>
               </a:p>
               <a:p>
                 <a:endParaRPr lang="en-US" dirty="0"/>
@@ -29002,7 +29638,7 @@
             </p:txBody>
           </p:sp>
         </mc:Choice>
-        <mc:Fallback>
+        <mc:Fallback xmlns="">
           <p:sp>
             <p:nvSpPr>
               <p:cNvPr id="3" name="Content Placeholder 2"/>
@@ -29671,624 +30307,6 @@
 </p:sld>
 </file>
 
-<file path=ppt/slides/slide9.xml><?xml version="1.0" encoding="utf-8"?>
-<p:sld xmlns:a="http://schemas.openxmlformats.org/drawingml/2006/main" xmlns:r="http://schemas.openxmlformats.org/officeDocument/2006/relationships" xmlns:p="http://schemas.openxmlformats.org/presentationml/2006/main">
-  <p:cSld>
-    <p:spTree>
-      <p:nvGrpSpPr>
-        <p:cNvPr id="1" name=""/>
-        <p:cNvGrpSpPr/>
-        <p:nvPr/>
-      </p:nvGrpSpPr>
-      <p:grpSpPr>
-        <a:xfrm>
-          <a:off x="0" y="0"/>
-          <a:ext cx="0" cy="0"/>
-          <a:chOff x="0" y="0"/>
-          <a:chExt cx="0" cy="0"/>
-        </a:xfrm>
-      </p:grpSpPr>
-      <p:sp>
-        <p:nvSpPr>
-          <p:cNvPr id="2" name="Title 1"/>
-          <p:cNvSpPr>
-            <a:spLocks noGrp="1"/>
-          </p:cNvSpPr>
-          <p:nvPr>
-            <p:ph type="title"/>
-          </p:nvPr>
-        </p:nvSpPr>
-        <p:spPr/>
-        <p:txBody>
-          <a:bodyPr/>
-          <a:lstStyle/>
-          <a:p>
-            <a:r>
-              <a:rPr lang="en-US" dirty="0" smtClean="0"/>
-              <a:t>Word Order</a:t>
-            </a:r>
-            <a:endParaRPr lang="en-US" dirty="0"/>
-          </a:p>
-        </p:txBody>
-      </p:sp>
-      <mc:AlternateContent xmlns:mc="http://schemas.openxmlformats.org/markup-compatibility/2006">
-        <mc:Choice xmlns:a14="http://schemas.microsoft.com/office/drawing/2010/main" Requires="a14">
-          <p:sp>
-            <p:nvSpPr>
-              <p:cNvPr id="3" name="Content Placeholder 2"/>
-              <p:cNvSpPr>
-                <a:spLocks noGrp="1"/>
-              </p:cNvSpPr>
-              <p:nvPr>
-                <p:ph idx="1"/>
-              </p:nvPr>
-            </p:nvSpPr>
-            <p:spPr/>
-            <p:txBody>
-              <a:bodyPr/>
-              <a:lstStyle/>
-              <a:p>
-                <a:r>
-                  <a:rPr lang="en-US" dirty="0" smtClean="0"/>
-                  <a:t>IBM1 doesn’t care about word order</a:t>
-                </a:r>
-              </a:p>
-              <a:p>
-                <a:pPr lvl="1"/>
-                <a:r>
-                  <a:rPr lang="en-US" dirty="0" smtClean="0"/>
-                  <a:t>That matters in translation!</a:t>
-                </a:r>
-              </a:p>
-              <a:p>
-                <a:pPr lvl="1"/>
-                <a:r>
-                  <a:rPr lang="en-US" dirty="0" smtClean="0"/>
-                  <a:t>For example, if a Spanish word is generated from an English word</a:t>
-                </a:r>
-              </a:p>
-              <a:p>
-                <a:pPr lvl="2"/>
-                <a:r>
-                  <a:rPr lang="en-US" dirty="0" smtClean="0"/>
-                  <a:t>The next Spanish word is probably translated from the next English word</a:t>
-                </a:r>
-              </a:p>
-              <a:p>
-                <a:pPr lvl="1"/>
-                <a:r>
-                  <a:rPr lang="en-US" dirty="0" smtClean="0"/>
-                  <a:t>How to capture dependencies between alignment?</a:t>
-                </a:r>
-              </a:p>
-              <a:p>
-                <a:endParaRPr lang="en-US" dirty="0" smtClean="0"/>
-              </a:p>
-              <a:p>
-                <a:r>
-                  <a:rPr lang="en-US" dirty="0" smtClean="0"/>
-                  <a:t>Make current alignment depend on the previous alignment!</a:t>
-                </a:r>
-              </a:p>
-              <a:p>
-                <a:pPr lvl="1"/>
-                <a14:m>
-                  <m:oMath xmlns:m="http://schemas.openxmlformats.org/officeDocument/2006/math">
-                    <m:sSub>
-                      <m:sSubPr>
-                        <m:ctrlPr>
-                          <a:rPr lang="en-US" b="0" i="1" smtClean="0">
-                            <a:solidFill>
-                              <a:schemeClr val="accent6"/>
-                            </a:solidFill>
-                            <a:latin typeface="Cambria Math" panose="02040503050406030204" pitchFamily="18" charset="0"/>
-                          </a:rPr>
-                        </m:ctrlPr>
-                      </m:sSubPr>
-                      <m:e>
-                        <m:r>
-                          <a:rPr lang="en-US" b="0" i="1" smtClean="0">
-                            <a:solidFill>
-                              <a:schemeClr val="accent6"/>
-                            </a:solidFill>
-                            <a:latin typeface="Cambria Math" panose="02040503050406030204" pitchFamily="18" charset="0"/>
-                          </a:rPr>
-                          <m:t>𝑎</m:t>
-                        </m:r>
-                      </m:e>
-                      <m:sub>
-                        <m:r>
-                          <a:rPr lang="en-US" b="0" i="1" smtClean="0">
-                            <a:solidFill>
-                              <a:schemeClr val="accent6"/>
-                            </a:solidFill>
-                            <a:latin typeface="Cambria Math" panose="02040503050406030204" pitchFamily="18" charset="0"/>
-                          </a:rPr>
-                          <m:t>𝑗</m:t>
-                        </m:r>
-                      </m:sub>
-                    </m:sSub>
-                  </m:oMath>
-                </a14:m>
-                <a:r>
-                  <a:rPr lang="en-US" dirty="0" smtClean="0"/>
-                  <a:t> depends on </a:t>
-                </a:r>
-                <a14:m>
-                  <m:oMath xmlns:m="http://schemas.openxmlformats.org/officeDocument/2006/math">
-                    <m:sSub>
-                      <m:sSubPr>
-                        <m:ctrlPr>
-                          <a:rPr lang="en-US" b="0" i="1" smtClean="0">
-                            <a:solidFill>
-                              <a:schemeClr val="accent6"/>
-                            </a:solidFill>
-                            <a:latin typeface="Cambria Math" panose="02040503050406030204" pitchFamily="18" charset="0"/>
-                          </a:rPr>
-                        </m:ctrlPr>
-                      </m:sSubPr>
-                      <m:e>
-                        <m:r>
-                          <a:rPr lang="en-US" b="0" i="1" smtClean="0">
-                            <a:solidFill>
-                              <a:schemeClr val="accent6"/>
-                            </a:solidFill>
-                            <a:latin typeface="Cambria Math" panose="02040503050406030204" pitchFamily="18" charset="0"/>
-                          </a:rPr>
-                          <m:t>𝑎</m:t>
-                        </m:r>
-                      </m:e>
-                      <m:sub>
-                        <m:r>
-                          <a:rPr lang="en-US" b="0" i="1" smtClean="0">
-                            <a:solidFill>
-                              <a:schemeClr val="accent6"/>
-                            </a:solidFill>
-                            <a:latin typeface="Cambria Math" panose="02040503050406030204" pitchFamily="18" charset="0"/>
-                          </a:rPr>
-                          <m:t>𝑗</m:t>
-                        </m:r>
-                        <m:r>
-                          <a:rPr lang="en-US" b="0" i="1" smtClean="0">
-                            <a:solidFill>
-                              <a:schemeClr val="accent6"/>
-                            </a:solidFill>
-                            <a:latin typeface="Cambria Math" panose="02040503050406030204" pitchFamily="18" charset="0"/>
-                          </a:rPr>
-                          <m:t>−1</m:t>
-                        </m:r>
-                      </m:sub>
-                    </m:sSub>
-                  </m:oMath>
-                </a14:m>
-                <a:endParaRPr lang="en-US" dirty="0" smtClean="0"/>
-              </a:p>
-              <a:p>
-                <a:endParaRPr lang="en-US" dirty="0"/>
-              </a:p>
-            </p:txBody>
-          </p:sp>
-        </mc:Choice>
-        <mc:Fallback>
-          <p:sp>
-            <p:nvSpPr>
-              <p:cNvPr id="3" name="Content Placeholder 2"/>
-              <p:cNvSpPr>
-                <a:spLocks noGrp="1" noRot="1" noChangeAspect="1" noMove="1" noResize="1" noEditPoints="1" noAdjustHandles="1" noChangeArrowheads="1" noChangeShapeType="1" noTextEdit="1"/>
-              </p:cNvSpPr>
-              <p:nvPr>
-                <p:ph idx="1"/>
-              </p:nvPr>
-            </p:nvSpPr>
-            <p:spPr>
-              <a:blipFill>
-                <a:blip r:embed="rId2"/>
-                <a:stretch>
-                  <a:fillRect l="-1043" t="-2241"/>
-                </a:stretch>
-              </a:blipFill>
-            </p:spPr>
-            <p:txBody>
-              <a:bodyPr/>
-              <a:lstStyle/>
-              <a:p>
-                <a:r>
-                  <a:rPr lang="en-US">
-                    <a:noFill/>
-                  </a:rPr>
-                  <a:t> </a:t>
-                </a:r>
-              </a:p>
-            </p:txBody>
-          </p:sp>
-        </mc:Fallback>
-      </mc:AlternateContent>
-    </p:spTree>
-    <p:extLst>
-      <p:ext uri="{BB962C8B-B14F-4D97-AF65-F5344CB8AC3E}">
-        <p14:creationId xmlns:p14="http://schemas.microsoft.com/office/powerpoint/2010/main" val="2494544343"/>
-      </p:ext>
-    </p:extLst>
-  </p:cSld>
-  <p:clrMapOvr>
-    <a:masterClrMapping/>
-  </p:clrMapOvr>
-  <p:timing>
-    <p:tnLst>
-      <p:par>
-        <p:cTn id="1" dur="indefinite" restart="never" nodeType="tmRoot">
-          <p:childTnLst>
-            <p:seq concurrent="1" nextAc="seek">
-              <p:cTn id="2" dur="indefinite" nodeType="mainSeq">
-                <p:childTnLst>
-                  <p:par>
-                    <p:cTn id="3" fill="hold">
-                      <p:stCondLst>
-                        <p:cond delay="indefinite"/>
-                      </p:stCondLst>
-                      <p:childTnLst>
-                        <p:par>
-                          <p:cTn id="4" fill="hold">
-                            <p:stCondLst>
-                              <p:cond delay="0"/>
-                            </p:stCondLst>
-                            <p:childTnLst>
-                              <p:par>
-                                <p:cTn id="5" presetID="1" presetClass="entr" presetSubtype="0" fill="hold" nodeType="clickEffect">
-                                  <p:stCondLst>
-                                    <p:cond delay="0"/>
-                                  </p:stCondLst>
-                                  <p:childTnLst>
-                                    <p:set>
-                                      <p:cBhvr>
-                                        <p:cTn id="6" dur="1" fill="hold">
-                                          <p:stCondLst>
-                                            <p:cond delay="0"/>
-                                          </p:stCondLst>
-                                        </p:cTn>
-                                        <p:tgtEl>
-                                          <p:spTgt spid="3">
-                                            <p:txEl>
-                                              <p:pRg st="0" end="0"/>
-                                            </p:txEl>
-                                          </p:spTgt>
-                                        </p:tgtEl>
-                                        <p:attrNameLst>
-                                          <p:attrName>style.visibility</p:attrName>
-                                        </p:attrNameLst>
-                                      </p:cBhvr>
-                                      <p:to>
-                                        <p:strVal val="visible"/>
-                                      </p:to>
-                                    </p:set>
-                                  </p:childTnLst>
-                                </p:cTn>
-                              </p:par>
-                            </p:childTnLst>
-                          </p:cTn>
-                        </p:par>
-                      </p:childTnLst>
-                    </p:cTn>
-                  </p:par>
-                  <p:par>
-                    <p:cTn id="7" fill="hold">
-                      <p:stCondLst>
-                        <p:cond delay="indefinite"/>
-                      </p:stCondLst>
-                      <p:childTnLst>
-                        <p:par>
-                          <p:cTn id="8" fill="hold">
-                            <p:stCondLst>
-                              <p:cond delay="0"/>
-                            </p:stCondLst>
-                            <p:childTnLst>
-                              <p:par>
-                                <p:cTn id="9" presetID="1" presetClass="entr" presetSubtype="0" fill="hold" nodeType="clickEffect">
-                                  <p:stCondLst>
-                                    <p:cond delay="0"/>
-                                  </p:stCondLst>
-                                  <p:childTnLst>
-                                    <p:set>
-                                      <p:cBhvr>
-                                        <p:cTn id="10" dur="1" fill="hold">
-                                          <p:stCondLst>
-                                            <p:cond delay="0"/>
-                                          </p:stCondLst>
-                                        </p:cTn>
-                                        <p:tgtEl>
-                                          <p:spTgt spid="3">
-                                            <p:txEl>
-                                              <p:pRg st="1" end="1"/>
-                                            </p:txEl>
-                                          </p:spTgt>
-                                        </p:tgtEl>
-                                        <p:attrNameLst>
-                                          <p:attrName>style.visibility</p:attrName>
-                                        </p:attrNameLst>
-                                      </p:cBhvr>
-                                      <p:to>
-                                        <p:strVal val="visible"/>
-                                      </p:to>
-                                    </p:set>
-                                  </p:childTnLst>
-                                </p:cTn>
-                              </p:par>
-                            </p:childTnLst>
-                          </p:cTn>
-                        </p:par>
-                      </p:childTnLst>
-                    </p:cTn>
-                  </p:par>
-                  <p:par>
-                    <p:cTn id="11" fill="hold">
-                      <p:stCondLst>
-                        <p:cond delay="indefinite"/>
-                      </p:stCondLst>
-                      <p:childTnLst>
-                        <p:par>
-                          <p:cTn id="12" fill="hold">
-                            <p:stCondLst>
-                              <p:cond delay="0"/>
-                            </p:stCondLst>
-                            <p:childTnLst>
-                              <p:par>
-                                <p:cTn id="13" presetID="1" presetClass="entr" presetSubtype="0" fill="hold" nodeType="clickEffect">
-                                  <p:stCondLst>
-                                    <p:cond delay="0"/>
-                                  </p:stCondLst>
-                                  <p:childTnLst>
-                                    <p:set>
-                                      <p:cBhvr>
-                                        <p:cTn id="14" dur="1" fill="hold">
-                                          <p:stCondLst>
-                                            <p:cond delay="0"/>
-                                          </p:stCondLst>
-                                        </p:cTn>
-                                        <p:tgtEl>
-                                          <p:spTgt spid="3">
-                                            <p:txEl>
-                                              <p:pRg st="2" end="2"/>
-                                            </p:txEl>
-                                          </p:spTgt>
-                                        </p:tgtEl>
-                                        <p:attrNameLst>
-                                          <p:attrName>style.visibility</p:attrName>
-                                        </p:attrNameLst>
-                                      </p:cBhvr>
-                                      <p:to>
-                                        <p:strVal val="visible"/>
-                                      </p:to>
-                                    </p:set>
-                                  </p:childTnLst>
-                                </p:cTn>
-                              </p:par>
-                            </p:childTnLst>
-                          </p:cTn>
-                        </p:par>
-                      </p:childTnLst>
-                    </p:cTn>
-                  </p:par>
-                  <p:par>
-                    <p:cTn id="15" fill="hold">
-                      <p:stCondLst>
-                        <p:cond delay="indefinite"/>
-                      </p:stCondLst>
-                      <p:childTnLst>
-                        <p:par>
-                          <p:cTn id="16" fill="hold">
-                            <p:stCondLst>
-                              <p:cond delay="0"/>
-                            </p:stCondLst>
-                            <p:childTnLst>
-                              <p:par>
-                                <p:cTn id="17" presetID="1" presetClass="entr" presetSubtype="0" fill="hold" nodeType="clickEffect">
-                                  <p:stCondLst>
-                                    <p:cond delay="0"/>
-                                  </p:stCondLst>
-                                  <p:childTnLst>
-                                    <p:set>
-                                      <p:cBhvr>
-                                        <p:cTn id="18" dur="1" fill="hold">
-                                          <p:stCondLst>
-                                            <p:cond delay="0"/>
-                                          </p:stCondLst>
-                                        </p:cTn>
-                                        <p:tgtEl>
-                                          <p:spTgt spid="3">
-                                            <p:txEl>
-                                              <p:pRg st="3" end="3"/>
-                                            </p:txEl>
-                                          </p:spTgt>
-                                        </p:tgtEl>
-                                        <p:attrNameLst>
-                                          <p:attrName>style.visibility</p:attrName>
-                                        </p:attrNameLst>
-                                      </p:cBhvr>
-                                      <p:to>
-                                        <p:strVal val="visible"/>
-                                      </p:to>
-                                    </p:set>
-                                  </p:childTnLst>
-                                </p:cTn>
-                              </p:par>
-                            </p:childTnLst>
-                          </p:cTn>
-                        </p:par>
-                      </p:childTnLst>
-                    </p:cTn>
-                  </p:par>
-                  <p:par>
-                    <p:cTn id="19" fill="hold">
-                      <p:stCondLst>
-                        <p:cond delay="indefinite"/>
-                      </p:stCondLst>
-                      <p:childTnLst>
-                        <p:par>
-                          <p:cTn id="20" fill="hold">
-                            <p:stCondLst>
-                              <p:cond delay="0"/>
-                            </p:stCondLst>
-                            <p:childTnLst>
-                              <p:par>
-                                <p:cTn id="21" presetID="1" presetClass="entr" presetSubtype="0" fill="hold" nodeType="clickEffect">
-                                  <p:stCondLst>
-                                    <p:cond delay="0"/>
-                                  </p:stCondLst>
-                                  <p:childTnLst>
-                                    <p:set>
-                                      <p:cBhvr>
-                                        <p:cTn id="22" dur="1" fill="hold">
-                                          <p:stCondLst>
-                                            <p:cond delay="0"/>
-                                          </p:stCondLst>
-                                        </p:cTn>
-                                        <p:tgtEl>
-                                          <p:spTgt spid="3">
-                                            <p:txEl>
-                                              <p:pRg st="4" end="4"/>
-                                            </p:txEl>
-                                          </p:spTgt>
-                                        </p:tgtEl>
-                                        <p:attrNameLst>
-                                          <p:attrName>style.visibility</p:attrName>
-                                        </p:attrNameLst>
-                                      </p:cBhvr>
-                                      <p:to>
-                                        <p:strVal val="visible"/>
-                                      </p:to>
-                                    </p:set>
-                                  </p:childTnLst>
-                                </p:cTn>
-                              </p:par>
-                            </p:childTnLst>
-                          </p:cTn>
-                        </p:par>
-                      </p:childTnLst>
-                    </p:cTn>
-                  </p:par>
-                  <p:par>
-                    <p:cTn id="23" fill="hold">
-                      <p:stCondLst>
-                        <p:cond delay="indefinite"/>
-                      </p:stCondLst>
-                      <p:childTnLst>
-                        <p:par>
-                          <p:cTn id="24" fill="hold">
-                            <p:stCondLst>
-                              <p:cond delay="0"/>
-                            </p:stCondLst>
-                            <p:childTnLst>
-                              <p:par>
-                                <p:cTn id="25" presetID="1" presetClass="entr" presetSubtype="0" fill="hold" nodeType="clickEffect">
-                                  <p:stCondLst>
-                                    <p:cond delay="0"/>
-                                  </p:stCondLst>
-                                  <p:childTnLst>
-                                    <p:set>
-                                      <p:cBhvr>
-                                        <p:cTn id="26" dur="1" fill="hold">
-                                          <p:stCondLst>
-                                            <p:cond delay="0"/>
-                                          </p:stCondLst>
-                                        </p:cTn>
-                                        <p:tgtEl>
-                                          <p:spTgt spid="3">
-                                            <p:txEl>
-                                              <p:pRg st="6" end="6"/>
-                                            </p:txEl>
-                                          </p:spTgt>
-                                        </p:tgtEl>
-                                        <p:attrNameLst>
-                                          <p:attrName>style.visibility</p:attrName>
-                                        </p:attrNameLst>
-                                      </p:cBhvr>
-                                      <p:to>
-                                        <p:strVal val="visible"/>
-                                      </p:to>
-                                    </p:set>
-                                  </p:childTnLst>
-                                </p:cTn>
-                              </p:par>
-                            </p:childTnLst>
-                          </p:cTn>
-                        </p:par>
-                      </p:childTnLst>
-                    </p:cTn>
-                  </p:par>
-                  <p:par>
-                    <p:cTn id="27" fill="hold">
-                      <p:stCondLst>
-                        <p:cond delay="indefinite"/>
-                      </p:stCondLst>
-                      <p:childTnLst>
-                        <p:par>
-                          <p:cTn id="28" fill="hold">
-                            <p:stCondLst>
-                              <p:cond delay="0"/>
-                            </p:stCondLst>
-                            <p:childTnLst>
-                              <p:par>
-                                <p:cTn id="29" presetID="1" presetClass="entr" presetSubtype="0" fill="hold" nodeType="clickEffect">
-                                  <p:stCondLst>
-                                    <p:cond delay="0"/>
-                                  </p:stCondLst>
-                                  <p:childTnLst>
-                                    <p:set>
-                                      <p:cBhvr>
-                                        <p:cTn id="30" dur="1" fill="hold">
-                                          <p:stCondLst>
-                                            <p:cond delay="0"/>
-                                          </p:stCondLst>
-                                        </p:cTn>
-                                        <p:tgtEl>
-                                          <p:spTgt spid="3">
-                                            <p:txEl>
-                                              <p:pRg st="7" end="7"/>
-                                            </p:txEl>
-                                          </p:spTgt>
-                                        </p:tgtEl>
-                                        <p:attrNameLst>
-                                          <p:attrName>style.visibility</p:attrName>
-                                        </p:attrNameLst>
-                                      </p:cBhvr>
-                                      <p:to>
-                                        <p:strVal val="visible"/>
-                                      </p:to>
-                                    </p:set>
-                                  </p:childTnLst>
-                                </p:cTn>
-                              </p:par>
-                            </p:childTnLst>
-                          </p:cTn>
-                        </p:par>
-                      </p:childTnLst>
-                    </p:cTn>
-                  </p:par>
-                </p:childTnLst>
-              </p:cTn>
-              <p:prevCondLst>
-                <p:cond evt="onPrev" delay="0">
-                  <p:tgtEl>
-                    <p:sldTgt/>
-                  </p:tgtEl>
-                </p:cond>
-              </p:prevCondLst>
-              <p:nextCondLst>
-                <p:cond evt="onNext" delay="0">
-                  <p:tgtEl>
-                    <p:sldTgt/>
-                  </p:tgtEl>
-                </p:cond>
-              </p:nextCondLst>
-            </p:seq>
-          </p:childTnLst>
-        </p:cTn>
-      </p:par>
-    </p:tnLst>
-  </p:timing>
-</p:sld>
-</file>
-
 <file path=ppt/theme/theme1.xml><?xml version="1.0" encoding="utf-8"?>
 <a:theme xmlns:a="http://schemas.openxmlformats.org/drawingml/2006/main" name="Office Theme">
   <a:themeElements>
